--- a/curriculum/Unit6/Unit 6 Slides.pptx
+++ b/curriculum/Unit6/Unit 6 Slides.pptx
@@ -2,25 +2,25 @@
 <file path=ppt/presentation.xml><?xml version="1.0" encoding="utf-8"?>
 <p:presentation xmlns:a="http://schemas.openxmlformats.org/drawingml/2006/main" xmlns:r="http://schemas.openxmlformats.org/officeDocument/2006/relationships" xmlns:p="http://schemas.openxmlformats.org/presentationml/2006/main" saveSubsetFonts="1" autoCompressPictures="0">
   <p:sldMasterIdLst>
-    <p:sldMasterId id="2147483648" r:id="rId1"/>
+    <p:sldMasterId id="2147483648" r:id="rId4"/>
   </p:sldMasterIdLst>
   <p:notesMasterIdLst>
-    <p:notesMasterId r:id="rId12"/>
+    <p:notesMasterId r:id="rId15"/>
   </p:notesMasterIdLst>
   <p:handoutMasterIdLst>
-    <p:handoutMasterId r:id="rId13"/>
+    <p:handoutMasterId r:id="rId16"/>
   </p:handoutMasterIdLst>
   <p:sldIdLst>
-    <p:sldId id="271" r:id="rId2"/>
-    <p:sldId id="282" r:id="rId3"/>
-    <p:sldId id="278" r:id="rId4"/>
-    <p:sldId id="279" r:id="rId5"/>
-    <p:sldId id="276" r:id="rId6"/>
-    <p:sldId id="283" r:id="rId7"/>
-    <p:sldId id="284" r:id="rId8"/>
-    <p:sldId id="285" r:id="rId9"/>
-    <p:sldId id="273" r:id="rId10"/>
-    <p:sldId id="281" r:id="rId11"/>
+    <p:sldId id="271" r:id="rId5"/>
+    <p:sldId id="282" r:id="rId6"/>
+    <p:sldId id="278" r:id="rId7"/>
+    <p:sldId id="279" r:id="rId8"/>
+    <p:sldId id="276" r:id="rId9"/>
+    <p:sldId id="283" r:id="rId10"/>
+    <p:sldId id="284" r:id="rId11"/>
+    <p:sldId id="285" r:id="rId12"/>
+    <p:sldId id="273" r:id="rId13"/>
+    <p:sldId id="281" r:id="rId14"/>
   </p:sldIdLst>
   <p:sldSz cx="9144000" cy="6858000" type="screen4x3"/>
   <p:notesSz cx="6858000" cy="9144000"/>
@@ -119,6 +119,22 @@
       </a:defRPr>
     </a:lvl9pPr>
   </p:defaultTextStyle>
+  <p:extLst>
+    <p:ext uri="{EFAFB233-063F-42B5-8137-9DF3F51BA10A}">
+      <p15:sldGuideLst xmlns:p15="http://schemas.microsoft.com/office/powerpoint/2012/main">
+        <p15:guide id="1" orient="horz" pos="2160">
+          <p15:clr>
+            <a:srgbClr val="A4A3A4"/>
+          </p15:clr>
+        </p15:guide>
+        <p15:guide id="2" pos="2880">
+          <p15:clr>
+            <a:srgbClr val="A4A3A4"/>
+          </p15:clr>
+        </p15:guide>
+      </p15:sldGuideLst>
+    </p:ext>
+  </p:extLst>
 </p:presentation>
 </file>
 
@@ -204,7 +220,7 @@
           <a:p>
             <a:fld id="{6D0754E3-E03E-ED44-9A59-706283C2F2CC}" type="datetimeFigureOut">
               <a:rPr lang="en-US" smtClean="0"/>
-              <a:t>6/23/15</a:t>
+              <a:t>2/18/2020</a:t>
             </a:fld>
             <a:endParaRPr lang="en-US"/>
           </a:p>
@@ -370,7 +386,7 @@
           <a:p>
             <a:fld id="{44996FB4-6AD2-FE4B-B45E-D44A9C110DAF}" type="datetimeFigureOut">
               <a:rPr lang="en-US" smtClean="0"/>
-              <a:t>6/23/15</a:t>
+              <a:t>2/18/2020</a:t>
             </a:fld>
             <a:endParaRPr lang="en-US"/>
           </a:p>
@@ -434,38 +450,37 @@
           <a:p>
             <a:pPr lvl="0"/>
             <a:r>
-              <a:rPr lang="en-US" smtClean="0"/>
+              <a:rPr lang="en-US"/>
               <a:t>Click to edit Master text styles</a:t>
             </a:r>
           </a:p>
           <a:p>
             <a:pPr lvl="1"/>
             <a:r>
-              <a:rPr lang="en-US" smtClean="0"/>
+              <a:rPr lang="en-US"/>
               <a:t>Second level</a:t>
             </a:r>
           </a:p>
           <a:p>
             <a:pPr lvl="2"/>
             <a:r>
-              <a:rPr lang="en-US" smtClean="0"/>
+              <a:rPr lang="en-US"/>
               <a:t>Third level</a:t>
             </a:r>
           </a:p>
           <a:p>
             <a:pPr lvl="3"/>
             <a:r>
-              <a:rPr lang="en-US" smtClean="0"/>
+              <a:rPr lang="en-US"/>
               <a:t>Fourth level</a:t>
             </a:r>
           </a:p>
           <a:p>
             <a:pPr lvl="4"/>
             <a:r>
-              <a:rPr lang="en-US" smtClean="0"/>
+              <a:rPr lang="en-US"/>
               <a:t>Fifth level</a:t>
             </a:r>
-            <a:endParaRPr lang="en-US"/>
           </a:p>
         </p:txBody>
       </p:sp>
@@ -677,10 +692,9 @@
           <a:lstStyle/>
           <a:p>
             <a:r>
-              <a:rPr lang="en-US" smtClean="0"/>
+              <a:rPr lang="en-US"/>
               <a:t>Click to edit Master title style</a:t>
             </a:r>
-            <a:endParaRPr lang="en-US"/>
           </a:p>
         </p:txBody>
       </p:sp>
@@ -796,10 +810,9 @@
           </a:lstStyle>
           <a:p>
             <a:r>
-              <a:rPr lang="en-US" smtClean="0"/>
+              <a:rPr lang="en-US"/>
               <a:t>Click to edit Master subtitle style</a:t>
             </a:r>
-            <a:endParaRPr lang="en-US"/>
           </a:p>
         </p:txBody>
       </p:sp>
@@ -820,7 +833,7 @@
           <a:p>
             <a:fld id="{34990CC2-A8CC-B149-BA8F-DDB0E524EE45}" type="datetime1">
               <a:rPr lang="en-US" smtClean="0"/>
-              <a:t>6/23/15</a:t>
+              <a:t>2/18/2020</a:t>
             </a:fld>
             <a:endParaRPr lang="en-US"/>
           </a:p>
@@ -842,10 +855,9 @@
           <a:lstStyle/>
           <a:p>
             <a:r>
-              <a:rPr lang="en-US" smtClean="0"/>
+              <a:rPr lang="en-US"/>
               <a:t>Developed by TEALS in 2015  www.tealsk12.org</a:t>
             </a:r>
-            <a:endParaRPr lang="en-US"/>
           </a:p>
         </p:txBody>
       </p:sp>
@@ -918,10 +930,9 @@
           <a:lstStyle/>
           <a:p>
             <a:r>
-              <a:rPr lang="en-US" smtClean="0"/>
+              <a:rPr lang="en-US"/>
               <a:t>Click to edit Master title style</a:t>
             </a:r>
-            <a:endParaRPr lang="en-US"/>
           </a:p>
         </p:txBody>
       </p:sp>
@@ -942,38 +953,37 @@
           <a:p>
             <a:pPr lvl="0"/>
             <a:r>
-              <a:rPr lang="en-US" smtClean="0"/>
+              <a:rPr lang="en-US"/>
               <a:t>Click to edit Master text styles</a:t>
             </a:r>
           </a:p>
           <a:p>
             <a:pPr lvl="1"/>
             <a:r>
-              <a:rPr lang="en-US" smtClean="0"/>
+              <a:rPr lang="en-US"/>
               <a:t>Second level</a:t>
             </a:r>
           </a:p>
           <a:p>
             <a:pPr lvl="2"/>
             <a:r>
-              <a:rPr lang="en-US" smtClean="0"/>
+              <a:rPr lang="en-US"/>
               <a:t>Third level</a:t>
             </a:r>
           </a:p>
           <a:p>
             <a:pPr lvl="3"/>
             <a:r>
-              <a:rPr lang="en-US" smtClean="0"/>
+              <a:rPr lang="en-US"/>
               <a:t>Fourth level</a:t>
             </a:r>
           </a:p>
           <a:p>
             <a:pPr lvl="4"/>
             <a:r>
-              <a:rPr lang="en-US" smtClean="0"/>
+              <a:rPr lang="en-US"/>
               <a:t>Fifth level</a:t>
             </a:r>
-            <a:endParaRPr lang="en-US"/>
           </a:p>
         </p:txBody>
       </p:sp>
@@ -994,7 +1004,7 @@
           <a:p>
             <a:fld id="{96267D05-F6C2-F64A-9C7F-A94B43164B5C}" type="datetime1">
               <a:rPr lang="en-US" smtClean="0"/>
-              <a:t>6/23/15</a:t>
+              <a:t>2/18/2020</a:t>
             </a:fld>
             <a:endParaRPr lang="en-US"/>
           </a:p>
@@ -1016,10 +1026,9 @@
           <a:lstStyle/>
           <a:p>
             <a:r>
-              <a:rPr lang="en-US" smtClean="0"/>
+              <a:rPr lang="en-US"/>
               <a:t>Developed by TEALS in 2015  www.tealsk12.org</a:t>
             </a:r>
-            <a:endParaRPr lang="en-US"/>
           </a:p>
         </p:txBody>
       </p:sp>
@@ -1097,10 +1106,9 @@
           <a:lstStyle/>
           <a:p>
             <a:r>
-              <a:rPr lang="en-US" smtClean="0"/>
+              <a:rPr lang="en-US"/>
               <a:t>Click to edit Master title style</a:t>
             </a:r>
-            <a:endParaRPr lang="en-US"/>
           </a:p>
         </p:txBody>
       </p:sp>
@@ -1126,38 +1134,37 @@
           <a:p>
             <a:pPr lvl="0"/>
             <a:r>
-              <a:rPr lang="en-US" smtClean="0"/>
+              <a:rPr lang="en-US"/>
               <a:t>Click to edit Master text styles</a:t>
             </a:r>
           </a:p>
           <a:p>
             <a:pPr lvl="1"/>
             <a:r>
-              <a:rPr lang="en-US" smtClean="0"/>
+              <a:rPr lang="en-US"/>
               <a:t>Second level</a:t>
             </a:r>
           </a:p>
           <a:p>
             <a:pPr lvl="2"/>
             <a:r>
-              <a:rPr lang="en-US" smtClean="0"/>
+              <a:rPr lang="en-US"/>
               <a:t>Third level</a:t>
             </a:r>
           </a:p>
           <a:p>
             <a:pPr lvl="3"/>
             <a:r>
-              <a:rPr lang="en-US" smtClean="0"/>
+              <a:rPr lang="en-US"/>
               <a:t>Fourth level</a:t>
             </a:r>
           </a:p>
           <a:p>
             <a:pPr lvl="4"/>
             <a:r>
-              <a:rPr lang="en-US" smtClean="0"/>
+              <a:rPr lang="en-US"/>
               <a:t>Fifth level</a:t>
             </a:r>
-            <a:endParaRPr lang="en-US"/>
           </a:p>
         </p:txBody>
       </p:sp>
@@ -1178,7 +1185,7 @@
           <a:p>
             <a:fld id="{087C1978-9D0A-A345-9E84-F995A3601C8E}" type="datetime1">
               <a:rPr lang="en-US" smtClean="0"/>
-              <a:t>6/23/15</a:t>
+              <a:t>2/18/2020</a:t>
             </a:fld>
             <a:endParaRPr lang="en-US"/>
           </a:p>
@@ -1200,10 +1207,9 @@
           <a:lstStyle/>
           <a:p>
             <a:r>
-              <a:rPr lang="en-US" smtClean="0"/>
+              <a:rPr lang="en-US"/>
               <a:t>Developed by TEALS in 2015  www.tealsk12.org</a:t>
             </a:r>
-            <a:endParaRPr lang="en-US"/>
           </a:p>
         </p:txBody>
       </p:sp>
@@ -1276,10 +1282,9 @@
           <a:lstStyle/>
           <a:p>
             <a:r>
-              <a:rPr lang="en-US" smtClean="0"/>
+              <a:rPr lang="en-US"/>
               <a:t>Click to edit Master title style</a:t>
             </a:r>
-            <a:endParaRPr lang="en-US"/>
           </a:p>
         </p:txBody>
       </p:sp>
@@ -1300,38 +1305,37 @@
           <a:p>
             <a:pPr lvl="0"/>
             <a:r>
-              <a:rPr lang="en-US" smtClean="0"/>
+              <a:rPr lang="en-US"/>
               <a:t>Click to edit Master text styles</a:t>
             </a:r>
           </a:p>
           <a:p>
             <a:pPr lvl="1"/>
             <a:r>
-              <a:rPr lang="en-US" smtClean="0"/>
+              <a:rPr lang="en-US"/>
               <a:t>Second level</a:t>
             </a:r>
           </a:p>
           <a:p>
             <a:pPr lvl="2"/>
             <a:r>
-              <a:rPr lang="en-US" smtClean="0"/>
+              <a:rPr lang="en-US"/>
               <a:t>Third level</a:t>
             </a:r>
           </a:p>
           <a:p>
             <a:pPr lvl="3"/>
             <a:r>
-              <a:rPr lang="en-US" smtClean="0"/>
+              <a:rPr lang="en-US"/>
               <a:t>Fourth level</a:t>
             </a:r>
           </a:p>
           <a:p>
             <a:pPr lvl="4"/>
             <a:r>
-              <a:rPr lang="en-US" smtClean="0"/>
+              <a:rPr lang="en-US"/>
               <a:t>Fifth level</a:t>
             </a:r>
-            <a:endParaRPr lang="en-US"/>
           </a:p>
         </p:txBody>
       </p:sp>
@@ -1352,7 +1356,7 @@
           <a:p>
             <a:fld id="{620CD570-9DDA-524E-9F58-9DBC8D3A8C31}" type="datetime1">
               <a:rPr lang="en-US" smtClean="0"/>
-              <a:t>6/23/15</a:t>
+              <a:t>2/18/2020</a:t>
             </a:fld>
             <a:endParaRPr lang="en-US"/>
           </a:p>
@@ -1374,10 +1378,9 @@
           <a:lstStyle/>
           <a:p>
             <a:r>
-              <a:rPr lang="en-US" smtClean="0"/>
+              <a:rPr lang="en-US"/>
               <a:t>Developed by TEALS in 2015  www.tealsk12.org</a:t>
             </a:r>
-            <a:endParaRPr lang="en-US"/>
           </a:p>
         </p:txBody>
       </p:sp>
@@ -1459,10 +1462,9 @@
           </a:lstStyle>
           <a:p>
             <a:r>
-              <a:rPr lang="en-US" smtClean="0"/>
+              <a:rPr lang="en-US"/>
               <a:t>Click to edit Master title style</a:t>
             </a:r>
-            <a:endParaRPr lang="en-US"/>
           </a:p>
         </p:txBody>
       </p:sp>
@@ -1579,7 +1581,7 @@
           <a:p>
             <a:pPr lvl="0"/>
             <a:r>
-              <a:rPr lang="en-US" smtClean="0"/>
+              <a:rPr lang="en-US"/>
               <a:t>Click to edit Master text styles</a:t>
             </a:r>
           </a:p>
@@ -1602,7 +1604,7 @@
           <a:p>
             <a:fld id="{FEBAD56B-400E-5542-B4A1-CD46AB8B4D0E}" type="datetime1">
               <a:rPr lang="en-US" smtClean="0"/>
-              <a:t>6/23/15</a:t>
+              <a:t>2/18/2020</a:t>
             </a:fld>
             <a:endParaRPr lang="en-US"/>
           </a:p>
@@ -1624,10 +1626,9 @@
           <a:lstStyle/>
           <a:p>
             <a:r>
-              <a:rPr lang="en-US" smtClean="0"/>
+              <a:rPr lang="en-US"/>
               <a:t>Developed by TEALS in 2015  www.tealsk12.org</a:t>
             </a:r>
-            <a:endParaRPr lang="en-US"/>
           </a:p>
         </p:txBody>
       </p:sp>
@@ -1700,10 +1701,9 @@
           <a:lstStyle/>
           <a:p>
             <a:r>
-              <a:rPr lang="en-US" smtClean="0"/>
+              <a:rPr lang="en-US"/>
               <a:t>Click to edit Master title style</a:t>
             </a:r>
-            <a:endParaRPr lang="en-US"/>
           </a:p>
         </p:txBody>
       </p:sp>
@@ -1757,38 +1757,37 @@
           <a:p>
             <a:pPr lvl="0"/>
             <a:r>
-              <a:rPr lang="en-US" smtClean="0"/>
+              <a:rPr lang="en-US"/>
               <a:t>Click to edit Master text styles</a:t>
             </a:r>
           </a:p>
           <a:p>
             <a:pPr lvl="1"/>
             <a:r>
-              <a:rPr lang="en-US" smtClean="0"/>
+              <a:rPr lang="en-US"/>
               <a:t>Second level</a:t>
             </a:r>
           </a:p>
           <a:p>
             <a:pPr lvl="2"/>
             <a:r>
-              <a:rPr lang="en-US" smtClean="0"/>
+              <a:rPr lang="en-US"/>
               <a:t>Third level</a:t>
             </a:r>
           </a:p>
           <a:p>
             <a:pPr lvl="3"/>
             <a:r>
-              <a:rPr lang="en-US" smtClean="0"/>
+              <a:rPr lang="en-US"/>
               <a:t>Fourth level</a:t>
             </a:r>
           </a:p>
           <a:p>
             <a:pPr lvl="4"/>
             <a:r>
-              <a:rPr lang="en-US" smtClean="0"/>
+              <a:rPr lang="en-US"/>
               <a:t>Fifth level</a:t>
             </a:r>
-            <a:endParaRPr lang="en-US"/>
           </a:p>
         </p:txBody>
       </p:sp>
@@ -1842,38 +1841,37 @@
           <a:p>
             <a:pPr lvl="0"/>
             <a:r>
-              <a:rPr lang="en-US" smtClean="0"/>
+              <a:rPr lang="en-US"/>
               <a:t>Click to edit Master text styles</a:t>
             </a:r>
           </a:p>
           <a:p>
             <a:pPr lvl="1"/>
             <a:r>
-              <a:rPr lang="en-US" smtClean="0"/>
+              <a:rPr lang="en-US"/>
               <a:t>Second level</a:t>
             </a:r>
           </a:p>
           <a:p>
             <a:pPr lvl="2"/>
             <a:r>
-              <a:rPr lang="en-US" smtClean="0"/>
+              <a:rPr lang="en-US"/>
               <a:t>Third level</a:t>
             </a:r>
           </a:p>
           <a:p>
             <a:pPr lvl="3"/>
             <a:r>
-              <a:rPr lang="en-US" smtClean="0"/>
+              <a:rPr lang="en-US"/>
               <a:t>Fourth level</a:t>
             </a:r>
           </a:p>
           <a:p>
             <a:pPr lvl="4"/>
             <a:r>
-              <a:rPr lang="en-US" smtClean="0"/>
+              <a:rPr lang="en-US"/>
               <a:t>Fifth level</a:t>
             </a:r>
-            <a:endParaRPr lang="en-US"/>
           </a:p>
         </p:txBody>
       </p:sp>
@@ -1894,7 +1892,7 @@
           <a:p>
             <a:fld id="{43394E63-B418-1F4A-9C08-2548B9C5B3C1}" type="datetime1">
               <a:rPr lang="en-US" smtClean="0"/>
-              <a:t>6/23/15</a:t>
+              <a:t>2/18/2020</a:t>
             </a:fld>
             <a:endParaRPr lang="en-US"/>
           </a:p>
@@ -1916,10 +1914,9 @@
           <a:lstStyle/>
           <a:p>
             <a:r>
-              <a:rPr lang="en-US" smtClean="0"/>
+              <a:rPr lang="en-US"/>
               <a:t>Developed by TEALS in 2015  www.tealsk12.org</a:t>
             </a:r>
-            <a:endParaRPr lang="en-US"/>
           </a:p>
         </p:txBody>
       </p:sp>
@@ -1996,10 +1993,9 @@
           </a:lstStyle>
           <a:p>
             <a:r>
-              <a:rPr lang="en-US" smtClean="0"/>
+              <a:rPr lang="en-US"/>
               <a:t>Click to edit Master title style</a:t>
             </a:r>
-            <a:endParaRPr lang="en-US"/>
           </a:p>
         </p:txBody>
       </p:sp>
@@ -2062,7 +2058,7 @@
           <a:p>
             <a:pPr lvl="0"/>
             <a:r>
-              <a:rPr lang="en-US" smtClean="0"/>
+              <a:rPr lang="en-US"/>
               <a:t>Click to edit Master text styles</a:t>
             </a:r>
           </a:p>
@@ -2118,38 +2114,37 @@
           <a:p>
             <a:pPr lvl="0"/>
             <a:r>
-              <a:rPr lang="en-US" smtClean="0"/>
+              <a:rPr lang="en-US"/>
               <a:t>Click to edit Master text styles</a:t>
             </a:r>
           </a:p>
           <a:p>
             <a:pPr lvl="1"/>
             <a:r>
-              <a:rPr lang="en-US" smtClean="0"/>
+              <a:rPr lang="en-US"/>
               <a:t>Second level</a:t>
             </a:r>
           </a:p>
           <a:p>
             <a:pPr lvl="2"/>
             <a:r>
-              <a:rPr lang="en-US" smtClean="0"/>
+              <a:rPr lang="en-US"/>
               <a:t>Third level</a:t>
             </a:r>
           </a:p>
           <a:p>
             <a:pPr lvl="3"/>
             <a:r>
-              <a:rPr lang="en-US" smtClean="0"/>
+              <a:rPr lang="en-US"/>
               <a:t>Fourth level</a:t>
             </a:r>
           </a:p>
           <a:p>
             <a:pPr lvl="4"/>
             <a:r>
-              <a:rPr lang="en-US" smtClean="0"/>
+              <a:rPr lang="en-US"/>
               <a:t>Fifth level</a:t>
             </a:r>
-            <a:endParaRPr lang="en-US"/>
           </a:p>
         </p:txBody>
       </p:sp>
@@ -2212,7 +2207,7 @@
           <a:p>
             <a:pPr lvl="0"/>
             <a:r>
-              <a:rPr lang="en-US" smtClean="0"/>
+              <a:rPr lang="en-US"/>
               <a:t>Click to edit Master text styles</a:t>
             </a:r>
           </a:p>
@@ -2268,38 +2263,37 @@
           <a:p>
             <a:pPr lvl="0"/>
             <a:r>
-              <a:rPr lang="en-US" smtClean="0"/>
+              <a:rPr lang="en-US"/>
               <a:t>Click to edit Master text styles</a:t>
             </a:r>
           </a:p>
           <a:p>
             <a:pPr lvl="1"/>
             <a:r>
-              <a:rPr lang="en-US" smtClean="0"/>
+              <a:rPr lang="en-US"/>
               <a:t>Second level</a:t>
             </a:r>
           </a:p>
           <a:p>
             <a:pPr lvl="2"/>
             <a:r>
-              <a:rPr lang="en-US" smtClean="0"/>
+              <a:rPr lang="en-US"/>
               <a:t>Third level</a:t>
             </a:r>
           </a:p>
           <a:p>
             <a:pPr lvl="3"/>
             <a:r>
-              <a:rPr lang="en-US" smtClean="0"/>
+              <a:rPr lang="en-US"/>
               <a:t>Fourth level</a:t>
             </a:r>
           </a:p>
           <a:p>
             <a:pPr lvl="4"/>
             <a:r>
-              <a:rPr lang="en-US" smtClean="0"/>
+              <a:rPr lang="en-US"/>
               <a:t>Fifth level</a:t>
             </a:r>
-            <a:endParaRPr lang="en-US"/>
           </a:p>
         </p:txBody>
       </p:sp>
@@ -2320,7 +2314,7 @@
           <a:p>
             <a:fld id="{6F92EF41-DD41-C742-BC3B-970F41658B68}" type="datetime1">
               <a:rPr lang="en-US" smtClean="0"/>
-              <a:t>6/23/15</a:t>
+              <a:t>2/18/2020</a:t>
             </a:fld>
             <a:endParaRPr lang="en-US"/>
           </a:p>
@@ -2342,10 +2336,9 @@
           <a:lstStyle/>
           <a:p>
             <a:r>
-              <a:rPr lang="en-US" smtClean="0"/>
+              <a:rPr lang="en-US"/>
               <a:t>Developed by TEALS in 2015  www.tealsk12.org</a:t>
             </a:r>
-            <a:endParaRPr lang="en-US"/>
           </a:p>
         </p:txBody>
       </p:sp>
@@ -2418,10 +2411,9 @@
           <a:lstStyle/>
           <a:p>
             <a:r>
-              <a:rPr lang="en-US" smtClean="0"/>
+              <a:rPr lang="en-US"/>
               <a:t>Click to edit Master title style</a:t>
             </a:r>
-            <a:endParaRPr lang="en-US"/>
           </a:p>
         </p:txBody>
       </p:sp>
@@ -2442,7 +2434,7 @@
           <a:p>
             <a:fld id="{631009B9-6DC3-0349-8BB5-CE1E5B2C68D1}" type="datetime1">
               <a:rPr lang="en-US" smtClean="0"/>
-              <a:t>6/23/15</a:t>
+              <a:t>2/18/2020</a:t>
             </a:fld>
             <a:endParaRPr lang="en-US"/>
           </a:p>
@@ -2464,10 +2456,9 @@
           <a:lstStyle/>
           <a:p>
             <a:r>
-              <a:rPr lang="en-US" smtClean="0"/>
+              <a:rPr lang="en-US"/>
               <a:t>Developed by TEALS in 2015  www.tealsk12.org</a:t>
             </a:r>
-            <a:endParaRPr lang="en-US"/>
           </a:p>
         </p:txBody>
       </p:sp>
@@ -2541,7 +2532,7 @@
           <a:p>
             <a:fld id="{DBD68779-2025-B44F-AD23-DF62F9874F1B}" type="datetime1">
               <a:rPr lang="en-US" smtClean="0"/>
-              <a:t>6/23/15</a:t>
+              <a:t>2/18/2020</a:t>
             </a:fld>
             <a:endParaRPr lang="en-US"/>
           </a:p>
@@ -2563,10 +2554,9 @@
           <a:lstStyle/>
           <a:p>
             <a:r>
-              <a:rPr lang="en-US" smtClean="0"/>
+              <a:rPr lang="en-US"/>
               <a:t>Developed by TEALS in 2015  www.tealsk12.org</a:t>
             </a:r>
-            <a:endParaRPr lang="en-US"/>
           </a:p>
         </p:txBody>
       </p:sp>
@@ -2648,10 +2638,9 @@
           </a:lstStyle>
           <a:p>
             <a:r>
-              <a:rPr lang="en-US" smtClean="0"/>
+              <a:rPr lang="en-US"/>
               <a:t>Click to edit Master title style</a:t>
             </a:r>
-            <a:endParaRPr lang="en-US"/>
           </a:p>
         </p:txBody>
       </p:sp>
@@ -2705,38 +2694,37 @@
           <a:p>
             <a:pPr lvl="0"/>
             <a:r>
-              <a:rPr lang="en-US" smtClean="0"/>
+              <a:rPr lang="en-US"/>
               <a:t>Click to edit Master text styles</a:t>
             </a:r>
           </a:p>
           <a:p>
             <a:pPr lvl="1"/>
             <a:r>
-              <a:rPr lang="en-US" smtClean="0"/>
+              <a:rPr lang="en-US"/>
               <a:t>Second level</a:t>
             </a:r>
           </a:p>
           <a:p>
             <a:pPr lvl="2"/>
             <a:r>
-              <a:rPr lang="en-US" smtClean="0"/>
+              <a:rPr lang="en-US"/>
               <a:t>Third level</a:t>
             </a:r>
           </a:p>
           <a:p>
             <a:pPr lvl="3"/>
             <a:r>
-              <a:rPr lang="en-US" smtClean="0"/>
+              <a:rPr lang="en-US"/>
               <a:t>Fourth level</a:t>
             </a:r>
           </a:p>
           <a:p>
             <a:pPr lvl="4"/>
             <a:r>
-              <a:rPr lang="en-US" smtClean="0"/>
+              <a:rPr lang="en-US"/>
               <a:t>Fifth level</a:t>
             </a:r>
-            <a:endParaRPr lang="en-US"/>
           </a:p>
         </p:txBody>
       </p:sp>
@@ -2799,7 +2787,7 @@
           <a:p>
             <a:pPr lvl="0"/>
             <a:r>
-              <a:rPr lang="en-US" smtClean="0"/>
+              <a:rPr lang="en-US"/>
               <a:t>Click to edit Master text styles</a:t>
             </a:r>
           </a:p>
@@ -2822,7 +2810,7 @@
           <a:p>
             <a:fld id="{1C533E1B-B859-DB4E-86F0-BE8C9C0ABFF7}" type="datetime1">
               <a:rPr lang="en-US" smtClean="0"/>
-              <a:t>6/23/15</a:t>
+              <a:t>2/18/2020</a:t>
             </a:fld>
             <a:endParaRPr lang="en-US"/>
           </a:p>
@@ -2844,10 +2832,9 @@
           <a:lstStyle/>
           <a:p>
             <a:r>
-              <a:rPr lang="en-US" smtClean="0"/>
+              <a:rPr lang="en-US"/>
               <a:t>Developed by TEALS in 2015  www.tealsk12.org</a:t>
             </a:r>
-            <a:endParaRPr lang="en-US"/>
           </a:p>
         </p:txBody>
       </p:sp>
@@ -2929,10 +2916,9 @@
           </a:lstStyle>
           <a:p>
             <a:r>
-              <a:rPr lang="en-US" smtClean="0"/>
+              <a:rPr lang="en-US"/>
               <a:t>Click to edit Master title style</a:t>
             </a:r>
-            <a:endParaRPr lang="en-US"/>
           </a:p>
         </p:txBody>
       </p:sp>
@@ -3056,7 +3042,7 @@
           <a:p>
             <a:pPr lvl="0"/>
             <a:r>
-              <a:rPr lang="en-US" smtClean="0"/>
+              <a:rPr lang="en-US"/>
               <a:t>Click to edit Master text styles</a:t>
             </a:r>
           </a:p>
@@ -3079,7 +3065,7 @@
           <a:p>
             <a:fld id="{AC1EAEA1-8470-6B4A-8D60-97578450ABB9}" type="datetime1">
               <a:rPr lang="en-US" smtClean="0"/>
-              <a:t>6/23/15</a:t>
+              <a:t>2/18/2020</a:t>
             </a:fld>
             <a:endParaRPr lang="en-US"/>
           </a:p>
@@ -3101,10 +3087,9 @@
           <a:lstStyle/>
           <a:p>
             <a:r>
-              <a:rPr lang="en-US" smtClean="0"/>
+              <a:rPr lang="en-US"/>
               <a:t>Developed by TEALS in 2015  www.tealsk12.org</a:t>
             </a:r>
-            <a:endParaRPr lang="en-US"/>
           </a:p>
         </p:txBody>
       </p:sp>
@@ -3192,10 +3177,9 @@
           <a:lstStyle/>
           <a:p>
             <a:r>
-              <a:rPr lang="en-US" smtClean="0"/>
+              <a:rPr lang="en-US"/>
               <a:t>Click to edit Master title style</a:t>
             </a:r>
-            <a:endParaRPr lang="en-US"/>
           </a:p>
         </p:txBody>
       </p:sp>
@@ -3226,38 +3210,37 @@
           <a:p>
             <a:pPr lvl="0"/>
             <a:r>
-              <a:rPr lang="en-US" smtClean="0"/>
+              <a:rPr lang="en-US"/>
               <a:t>Click to edit Master text styles</a:t>
             </a:r>
           </a:p>
           <a:p>
             <a:pPr lvl="1"/>
             <a:r>
-              <a:rPr lang="en-US" smtClean="0"/>
+              <a:rPr lang="en-US"/>
               <a:t>Second level</a:t>
             </a:r>
           </a:p>
           <a:p>
             <a:pPr lvl="2"/>
             <a:r>
-              <a:rPr lang="en-US" smtClean="0"/>
+              <a:rPr lang="en-US"/>
               <a:t>Third level</a:t>
             </a:r>
           </a:p>
           <a:p>
             <a:pPr lvl="3"/>
             <a:r>
-              <a:rPr lang="en-US" smtClean="0"/>
+              <a:rPr lang="en-US"/>
               <a:t>Fourth level</a:t>
             </a:r>
           </a:p>
           <a:p>
             <a:pPr lvl="4"/>
             <a:r>
-              <a:rPr lang="en-US" smtClean="0"/>
+              <a:rPr lang="en-US"/>
               <a:t>Fifth level</a:t>
             </a:r>
-            <a:endParaRPr lang="en-US"/>
           </a:p>
         </p:txBody>
       </p:sp>
@@ -3296,7 +3279,7 @@
           <a:p>
             <a:fld id="{EB2A284D-251E-7046-B0B7-6A85726BD855}" type="datetime1">
               <a:rPr lang="en-US" smtClean="0"/>
-              <a:t>6/23/15</a:t>
+              <a:t>2/18/2020</a:t>
             </a:fld>
             <a:endParaRPr lang="en-US"/>
           </a:p>
@@ -3336,10 +3319,9 @@
           </a:lstStyle>
           <a:p>
             <a:r>
-              <a:rPr lang="en-US" smtClean="0"/>
+              <a:rPr lang="en-US"/>
               <a:t>Developed by TEALS in 2015  www.tealsk12.org</a:t>
             </a:r>
-            <a:endParaRPr lang="en-US"/>
           </a:p>
         </p:txBody>
       </p:sp>
@@ -3694,30 +3676,17 @@
           <a:lstStyle/>
           <a:p>
             <a:r>
-              <a:rPr lang="en-US" b="1" dirty="0" smtClean="0"/>
-              <a:t>Lesson </a:t>
-            </a:r>
-            <a:r>
               <a:rPr lang="en-US" b="1" dirty="0"/>
-              <a:t>6</a:t>
-            </a:r>
-            <a:r>
-              <a:rPr lang="en-US" b="1" dirty="0" smtClean="0"/>
-              <a:t>.0 </a:t>
-            </a:r>
-            <a:r>
-              <a:rPr lang="en-US" dirty="0" smtClean="0">
+              <a:t>Lesson 6.0 </a:t>
+            </a:r>
+            <a:r>
+              <a:rPr lang="en-US" dirty="0">
                 <a:solidFill>
                   <a:srgbClr val="17B1AA"/>
                 </a:solidFill>
               </a:rPr>
               <a:t>Test Review and Reteach</a:t>
             </a:r>
-            <a:endParaRPr lang="en-US" dirty="0">
-              <a:solidFill>
-                <a:srgbClr val="17B1AA"/>
-              </a:solidFill>
-            </a:endParaRPr>
           </a:p>
         </p:txBody>
       </p:sp>
@@ -3746,34 +3715,29 @@
               </a:rPr>
               <a:t>Objectives </a:t>
             </a:r>
-            <a:endParaRPr lang="en-US" dirty="0" smtClean="0">
+          </a:p>
+          <a:p>
+            <a:pPr lvl="1"/>
+            <a:r>
+              <a:rPr lang="en-US" b="1" dirty="0"/>
+              <a:t>Re-learn or strengthen</a:t>
+            </a:r>
+            <a:r>
+              <a:rPr lang="en-US" dirty="0"/>
+              <a:t> content knowledge and skills from Unit 5.</a:t>
+            </a:r>
+            <a:endParaRPr lang="en-US" b="1" dirty="0"/>
+          </a:p>
+          <a:p>
+            <a:endParaRPr lang="en-US" dirty="0">
               <a:solidFill>
                 <a:srgbClr val="17B1AA"/>
               </a:solidFill>
             </a:endParaRPr>
           </a:p>
           <a:p>
-            <a:pPr lvl="1"/>
-            <a:r>
-              <a:rPr lang="en-US" b="1" dirty="0" smtClean="0"/>
-              <a:t>Re-learn or strengthen</a:t>
-            </a:r>
-            <a:r>
-              <a:rPr lang="en-US" dirty="0" smtClean="0"/>
-              <a:t> content knowledge and skills from Unit 5.</a:t>
-            </a:r>
-            <a:endParaRPr lang="en-US" b="1" dirty="0"/>
-          </a:p>
-          <a:p>
-            <a:endParaRPr lang="en-US" dirty="0" smtClean="0">
-              <a:solidFill>
-                <a:srgbClr val="17B1AA"/>
-              </a:solidFill>
-            </a:endParaRPr>
-          </a:p>
-          <a:p>
-            <a:r>
-              <a:rPr lang="en-US" dirty="0" smtClean="0">
+            <a:r>
+              <a:rPr lang="en-US" dirty="0">
                 <a:solidFill>
                   <a:srgbClr val="17B1AA"/>
                 </a:solidFill>
@@ -3784,11 +3748,11 @@
           <a:p>
             <a:pPr lvl="1"/>
             <a:r>
-              <a:rPr lang="en-US" b="1" dirty="0" smtClean="0"/>
+              <a:rPr lang="en-US" b="1" dirty="0"/>
               <a:t>Re-submit</a:t>
             </a:r>
             <a:r>
-              <a:rPr lang="en-US" dirty="0" smtClean="0"/>
+              <a:rPr lang="en-US" dirty="0"/>
               <a:t> test answers with updated corrections</a:t>
             </a:r>
             <a:endParaRPr lang="en-US" b="1" dirty="0"/>
@@ -3808,31 +3772,26 @@
               </a:rPr>
               <a:t>Homework </a:t>
             </a:r>
-            <a:endParaRPr lang="en-US" dirty="0" smtClean="0">
-              <a:solidFill>
-                <a:srgbClr val="17B1AA"/>
-              </a:solidFill>
-            </a:endParaRPr>
           </a:p>
           <a:p>
             <a:pPr lvl="1"/>
             <a:r>
-              <a:rPr lang="en-US" b="1" dirty="0" smtClean="0"/>
+              <a:rPr lang="en-US" b="1" dirty="0"/>
               <a:t>Read</a:t>
             </a:r>
             <a:r>
-              <a:rPr lang="en-US" dirty="0" smtClean="0"/>
+              <a:rPr lang="en-US" dirty="0"/>
               <a:t> HW 9.1</a:t>
             </a:r>
           </a:p>
           <a:p>
             <a:pPr lvl="1"/>
             <a:r>
-              <a:rPr lang="en-US" b="1" dirty="0" smtClean="0"/>
+              <a:rPr lang="en-US" b="1" dirty="0"/>
               <a:t>Correct</a:t>
             </a:r>
             <a:r>
-              <a:rPr lang="en-US" dirty="0" smtClean="0"/>
+              <a:rPr lang="en-US" dirty="0"/>
               <a:t> any incorrect test answers by re-answering on a separate sheet of paper</a:t>
             </a:r>
             <a:endParaRPr lang="en-US" b="1" dirty="0"/>
@@ -3858,10 +3817,9 @@
           <a:lstStyle/>
           <a:p>
             <a:r>
-              <a:rPr lang="en-US" smtClean="0"/>
+              <a:rPr lang="en-US"/>
               <a:t>Developed by TEALS in 2015  www.tealsk12.org</a:t>
             </a:r>
-            <a:endParaRPr lang="en-US"/>
           </a:p>
         </p:txBody>
       </p:sp>
@@ -3911,22 +3869,17 @@
           <a:lstStyle/>
           <a:p>
             <a:r>
-              <a:rPr lang="en-US" b="1" dirty="0" smtClean="0"/>
+              <a:rPr lang="en-US" b="1" dirty="0"/>
               <a:t>Lesson 6.9 </a:t>
             </a:r>
             <a:r>
-              <a:rPr lang="en-US" dirty="0" smtClean="0">
+              <a:rPr lang="en-US" dirty="0">
                 <a:solidFill>
                   <a:srgbClr val="17B1AA"/>
                 </a:solidFill>
               </a:rPr>
               <a:t>Review</a:t>
             </a:r>
-            <a:endParaRPr lang="en-US" dirty="0">
-              <a:solidFill>
-                <a:srgbClr val="17B1AA"/>
-              </a:solidFill>
-            </a:endParaRPr>
           </a:p>
         </p:txBody>
       </p:sp>
@@ -3955,41 +3908,16 @@
               </a:rPr>
               <a:t>Objectives </a:t>
             </a:r>
-            <a:endParaRPr lang="en-US" dirty="0" smtClean="0">
-              <a:solidFill>
-                <a:srgbClr val="17B1AA"/>
-              </a:solidFill>
-            </a:endParaRPr>
           </a:p>
           <a:p>
             <a:pPr lvl="1"/>
             <a:r>
-              <a:rPr lang="en-US" b="1" dirty="0" smtClean="0"/>
+              <a:rPr lang="en-US" b="1" dirty="0"/>
               <a:t>Identify</a:t>
             </a:r>
             <a:r>
-              <a:rPr lang="en-US" dirty="0" smtClean="0"/>
-              <a:t> </a:t>
-            </a:r>
-            <a:r>
               <a:rPr lang="en-US" dirty="0"/>
-              <a:t>weaknesses in </a:t>
-            </a:r>
-            <a:r>
-              <a:rPr lang="en-US" dirty="0" smtClean="0"/>
-              <a:t>Unit </a:t>
-            </a:r>
-            <a:r>
-              <a:rPr lang="en-US" dirty="0"/>
-              <a:t>6</a:t>
-            </a:r>
-            <a:r>
-              <a:rPr lang="en-US" dirty="0" smtClean="0"/>
-              <a:t> </a:t>
-            </a:r>
-            <a:r>
-              <a:rPr lang="en-US" dirty="0"/>
-              <a:t>knowledge.</a:t>
+              <a:t> weaknesses in Unit 6 knowledge.</a:t>
             </a:r>
           </a:p>
           <a:p>
@@ -4007,25 +3935,16 @@
               </a:rPr>
               <a:t>Assessments </a:t>
             </a:r>
-            <a:endParaRPr lang="en-US" dirty="0" smtClean="0">
-              <a:solidFill>
-                <a:srgbClr val="17B1AA"/>
-              </a:solidFill>
-            </a:endParaRPr>
           </a:p>
           <a:p>
             <a:pPr lvl="1"/>
             <a:r>
-              <a:rPr lang="en-US" b="1" dirty="0" smtClean="0"/>
+              <a:rPr lang="en-US" b="1" dirty="0"/>
               <a:t>Create</a:t>
             </a:r>
             <a:r>
-              <a:rPr lang="en-US" dirty="0" smtClean="0"/>
-              <a:t> </a:t>
-            </a:r>
-            <a:r>
               <a:rPr lang="en-US" dirty="0"/>
-              <a:t>a personalized list of review topics to guide tonight’s study session.</a:t>
+              <a:t> a personalized list of review topics to guide tonight’s study session.</a:t>
             </a:r>
           </a:p>
           <a:p>
@@ -4043,35 +3962,21 @@
               </a:rPr>
               <a:t>Homework </a:t>
             </a:r>
-            <a:endParaRPr lang="en-US" dirty="0" smtClean="0">
-              <a:solidFill>
-                <a:srgbClr val="17B1AA"/>
-              </a:solidFill>
-            </a:endParaRPr>
           </a:p>
           <a:p>
             <a:pPr lvl="1"/>
             <a:r>
-              <a:rPr lang="en-US" b="1" dirty="0" smtClean="0"/>
+              <a:rPr lang="en-US" b="1" dirty="0"/>
               <a:t>Study</a:t>
             </a:r>
             <a:r>
-              <a:rPr lang="en-US" dirty="0" smtClean="0"/>
-              <a:t> </a:t>
-            </a:r>
-            <a:r>
               <a:rPr lang="en-US" dirty="0"/>
-              <a:t>for tomorrow’s </a:t>
-            </a:r>
-            <a:r>
-              <a:rPr lang="en-US" dirty="0" smtClean="0"/>
-              <a:t>test using targeted review list</a:t>
-            </a:r>
+              <a:t> for tomorrow’s test using targeted review list</a:t>
+            </a:r>
+          </a:p>
+          <a:p>
             <a:endParaRPr lang="en-US" dirty="0"/>
           </a:p>
-          <a:p>
-            <a:endParaRPr lang="en-US" dirty="0"/>
-          </a:p>
         </p:txBody>
       </p:sp>
       <p:sp>
@@ -4090,10 +3995,9 @@
           <a:lstStyle/>
           <a:p>
             <a:r>
-              <a:rPr lang="en-US" smtClean="0"/>
+              <a:rPr lang="en-US"/>
               <a:t>Developed by TEALS in 2015  www.tealsk12.org</a:t>
             </a:r>
-            <a:endParaRPr lang="en-US"/>
           </a:p>
         </p:txBody>
       </p:sp>
@@ -4145,22 +4049,17 @@
           <a:lstStyle/>
           <a:p>
             <a:r>
-              <a:rPr lang="en-US" b="1" dirty="0" smtClean="0"/>
+              <a:rPr lang="en-US" b="1" dirty="0"/>
               <a:t>Lesson 6.1 </a:t>
             </a:r>
             <a:r>
-              <a:rPr lang="en-US" dirty="0" smtClean="0">
+              <a:rPr lang="en-US" dirty="0">
                 <a:solidFill>
                   <a:srgbClr val="17B1AA"/>
                 </a:solidFill>
               </a:rPr>
               <a:t>Inheritance Basics</a:t>
             </a:r>
-            <a:endParaRPr lang="en-US" dirty="0">
-              <a:solidFill>
-                <a:srgbClr val="17B1AA"/>
-              </a:solidFill>
-            </a:endParaRPr>
           </a:p>
         </p:txBody>
       </p:sp>
@@ -4189,66 +4088,61 @@
               </a:rPr>
               <a:t>Objectives </a:t>
             </a:r>
-            <a:endParaRPr lang="en-US" dirty="0" smtClean="0">
+          </a:p>
+          <a:p>
+            <a:pPr lvl="1"/>
+            <a:r>
+              <a:rPr lang="en-US" b="1" dirty="0"/>
+              <a:t>Correctly define</a:t>
+            </a:r>
+            <a:r>
+              <a:rPr lang="en-US" dirty="0"/>
+              <a:t> inheritance.</a:t>
+            </a:r>
+          </a:p>
+          <a:p>
+            <a:pPr lvl="1"/>
+            <a:r>
+              <a:rPr lang="en-US" b="1" dirty="0"/>
+              <a:t>Use</a:t>
+            </a:r>
+            <a:r>
+              <a:rPr lang="en-US" dirty="0"/>
+              <a:t> proper syntax to extend a class.</a:t>
+            </a:r>
+          </a:p>
+          <a:p>
+            <a:pPr lvl="1"/>
+            <a:r>
+              <a:rPr lang="en-US" b="1" dirty="0"/>
+              <a:t>Illustrate</a:t>
+            </a:r>
+            <a:r>
+              <a:rPr lang="en-US" dirty="0"/>
+              <a:t> is-a relationships.</a:t>
+            </a:r>
+          </a:p>
+          <a:p>
+            <a:pPr lvl="1"/>
+            <a:r>
+              <a:rPr lang="en-US" b="1" dirty="0"/>
+              <a:t>Properly implement</a:t>
+            </a:r>
+            <a:r>
+              <a:rPr lang="en-US" dirty="0"/>
+              <a:t> constructors of derived classes using super.</a:t>
+            </a:r>
+          </a:p>
+          <a:p>
+            <a:endParaRPr lang="en-US" dirty="0">
               <a:solidFill>
                 <a:srgbClr val="17B1AA"/>
               </a:solidFill>
             </a:endParaRPr>
           </a:p>
           <a:p>
-            <a:pPr lvl="1"/>
-            <a:r>
-              <a:rPr lang="en-US" b="1" dirty="0"/>
-              <a:t>Correctly define</a:t>
-            </a:r>
-            <a:r>
-              <a:rPr lang="en-US" dirty="0"/>
-              <a:t> inheritance.</a:t>
-            </a:r>
-          </a:p>
-          <a:p>
-            <a:pPr lvl="1"/>
-            <a:r>
-              <a:rPr lang="en-US" b="1" dirty="0"/>
-              <a:t>Use</a:t>
-            </a:r>
-            <a:r>
-              <a:rPr lang="en-US" dirty="0"/>
-              <a:t> proper syntax to extend a class.</a:t>
-            </a:r>
-          </a:p>
-          <a:p>
-            <a:pPr lvl="1"/>
-            <a:r>
-              <a:rPr lang="en-US" b="1" dirty="0"/>
-              <a:t>Illustrate</a:t>
-            </a:r>
-            <a:r>
-              <a:rPr lang="en-US" dirty="0"/>
-              <a:t> is-a relationships.</a:t>
-            </a:r>
-          </a:p>
-          <a:p>
-            <a:pPr lvl="1"/>
-            <a:r>
-              <a:rPr lang="en-US" b="1" dirty="0"/>
-              <a:t>Properly implement</a:t>
-            </a:r>
-            <a:r>
-              <a:rPr lang="en-US" dirty="0"/>
-              <a:t> constructors of derived classes using super.</a:t>
-            </a:r>
-          </a:p>
-          <a:p>
-            <a:endParaRPr lang="en-US" dirty="0" smtClean="0">
-              <a:solidFill>
-                <a:srgbClr val="17B1AA"/>
-              </a:solidFill>
-            </a:endParaRPr>
-          </a:p>
-          <a:p>
-            <a:r>
-              <a:rPr lang="en-US" dirty="0" smtClean="0">
+            <a:r>
+              <a:rPr lang="en-US" dirty="0">
                 <a:solidFill>
                   <a:srgbClr val="17B1AA"/>
                 </a:solidFill>
@@ -4266,7 +4160,6 @@
               <a:rPr lang="en-US" dirty="0"/>
               <a:t> a Class Hierarchy poster as indicated in WS 6.1 </a:t>
             </a:r>
-            <a:endParaRPr lang="en-US" dirty="0" smtClean="0"/>
           </a:p>
           <a:p>
             <a:pPr marL="914400" lvl="2" indent="0">
@@ -4283,11 +4176,6 @@
               </a:rPr>
               <a:t>Homework </a:t>
             </a:r>
-            <a:endParaRPr lang="en-US" dirty="0" smtClean="0">
-              <a:solidFill>
-                <a:srgbClr val="17B1AA"/>
-              </a:solidFill>
-            </a:endParaRPr>
           </a:p>
           <a:p>
             <a:pPr lvl="1"/>
@@ -4340,10 +4228,9 @@
           <a:lstStyle/>
           <a:p>
             <a:r>
-              <a:rPr lang="en-US" smtClean="0"/>
+              <a:rPr lang="en-US"/>
               <a:t>Developed by TEALS in 2015  www.tealsk12.org</a:t>
             </a:r>
-            <a:endParaRPr lang="en-US"/>
           </a:p>
         </p:txBody>
       </p:sp>
@@ -4395,22 +4282,17 @@
           <a:lstStyle/>
           <a:p>
             <a:r>
-              <a:rPr lang="en-US" b="1" dirty="0" smtClean="0"/>
+              <a:rPr lang="en-US" b="1" dirty="0"/>
               <a:t>Lesson 6.2 </a:t>
             </a:r>
             <a:r>
-              <a:rPr lang="en-US" dirty="0" smtClean="0">
+              <a:rPr lang="en-US" dirty="0">
                 <a:solidFill>
                   <a:srgbClr val="17B1AA"/>
                 </a:solidFill>
               </a:rPr>
               <a:t>Overriding Methods &amp; Accessing Inherited Code</a:t>
             </a:r>
-            <a:endParaRPr lang="en-US" dirty="0">
-              <a:solidFill>
-                <a:srgbClr val="17B1AA"/>
-              </a:solidFill>
-            </a:endParaRPr>
           </a:p>
         </p:txBody>
       </p:sp>
@@ -4439,11 +4321,6 @@
               </a:rPr>
               <a:t>Objectives </a:t>
             </a:r>
-            <a:endParaRPr lang="en-US" dirty="0" smtClean="0">
-              <a:solidFill>
-                <a:srgbClr val="17B1AA"/>
-              </a:solidFill>
-            </a:endParaRPr>
           </a:p>
           <a:p>
             <a:pPr lvl="1"/>
@@ -4482,11 +4359,6 @@
               </a:rPr>
               <a:t>Assessments </a:t>
             </a:r>
-            <a:endParaRPr lang="en-US" dirty="0" smtClean="0">
-              <a:solidFill>
-                <a:srgbClr val="17B1AA"/>
-              </a:solidFill>
-            </a:endParaRPr>
           </a:p>
           <a:p>
             <a:pPr lvl="1"/>
@@ -4496,30 +4368,17 @@
             </a:r>
             <a:r>
               <a:rPr lang="en-US" dirty="0"/>
-              <a:t> code to </a:t>
-            </a:r>
-            <a:r>
-              <a:rPr lang="en-US" dirty="0" smtClean="0"/>
-              <a:t>Class </a:t>
-            </a:r>
+              <a:t> code to Class Posters from the previous lesson.</a:t>
+            </a:r>
+          </a:p>
+          <a:p>
+            <a:pPr marL="457200" lvl="1" indent="0">
+              <a:buNone/>
+            </a:pPr>
             <a:r>
               <a:rPr lang="en-US" dirty="0"/>
-              <a:t>Posters from the previous lesson</a:t>
-            </a:r>
-            <a:r>
-              <a:rPr lang="en-US" dirty="0" smtClean="0"/>
-              <a:t>.</a:t>
-            </a:r>
-          </a:p>
-          <a:p>
-            <a:pPr marL="457200" lvl="1" indent="0">
-              <a:buNone/>
-            </a:pPr>
-            <a:r>
-              <a:rPr lang="en-US" dirty="0" smtClean="0"/>
               <a:t> </a:t>
             </a:r>
-            <a:endParaRPr lang="en-US" dirty="0"/>
           </a:p>
           <a:p>
             <a:r>
@@ -4530,11 +4389,6 @@
               </a:rPr>
               <a:t>Homework </a:t>
             </a:r>
-            <a:endParaRPr lang="en-US" dirty="0" smtClean="0">
-              <a:solidFill>
-                <a:srgbClr val="17B1AA"/>
-              </a:solidFill>
-            </a:endParaRPr>
           </a:p>
           <a:p>
             <a:pPr lvl="1"/>
@@ -4568,10 +4422,9 @@
           <a:lstStyle/>
           <a:p>
             <a:r>
-              <a:rPr lang="en-US" smtClean="0"/>
+              <a:rPr lang="en-US"/>
               <a:t>Developed by TEALS in 2015  www.tealsk12.org</a:t>
             </a:r>
-            <a:endParaRPr lang="en-US"/>
           </a:p>
         </p:txBody>
       </p:sp>
@@ -4623,22 +4476,17 @@
           <a:lstStyle/>
           <a:p>
             <a:r>
-              <a:rPr lang="en-US" b="1" dirty="0" smtClean="0"/>
+              <a:rPr lang="en-US" b="1" dirty="0"/>
               <a:t>Lesson 6.3 </a:t>
             </a:r>
             <a:r>
-              <a:rPr lang="en-US" dirty="0" smtClean="0">
+              <a:rPr lang="en-US" dirty="0">
                 <a:solidFill>
                   <a:srgbClr val="17B1AA"/>
                 </a:solidFill>
               </a:rPr>
               <a:t>Interacting with the Object Superclass</a:t>
             </a:r>
-            <a:endParaRPr lang="en-US" dirty="0">
-              <a:solidFill>
-                <a:srgbClr val="17B1AA"/>
-              </a:solidFill>
-            </a:endParaRPr>
           </a:p>
         </p:txBody>
       </p:sp>
@@ -4655,7 +4503,7 @@
         <p:spPr/>
         <p:txBody>
           <a:bodyPr>
-            <a:normAutofit fontScale="85000" lnSpcReduction="20000"/>
+            <a:normAutofit fontScale="92500" lnSpcReduction="20000"/>
           </a:bodyPr>
           <a:lstStyle/>
           <a:p>
@@ -4667,44 +4515,39 @@
               </a:rPr>
               <a:t>Objectives </a:t>
             </a:r>
-            <a:endParaRPr lang="en-US" dirty="0" smtClean="0">
+          </a:p>
+          <a:p>
+            <a:pPr lvl="1"/>
+            <a:r>
+              <a:rPr lang="en-US" b="1" dirty="0"/>
+              <a:t>Replace</a:t>
+            </a:r>
+            <a:r>
+              <a:rPr lang="en-US" dirty="0"/>
+              <a:t> superclass behavior by writing overriding methods in the subclass.</a:t>
+            </a:r>
+          </a:p>
+          <a:p>
+            <a:pPr lvl="1"/>
+            <a:r>
+              <a:rPr lang="en-US" b="1" dirty="0"/>
+              <a:t>Write</a:t>
+            </a:r>
+            <a:r>
+              <a:rPr lang="en-US" dirty="0"/>
+              <a:t> subclass methods that access superclass methods.</a:t>
+            </a:r>
+          </a:p>
+          <a:p>
+            <a:endParaRPr lang="en-US" dirty="0">
               <a:solidFill>
                 <a:srgbClr val="17B1AA"/>
               </a:solidFill>
             </a:endParaRPr>
           </a:p>
           <a:p>
-            <a:pPr lvl="1"/>
-            <a:r>
-              <a:rPr lang="en-US" b="1" dirty="0"/>
-              <a:t>Replace</a:t>
-            </a:r>
-            <a:r>
-              <a:rPr lang="en-US" dirty="0"/>
-              <a:t> superclass behavior by writing overriding methods in the subclass.</a:t>
-            </a:r>
-          </a:p>
-          <a:p>
-            <a:pPr lvl="1"/>
-            <a:r>
-              <a:rPr lang="en-US" b="1" dirty="0"/>
-              <a:t>Write</a:t>
-            </a:r>
-            <a:r>
-              <a:rPr lang="en-US" dirty="0"/>
-              <a:t> subclass methods that access superclass methods.</a:t>
-            </a:r>
-          </a:p>
-          <a:p>
-            <a:endParaRPr lang="en-US" dirty="0" smtClean="0">
-              <a:solidFill>
-                <a:srgbClr val="17B1AA"/>
-              </a:solidFill>
-            </a:endParaRPr>
-          </a:p>
-          <a:p>
-            <a:r>
-              <a:rPr lang="en-US" dirty="0" smtClean="0">
+            <a:r>
+              <a:rPr lang="en-US" dirty="0">
                 <a:solidFill>
                   <a:srgbClr val="17B1AA"/>
                 </a:solidFill>
@@ -4715,23 +4558,16 @@
           <a:p>
             <a:pPr lvl="1"/>
             <a:r>
-              <a:rPr lang="en-US" b="1" dirty="0"/>
+              <a:rPr lang="en-US" b="1"/>
               <a:t>Complete</a:t>
             </a:r>
             <a:r>
+              <a:rPr lang="en-US"/>
+              <a:t> </a:t>
+            </a:r>
+            <a:r>
               <a:rPr lang="en-US" dirty="0"/>
-              <a:t> Practice-It questions</a:t>
-            </a:r>
-          </a:p>
-          <a:p>
-            <a:pPr lvl="1"/>
-            <a:r>
-              <a:rPr lang="en-US" b="1" dirty="0"/>
-              <a:t>Complete</a:t>
-            </a:r>
-            <a:r>
-              <a:rPr lang="en-US" dirty="0"/>
-              <a:t> a worksheet</a:t>
+              <a:t>a worksheet</a:t>
             </a:r>
           </a:p>
           <a:p>
@@ -4749,11 +4585,6 @@
               </a:rPr>
               <a:t>Homework </a:t>
             </a:r>
-            <a:endParaRPr lang="en-US" dirty="0" smtClean="0">
-              <a:solidFill>
-                <a:srgbClr val="17B1AA"/>
-              </a:solidFill>
-            </a:endParaRPr>
           </a:p>
           <a:p>
             <a:pPr lvl="1"/>
@@ -4787,10 +4618,9 @@
           <a:lstStyle/>
           <a:p>
             <a:r>
-              <a:rPr lang="en-US" smtClean="0"/>
+              <a:rPr lang="en-US"/>
               <a:t>Developed by TEALS in 2015  www.tealsk12.org</a:t>
             </a:r>
-            <a:endParaRPr lang="en-US"/>
           </a:p>
         </p:txBody>
       </p:sp>
@@ -4842,22 +4672,17 @@
           <a:lstStyle/>
           <a:p>
             <a:r>
-              <a:rPr lang="en-US" b="1" dirty="0" smtClean="0"/>
+              <a:rPr lang="en-US" b="1" dirty="0"/>
               <a:t>Lesson 6.4 </a:t>
             </a:r>
             <a:r>
-              <a:rPr lang="en-US" dirty="0" smtClean="0">
+              <a:rPr lang="en-US" dirty="0">
                 <a:solidFill>
                   <a:srgbClr val="17B1AA"/>
                 </a:solidFill>
               </a:rPr>
               <a:t>Polymorphism</a:t>
             </a:r>
-            <a:endParaRPr lang="en-US" dirty="0">
-              <a:solidFill>
-                <a:srgbClr val="17B1AA"/>
-              </a:solidFill>
-            </a:endParaRPr>
           </a:p>
         </p:txBody>
       </p:sp>
@@ -4886,11 +4711,6 @@
               </a:rPr>
               <a:t>Objectives </a:t>
             </a:r>
-            <a:endParaRPr lang="en-US" dirty="0" smtClean="0">
-              <a:solidFill>
-                <a:srgbClr val="17B1AA"/>
-              </a:solidFill>
-            </a:endParaRPr>
           </a:p>
           <a:p>
             <a:pPr lvl="1"/>
@@ -4929,11 +4749,6 @@
               </a:rPr>
               <a:t>Assessments </a:t>
             </a:r>
-            <a:endParaRPr lang="en-US" dirty="0" smtClean="0">
-              <a:solidFill>
-                <a:srgbClr val="17B1AA"/>
-              </a:solidFill>
-            </a:endParaRPr>
           </a:p>
           <a:p>
             <a:pPr lvl="1"/>
@@ -4972,11 +4787,6 @@
               </a:rPr>
               <a:t>Homework </a:t>
             </a:r>
-            <a:endParaRPr lang="en-US" dirty="0" smtClean="0">
-              <a:solidFill>
-                <a:srgbClr val="17B1AA"/>
-              </a:solidFill>
-            </a:endParaRPr>
           </a:p>
           <a:p>
             <a:pPr lvl="1"/>
@@ -5021,10 +4831,9 @@
           <a:lstStyle/>
           <a:p>
             <a:r>
-              <a:rPr lang="en-US" smtClean="0"/>
+              <a:rPr lang="en-US"/>
               <a:t>Developed by TEALS in 2015  www.tealsk12.org</a:t>
             </a:r>
-            <a:endParaRPr lang="en-US"/>
           </a:p>
         </p:txBody>
       </p:sp>
@@ -5076,22 +4885,17 @@
           <a:lstStyle/>
           <a:p>
             <a:r>
-              <a:rPr lang="en-US" b="1" dirty="0" smtClean="0"/>
+              <a:rPr lang="en-US" b="1" dirty="0"/>
               <a:t>Lesson 6.5 </a:t>
             </a:r>
             <a:r>
-              <a:rPr lang="en-US" dirty="0" smtClean="0">
+              <a:rPr lang="en-US" dirty="0">
                 <a:solidFill>
                   <a:srgbClr val="17B1AA"/>
                 </a:solidFill>
               </a:rPr>
               <a:t>Has-a Relationships</a:t>
             </a:r>
-            <a:endParaRPr lang="en-US" dirty="0">
-              <a:solidFill>
-                <a:srgbClr val="17B1AA"/>
-              </a:solidFill>
-            </a:endParaRPr>
           </a:p>
         </p:txBody>
       </p:sp>
@@ -5120,11 +4924,6 @@
               </a:rPr>
               <a:t>Objectives </a:t>
             </a:r>
-            <a:endParaRPr lang="en-US" dirty="0" smtClean="0">
-              <a:solidFill>
-                <a:srgbClr val="17B1AA"/>
-              </a:solidFill>
-            </a:endParaRPr>
           </a:p>
           <a:p>
             <a:pPr lvl="1"/>
@@ -5163,11 +4962,6 @@
               </a:rPr>
               <a:t>Assessments </a:t>
             </a:r>
-            <a:endParaRPr lang="en-US" dirty="0" smtClean="0">
-              <a:solidFill>
-                <a:srgbClr val="17B1AA"/>
-              </a:solidFill>
-            </a:endParaRPr>
           </a:p>
           <a:p>
             <a:pPr lvl="1"/>
@@ -5195,11 +4989,6 @@
               </a:rPr>
               <a:t>Homework </a:t>
             </a:r>
-            <a:endParaRPr lang="en-US" dirty="0" smtClean="0">
-              <a:solidFill>
-                <a:srgbClr val="17B1AA"/>
-              </a:solidFill>
-            </a:endParaRPr>
           </a:p>
           <a:p>
             <a:pPr lvl="1"/>
@@ -5233,10 +5022,9 @@
           <a:lstStyle/>
           <a:p>
             <a:r>
-              <a:rPr lang="en-US" smtClean="0"/>
+              <a:rPr lang="en-US"/>
               <a:t>Developed by TEALS in 2015  www.tealsk12.org</a:t>
             </a:r>
-            <a:endParaRPr lang="en-US"/>
           </a:p>
         </p:txBody>
       </p:sp>
@@ -5288,22 +5076,17 @@
           <a:lstStyle/>
           <a:p>
             <a:r>
-              <a:rPr lang="en-US" b="1" dirty="0" smtClean="0"/>
+              <a:rPr lang="en-US" b="1" dirty="0"/>
               <a:t>Lesson 6.6 </a:t>
             </a:r>
             <a:r>
-              <a:rPr lang="en-US" dirty="0" smtClean="0">
+              <a:rPr lang="en-US" dirty="0">
                 <a:solidFill>
                   <a:srgbClr val="17B1AA"/>
                 </a:solidFill>
               </a:rPr>
               <a:t>Interfaces</a:t>
             </a:r>
-            <a:endParaRPr lang="en-US" dirty="0">
-              <a:solidFill>
-                <a:srgbClr val="17B1AA"/>
-              </a:solidFill>
-            </a:endParaRPr>
           </a:p>
         </p:txBody>
       </p:sp>
@@ -5332,23 +5115,17 @@
               </a:rPr>
               <a:t>Objectives </a:t>
             </a:r>
-            <a:endParaRPr lang="en-US" dirty="0" smtClean="0">
-              <a:solidFill>
-                <a:srgbClr val="17B1AA"/>
-              </a:solidFill>
-            </a:endParaRPr>
           </a:p>
           <a:p>
             <a:pPr lvl="1"/>
             <a:r>
-              <a:rPr lang="en-US" b="1" dirty="0" smtClean="0"/>
+              <a:rPr lang="en-US" b="1" dirty="0"/>
               <a:t>Implement and use</a:t>
             </a:r>
             <a:r>
-              <a:rPr lang="en-US" dirty="0" smtClean="0"/>
+              <a:rPr lang="en-US" dirty="0"/>
               <a:t> interfaces.</a:t>
             </a:r>
-            <a:endParaRPr lang="en-US" dirty="0"/>
           </a:p>
           <a:p>
             <a:pPr marL="0" indent="0">
@@ -5365,20 +5142,15 @@
               </a:rPr>
               <a:t>Assessments </a:t>
             </a:r>
-            <a:endParaRPr lang="en-US" dirty="0" smtClean="0">
-              <a:solidFill>
-                <a:srgbClr val="17B1AA"/>
-              </a:solidFill>
-            </a:endParaRPr>
           </a:p>
           <a:p>
             <a:pPr lvl="1"/>
             <a:r>
-              <a:rPr lang="en-US" b="1" dirty="0" smtClean="0"/>
+              <a:rPr lang="en-US" b="1" dirty="0"/>
               <a:t>Complete</a:t>
             </a:r>
             <a:r>
-              <a:rPr lang="en-US" dirty="0" smtClean="0"/>
+              <a:rPr lang="en-US" dirty="0"/>
               <a:t> an in-class competition</a:t>
             </a:r>
             <a:endParaRPr lang="en-US" b="1" dirty="0"/>
@@ -5398,11 +5170,6 @@
               </a:rPr>
               <a:t>Homework </a:t>
             </a:r>
-            <a:endParaRPr lang="en-US" dirty="0" smtClean="0">
-              <a:solidFill>
-                <a:srgbClr val="17B1AA"/>
-              </a:solidFill>
-            </a:endParaRPr>
           </a:p>
           <a:p>
             <a:pPr lvl="1"/>
@@ -5462,10 +5229,9 @@
           <a:lstStyle/>
           <a:p>
             <a:r>
-              <a:rPr lang="en-US" smtClean="0"/>
+              <a:rPr lang="en-US"/>
               <a:t>Developed by TEALS in 2015  www.tealsk12.org</a:t>
             </a:r>
-            <a:endParaRPr lang="en-US"/>
           </a:p>
         </p:txBody>
       </p:sp>
@@ -5517,22 +5283,17 @@
           <a:lstStyle/>
           <a:p>
             <a:r>
-              <a:rPr lang="en-US" b="1" dirty="0" smtClean="0"/>
+              <a:rPr lang="en-US" b="1" dirty="0"/>
               <a:t>Lesson 6.7 </a:t>
             </a:r>
             <a:r>
-              <a:rPr lang="en-US" dirty="0" smtClean="0">
+              <a:rPr lang="en-US" dirty="0">
                 <a:solidFill>
                   <a:srgbClr val="17B1AA"/>
                 </a:solidFill>
               </a:rPr>
               <a:t>Programming Project</a:t>
             </a:r>
-            <a:endParaRPr lang="en-US" dirty="0">
-              <a:solidFill>
-                <a:srgbClr val="17B1AA"/>
-              </a:solidFill>
-            </a:endParaRPr>
           </a:p>
         </p:txBody>
       </p:sp>
@@ -5561,23 +5322,17 @@
               </a:rPr>
               <a:t>Objectives </a:t>
             </a:r>
-            <a:endParaRPr lang="en-US" dirty="0" smtClean="0">
-              <a:solidFill>
-                <a:srgbClr val="17B1AA"/>
-              </a:solidFill>
-            </a:endParaRPr>
           </a:p>
           <a:p>
             <a:pPr lvl="1"/>
             <a:r>
-              <a:rPr lang="en-US" b="1" dirty="0" smtClean="0"/>
+              <a:rPr lang="en-US" b="1" dirty="0"/>
               <a:t>Write</a:t>
             </a:r>
             <a:r>
-              <a:rPr lang="en-US" dirty="0" smtClean="0"/>
+              <a:rPr lang="en-US" dirty="0"/>
               <a:t> complex code that uses polymorphism, inheritance, and interfaces.</a:t>
             </a:r>
-            <a:endParaRPr lang="en-US" dirty="0"/>
           </a:p>
           <a:p>
             <a:pPr marL="0" indent="0">
@@ -5594,31 +5349,26 @@
               </a:rPr>
               <a:t>Assessments </a:t>
             </a:r>
-            <a:endParaRPr lang="en-US" dirty="0" smtClean="0">
-              <a:solidFill>
-                <a:srgbClr val="17B1AA"/>
-              </a:solidFill>
-            </a:endParaRPr>
           </a:p>
           <a:p>
             <a:pPr lvl="1"/>
             <a:r>
-              <a:rPr lang="en-US" b="1" dirty="0" smtClean="0"/>
+              <a:rPr lang="en-US" b="1" dirty="0"/>
               <a:t>Submit</a:t>
             </a:r>
             <a:r>
-              <a:rPr lang="en-US" dirty="0" smtClean="0"/>
+              <a:rPr lang="en-US" dirty="0"/>
               <a:t> multiple programs electronically</a:t>
             </a:r>
           </a:p>
           <a:p>
             <a:pPr lvl="1"/>
             <a:r>
-              <a:rPr lang="en-US" b="1" dirty="0" smtClean="0"/>
+              <a:rPr lang="en-US" b="1" dirty="0"/>
               <a:t>Take</a:t>
             </a:r>
             <a:r>
-              <a:rPr lang="en-US" dirty="0" smtClean="0"/>
+              <a:rPr lang="en-US" dirty="0"/>
               <a:t> two quizzes from the Barron’s review book</a:t>
             </a:r>
             <a:endParaRPr lang="en-US" b="1" dirty="0"/>
@@ -5638,27 +5388,21 @@
               </a:rPr>
               <a:t>Homework </a:t>
             </a:r>
-            <a:endParaRPr lang="en-US" dirty="0" smtClean="0">
-              <a:solidFill>
-                <a:srgbClr val="17B1AA"/>
-              </a:solidFill>
-            </a:endParaRPr>
           </a:p>
           <a:p>
             <a:pPr lvl="1"/>
             <a:r>
-              <a:rPr lang="en-US" b="1" dirty="0" smtClean="0"/>
+              <a:rPr lang="en-US" b="1" dirty="0"/>
               <a:t>Complete</a:t>
             </a:r>
             <a:r>
-              <a:rPr lang="en-US" dirty="0" smtClean="0"/>
+              <a:rPr lang="en-US" dirty="0"/>
               <a:t> Programming Project</a:t>
             </a:r>
+          </a:p>
+          <a:p>
             <a:endParaRPr lang="en-US" dirty="0"/>
           </a:p>
-          <a:p>
-            <a:endParaRPr lang="en-US" dirty="0"/>
-          </a:p>
         </p:txBody>
       </p:sp>
       <p:sp>
@@ -5677,10 +5421,9 @@
           <a:lstStyle/>
           <a:p>
             <a:r>
-              <a:rPr lang="en-US" smtClean="0"/>
+              <a:rPr lang="en-US"/>
               <a:t>Developed by TEALS in 2015  www.tealsk12.org</a:t>
             </a:r>
-            <a:endParaRPr lang="en-US"/>
           </a:p>
         </p:txBody>
       </p:sp>
@@ -5732,22 +5475,17 @@
           <a:lstStyle/>
           <a:p>
             <a:r>
-              <a:rPr lang="en-US" b="1" dirty="0" smtClean="0"/>
+              <a:rPr lang="en-US" b="1" dirty="0"/>
               <a:t>Lesson 6.8 </a:t>
             </a:r>
             <a:r>
-              <a:rPr lang="en-US" dirty="0" smtClean="0">
+              <a:rPr lang="en-US" dirty="0">
                 <a:solidFill>
                   <a:srgbClr val="17B1AA"/>
                 </a:solidFill>
               </a:rPr>
               <a:t>Finding and Fixing Errors</a:t>
             </a:r>
-            <a:endParaRPr lang="en-US" dirty="0">
-              <a:solidFill>
-                <a:srgbClr val="17B1AA"/>
-              </a:solidFill>
-            </a:endParaRPr>
           </a:p>
         </p:txBody>
       </p:sp>
@@ -5776,31 +5514,26 @@
               </a:rPr>
               <a:t>Objectives </a:t>
             </a:r>
-            <a:endParaRPr lang="en-US" dirty="0" smtClean="0">
-              <a:solidFill>
-                <a:srgbClr val="17B1AA"/>
-              </a:solidFill>
-            </a:endParaRPr>
           </a:p>
           <a:p>
             <a:pPr lvl="1"/>
             <a:r>
-              <a:rPr lang="en-US" b="1" dirty="0" smtClean="0"/>
+              <a:rPr lang="en-US" b="1" dirty="0"/>
               <a:t>Find</a:t>
             </a:r>
             <a:r>
-              <a:rPr lang="en-US" dirty="0" smtClean="0"/>
+              <a:rPr lang="en-US" dirty="0"/>
               <a:t> errors in returned homework assignments.</a:t>
             </a:r>
           </a:p>
           <a:p>
             <a:pPr lvl="1"/>
             <a:r>
-              <a:rPr lang="en-US" b="1" dirty="0" smtClean="0"/>
+              <a:rPr lang="en-US" b="1" dirty="0"/>
               <a:t>Correct</a:t>
             </a:r>
             <a:r>
-              <a:rPr lang="en-US" dirty="0" smtClean="0"/>
+              <a:rPr lang="en-US" dirty="0"/>
               <a:t> code</a:t>
             </a:r>
             <a:endParaRPr lang="en-US" b="1" dirty="0"/>
@@ -5820,11 +5553,6 @@
               </a:rPr>
               <a:t>Assessments </a:t>
             </a:r>
-            <a:endParaRPr lang="en-US" dirty="0" smtClean="0">
-              <a:solidFill>
-                <a:srgbClr val="17B1AA"/>
-              </a:solidFill>
-            </a:endParaRPr>
           </a:p>
           <a:p>
             <a:pPr lvl="1"/>
@@ -5834,13 +5562,8 @@
             </a:r>
             <a:r>
               <a:rPr lang="en-US" dirty="0"/>
-              <a:t> all homework assignments with corrected </a:t>
-            </a:r>
-            <a:r>
-              <a:rPr lang="en-US" dirty="0" smtClean="0"/>
-              <a:t>answers.</a:t>
-            </a:r>
-            <a:endParaRPr lang="en-US" dirty="0"/>
+              <a:t> all homework assignments with corrected answers.</a:t>
+            </a:r>
           </a:p>
           <a:p>
             <a:pPr marL="0" indent="0">
@@ -5857,24 +5580,19 @@
               </a:rPr>
               <a:t>Homework </a:t>
             </a:r>
-            <a:endParaRPr lang="en-US" dirty="0" smtClean="0">
-              <a:solidFill>
-                <a:srgbClr val="17B1AA"/>
-              </a:solidFill>
-            </a:endParaRPr>
           </a:p>
           <a:p>
             <a:pPr lvl="1"/>
             <a:r>
-              <a:rPr lang="en-US" b="1" dirty="0" smtClean="0"/>
+              <a:rPr lang="en-US" b="1" dirty="0"/>
               <a:t>Review</a:t>
             </a:r>
             <a:r>
-              <a:rPr lang="en-US" dirty="0" smtClean="0"/>
+              <a:rPr lang="en-US" dirty="0"/>
               <a:t> materials for the </a:t>
             </a:r>
             <a:r>
-              <a:rPr lang="en-US" dirty="0" err="1" smtClean="0"/>
+              <a:rPr lang="en-US" dirty="0" err="1"/>
               <a:t>testby</a:t>
             </a:r>
             <a:r>
@@ -5890,32 +5608,23 @@
             </a:r>
             <a:r>
               <a:rPr lang="en-US" dirty="0"/>
-              <a:t> all the blue pages at the end </a:t>
-            </a:r>
-            <a:r>
-              <a:rPr lang="en-US" dirty="0" smtClean="0"/>
-              <a:t>of Chapter 9</a:t>
-            </a:r>
+              <a:t> all the blue pages at the end of Chapter 9</a:t>
+            </a:r>
+          </a:p>
+          <a:p>
+            <a:pPr lvl="1"/>
+            <a:r>
+              <a:rPr lang="en-US" b="1" dirty="0"/>
+              <a:t>Submit</a:t>
+            </a:r>
+            <a:r>
+              <a:rPr lang="en-US" dirty="0"/>
+              <a:t> 5 questions for review in class tomorrow using electronic survey</a:t>
+            </a:r>
+          </a:p>
+          <a:p>
             <a:endParaRPr lang="en-US" dirty="0"/>
           </a:p>
-          <a:p>
-            <a:pPr lvl="1"/>
-            <a:r>
-              <a:rPr lang="en-US" b="1" dirty="0" smtClean="0"/>
-              <a:t>Submit</a:t>
-            </a:r>
-            <a:r>
-              <a:rPr lang="en-US" dirty="0" smtClean="0"/>
-              <a:t> </a:t>
-            </a:r>
-            <a:r>
-              <a:rPr lang="en-US" dirty="0"/>
-              <a:t>5 questions for review in class tomorrow using electronic survey</a:t>
-            </a:r>
-          </a:p>
-          <a:p>
-            <a:endParaRPr lang="en-US" dirty="0"/>
-          </a:p>
         </p:txBody>
       </p:sp>
       <p:sp>
@@ -5934,10 +5643,9 @@
           <a:lstStyle/>
           <a:p>
             <a:r>
-              <a:rPr lang="en-US" smtClean="0"/>
+              <a:rPr lang="en-US"/>
               <a:t>Developed by TEALS in 2015  www.tealsk12.org</a:t>
             </a:r>
-            <a:endParaRPr lang="en-US"/>
           </a:p>
         </p:txBody>
       </p:sp>
@@ -6915,6 +6623,15 @@
 </file>
 
 <file path=customXml/item1.xml><?xml version="1.0" encoding="utf-8"?>
+<?mso-contentType ?>
+<FormTemplates xmlns="http://schemas.microsoft.com/sharepoint/v3/contenttype/forms">
+  <Display>DocumentLibraryForm</Display>
+  <Edit>DocumentLibraryForm</Edit>
+  <New>DocumentLibraryForm</New>
+</FormTemplates>
+</file>
+
+<file path=customXml/item2.xml><?xml version="1.0" encoding="utf-8"?>
 <ct:contentTypeSchema xmlns:ct="http://schemas.microsoft.com/office/2006/metadata/contentType" xmlns:ma="http://schemas.microsoft.com/office/2006/metadata/properties/metaAttributes" ct:_="" ma:_="" ma:contentTypeName="Document" ma:contentTypeID="0x010100BABADD3A0624AA4E97287821B8F4D7D6" ma:contentTypeVersion="3" ma:contentTypeDescription="Create a new document." ma:contentTypeScope="" ma:versionID="e0073545f5cddffb46c9fa8d01738dd8">
   <xsd:schema xmlns:xsd="http://www.w3.org/2001/XMLSchema" xmlns:xs="http://www.w3.org/2001/XMLSchema" xmlns:p="http://schemas.microsoft.com/office/2006/metadata/properties" xmlns:ns2="5edd459b-714d-42ed-b78f-512da7d1c14e" targetNamespace="http://schemas.microsoft.com/office/2006/metadata/properties" ma:root="true" ma:fieldsID="5b223eadad92f795ae696ccb91d8f218" ns2:_="">
     <xsd:import namespace="5edd459b-714d-42ed-b78f-512da7d1c14e"/>
@@ -7068,15 +6785,6 @@
 </ct:contentTypeSchema>
 </file>
 
-<file path=customXml/item2.xml><?xml version="1.0" encoding="utf-8"?>
-<?mso-contentType ?>
-<FormTemplates xmlns="http://schemas.microsoft.com/sharepoint/v3/contenttype/forms">
-  <Display>DocumentLibraryForm</Display>
-  <Edit>DocumentLibraryForm</Edit>
-  <New>DocumentLibraryForm</New>
-</FormTemplates>
-</file>
-
 <file path=customXml/item3.xml><?xml version="1.0" encoding="utf-8"?>
 <p:properties xmlns:p="http://schemas.microsoft.com/office/2006/metadata/properties" xmlns:xsi="http://www.w3.org/2001/XMLSchema-instance" xmlns:pc="http://schemas.microsoft.com/office/infopath/2007/PartnerControls">
   <documentManagement/>
@@ -7084,13 +6792,36 @@
 </file>
 
 <file path=customXml/itemProps1.xml><?xml version="1.0" encoding="utf-8"?>
-<ds:datastoreItem xmlns:ds="http://schemas.openxmlformats.org/officeDocument/2006/customXml" ds:itemID="{1C26E39F-07DC-483A-84A9-0F6A3F594F83}"/>
+<ds:datastoreItem xmlns:ds="http://schemas.openxmlformats.org/officeDocument/2006/customXml" ds:itemID="{3285B7E3-6A87-4C05-9B8E-47A454B20783}">
+  <ds:schemaRefs>
+    <ds:schemaRef ds:uri="http://schemas.microsoft.com/sharepoint/v3/contenttype/forms"/>
+  </ds:schemaRefs>
+</ds:datastoreItem>
 </file>
 
 <file path=customXml/itemProps2.xml><?xml version="1.0" encoding="utf-8"?>
-<ds:datastoreItem xmlns:ds="http://schemas.openxmlformats.org/officeDocument/2006/customXml" ds:itemID="{3285B7E3-6A87-4C05-9B8E-47A454B20783}"/>
+<ds:datastoreItem xmlns:ds="http://schemas.openxmlformats.org/officeDocument/2006/customXml" ds:itemID="{1C26E39F-07DC-483A-84A9-0F6A3F594F83}">
+  <ds:schemaRefs>
+    <ds:schemaRef ds:uri="http://schemas.microsoft.com/office/2006/metadata/contentType"/>
+    <ds:schemaRef ds:uri="http://schemas.microsoft.com/office/2006/metadata/properties/metaAttributes"/>
+    <ds:schemaRef ds:uri="http://www.w3.org/2001/XMLSchema"/>
+    <ds:schemaRef ds:uri="http://schemas.microsoft.com/office/2006/metadata/properties"/>
+    <ds:schemaRef ds:uri="5edd459b-714d-42ed-b78f-512da7d1c14e"/>
+    <ds:schemaRef ds:uri="http://schemas.microsoft.com/office/2006/documentManagement/types"/>
+    <ds:schemaRef ds:uri="http://schemas.microsoft.com/office/infopath/2007/PartnerControls"/>
+    <ds:schemaRef ds:uri="http://schemas.openxmlformats.org/package/2006/metadata/core-properties"/>
+    <ds:schemaRef ds:uri="http://purl.org/dc/elements/1.1/"/>
+    <ds:schemaRef ds:uri="http://purl.org/dc/terms/"/>
+    <ds:schemaRef ds:uri="http://schemas.microsoft.com/internal/obd"/>
+  </ds:schemaRefs>
+</ds:datastoreItem>
 </file>
 
 <file path=customXml/itemProps3.xml><?xml version="1.0" encoding="utf-8"?>
-<ds:datastoreItem xmlns:ds="http://schemas.openxmlformats.org/officeDocument/2006/customXml" ds:itemID="{4A7EC573-D6CE-485A-816D-CB816ABDA6ED}"/>
+<ds:datastoreItem xmlns:ds="http://schemas.openxmlformats.org/officeDocument/2006/customXml" ds:itemID="{4A7EC573-D6CE-485A-816D-CB816ABDA6ED}">
+  <ds:schemaRefs>
+    <ds:schemaRef ds:uri="http://schemas.microsoft.com/office/2006/metadata/properties"/>
+    <ds:schemaRef ds:uri="http://schemas.microsoft.com/office/infopath/2007/PartnerControls"/>
+  </ds:schemaRefs>
+</ds:datastoreItem>
 </file>
--- a/curriculum/Unit6/Unit 6 Slides.pptx
+++ b/curriculum/Unit6/Unit 6 Slides.pptx
@@ -2,25 +2,25 @@
 <file path=ppt/presentation.xml><?xml version="1.0" encoding="utf-8"?>
 <p:presentation xmlns:a="http://schemas.openxmlformats.org/drawingml/2006/main" xmlns:r="http://schemas.openxmlformats.org/officeDocument/2006/relationships" xmlns:p="http://schemas.openxmlformats.org/presentationml/2006/main" saveSubsetFonts="1" autoCompressPictures="0">
   <p:sldMasterIdLst>
-    <p:sldMasterId id="2147483648" r:id="rId4"/>
+    <p:sldMasterId id="2147483648" r:id="rId1"/>
   </p:sldMasterIdLst>
   <p:notesMasterIdLst>
-    <p:notesMasterId r:id="rId15"/>
+    <p:notesMasterId r:id="rId12"/>
   </p:notesMasterIdLst>
   <p:handoutMasterIdLst>
-    <p:handoutMasterId r:id="rId16"/>
+    <p:handoutMasterId r:id="rId13"/>
   </p:handoutMasterIdLst>
   <p:sldIdLst>
-    <p:sldId id="271" r:id="rId5"/>
-    <p:sldId id="282" r:id="rId6"/>
-    <p:sldId id="278" r:id="rId7"/>
-    <p:sldId id="279" r:id="rId8"/>
-    <p:sldId id="276" r:id="rId9"/>
-    <p:sldId id="283" r:id="rId10"/>
-    <p:sldId id="284" r:id="rId11"/>
-    <p:sldId id="285" r:id="rId12"/>
-    <p:sldId id="273" r:id="rId13"/>
-    <p:sldId id="281" r:id="rId14"/>
+    <p:sldId id="271" r:id="rId2"/>
+    <p:sldId id="282" r:id="rId3"/>
+    <p:sldId id="278" r:id="rId4"/>
+    <p:sldId id="279" r:id="rId5"/>
+    <p:sldId id="276" r:id="rId6"/>
+    <p:sldId id="283" r:id="rId7"/>
+    <p:sldId id="284" r:id="rId8"/>
+    <p:sldId id="285" r:id="rId9"/>
+    <p:sldId id="273" r:id="rId10"/>
+    <p:sldId id="281" r:id="rId11"/>
   </p:sldIdLst>
   <p:sldSz cx="9144000" cy="6858000" type="screen4x3"/>
   <p:notesSz cx="6858000" cy="9144000"/>
@@ -119,22 +119,6 @@
       </a:defRPr>
     </a:lvl9pPr>
   </p:defaultTextStyle>
-  <p:extLst>
-    <p:ext uri="{EFAFB233-063F-42B5-8137-9DF3F51BA10A}">
-      <p15:sldGuideLst xmlns:p15="http://schemas.microsoft.com/office/powerpoint/2012/main">
-        <p15:guide id="1" orient="horz" pos="2160">
-          <p15:clr>
-            <a:srgbClr val="A4A3A4"/>
-          </p15:clr>
-        </p15:guide>
-        <p15:guide id="2" pos="2880">
-          <p15:clr>
-            <a:srgbClr val="A4A3A4"/>
-          </p15:clr>
-        </p15:guide>
-      </p15:sldGuideLst>
-    </p:ext>
-  </p:extLst>
 </p:presentation>
 </file>
 
@@ -220,7 +204,7 @@
           <a:p>
             <a:fld id="{6D0754E3-E03E-ED44-9A59-706283C2F2CC}" type="datetimeFigureOut">
               <a:rPr lang="en-US" smtClean="0"/>
-              <a:t>2/18/2020</a:t>
+              <a:t>6/23/15</a:t>
             </a:fld>
             <a:endParaRPr lang="en-US"/>
           </a:p>
@@ -386,7 +370,7 @@
           <a:p>
             <a:fld id="{44996FB4-6AD2-FE4B-B45E-D44A9C110DAF}" type="datetimeFigureOut">
               <a:rPr lang="en-US" smtClean="0"/>
-              <a:t>2/18/2020</a:t>
+              <a:t>6/23/15</a:t>
             </a:fld>
             <a:endParaRPr lang="en-US"/>
           </a:p>
@@ -450,37 +434,38 @@
           <a:p>
             <a:pPr lvl="0"/>
             <a:r>
-              <a:rPr lang="en-US"/>
+              <a:rPr lang="en-US" smtClean="0"/>
               <a:t>Click to edit Master text styles</a:t>
             </a:r>
           </a:p>
           <a:p>
             <a:pPr lvl="1"/>
             <a:r>
-              <a:rPr lang="en-US"/>
+              <a:rPr lang="en-US" smtClean="0"/>
               <a:t>Second level</a:t>
             </a:r>
           </a:p>
           <a:p>
             <a:pPr lvl="2"/>
             <a:r>
-              <a:rPr lang="en-US"/>
+              <a:rPr lang="en-US" smtClean="0"/>
               <a:t>Third level</a:t>
             </a:r>
           </a:p>
           <a:p>
             <a:pPr lvl="3"/>
             <a:r>
-              <a:rPr lang="en-US"/>
+              <a:rPr lang="en-US" smtClean="0"/>
               <a:t>Fourth level</a:t>
             </a:r>
           </a:p>
           <a:p>
             <a:pPr lvl="4"/>
             <a:r>
-              <a:rPr lang="en-US"/>
+              <a:rPr lang="en-US" smtClean="0"/>
               <a:t>Fifth level</a:t>
             </a:r>
+            <a:endParaRPr lang="en-US"/>
           </a:p>
         </p:txBody>
       </p:sp>
@@ -692,9 +677,10 @@
           <a:lstStyle/>
           <a:p>
             <a:r>
-              <a:rPr lang="en-US"/>
+              <a:rPr lang="en-US" smtClean="0"/>
               <a:t>Click to edit Master title style</a:t>
             </a:r>
+            <a:endParaRPr lang="en-US"/>
           </a:p>
         </p:txBody>
       </p:sp>
@@ -810,9 +796,10 @@
           </a:lstStyle>
           <a:p>
             <a:r>
-              <a:rPr lang="en-US"/>
+              <a:rPr lang="en-US" smtClean="0"/>
               <a:t>Click to edit Master subtitle style</a:t>
             </a:r>
+            <a:endParaRPr lang="en-US"/>
           </a:p>
         </p:txBody>
       </p:sp>
@@ -833,7 +820,7 @@
           <a:p>
             <a:fld id="{34990CC2-A8CC-B149-BA8F-DDB0E524EE45}" type="datetime1">
               <a:rPr lang="en-US" smtClean="0"/>
-              <a:t>2/18/2020</a:t>
+              <a:t>6/23/15</a:t>
             </a:fld>
             <a:endParaRPr lang="en-US"/>
           </a:p>
@@ -855,9 +842,10 @@
           <a:lstStyle/>
           <a:p>
             <a:r>
-              <a:rPr lang="en-US"/>
+              <a:rPr lang="en-US" smtClean="0"/>
               <a:t>Developed by TEALS in 2015  www.tealsk12.org</a:t>
             </a:r>
+            <a:endParaRPr lang="en-US"/>
           </a:p>
         </p:txBody>
       </p:sp>
@@ -930,9 +918,10 @@
           <a:lstStyle/>
           <a:p>
             <a:r>
-              <a:rPr lang="en-US"/>
+              <a:rPr lang="en-US" smtClean="0"/>
               <a:t>Click to edit Master title style</a:t>
             </a:r>
+            <a:endParaRPr lang="en-US"/>
           </a:p>
         </p:txBody>
       </p:sp>
@@ -953,37 +942,38 @@
           <a:p>
             <a:pPr lvl="0"/>
             <a:r>
-              <a:rPr lang="en-US"/>
+              <a:rPr lang="en-US" smtClean="0"/>
               <a:t>Click to edit Master text styles</a:t>
             </a:r>
           </a:p>
           <a:p>
             <a:pPr lvl="1"/>
             <a:r>
-              <a:rPr lang="en-US"/>
+              <a:rPr lang="en-US" smtClean="0"/>
               <a:t>Second level</a:t>
             </a:r>
           </a:p>
           <a:p>
             <a:pPr lvl="2"/>
             <a:r>
-              <a:rPr lang="en-US"/>
+              <a:rPr lang="en-US" smtClean="0"/>
               <a:t>Third level</a:t>
             </a:r>
           </a:p>
           <a:p>
             <a:pPr lvl="3"/>
             <a:r>
-              <a:rPr lang="en-US"/>
+              <a:rPr lang="en-US" smtClean="0"/>
               <a:t>Fourth level</a:t>
             </a:r>
           </a:p>
           <a:p>
             <a:pPr lvl="4"/>
             <a:r>
-              <a:rPr lang="en-US"/>
+              <a:rPr lang="en-US" smtClean="0"/>
               <a:t>Fifth level</a:t>
             </a:r>
+            <a:endParaRPr lang="en-US"/>
           </a:p>
         </p:txBody>
       </p:sp>
@@ -1004,7 +994,7 @@
           <a:p>
             <a:fld id="{96267D05-F6C2-F64A-9C7F-A94B43164B5C}" type="datetime1">
               <a:rPr lang="en-US" smtClean="0"/>
-              <a:t>2/18/2020</a:t>
+              <a:t>6/23/15</a:t>
             </a:fld>
             <a:endParaRPr lang="en-US"/>
           </a:p>
@@ -1026,9 +1016,10 @@
           <a:lstStyle/>
           <a:p>
             <a:r>
-              <a:rPr lang="en-US"/>
+              <a:rPr lang="en-US" smtClean="0"/>
               <a:t>Developed by TEALS in 2015  www.tealsk12.org</a:t>
             </a:r>
+            <a:endParaRPr lang="en-US"/>
           </a:p>
         </p:txBody>
       </p:sp>
@@ -1106,9 +1097,10 @@
           <a:lstStyle/>
           <a:p>
             <a:r>
-              <a:rPr lang="en-US"/>
+              <a:rPr lang="en-US" smtClean="0"/>
               <a:t>Click to edit Master title style</a:t>
             </a:r>
+            <a:endParaRPr lang="en-US"/>
           </a:p>
         </p:txBody>
       </p:sp>
@@ -1134,37 +1126,38 @@
           <a:p>
             <a:pPr lvl="0"/>
             <a:r>
-              <a:rPr lang="en-US"/>
+              <a:rPr lang="en-US" smtClean="0"/>
               <a:t>Click to edit Master text styles</a:t>
             </a:r>
           </a:p>
           <a:p>
             <a:pPr lvl="1"/>
             <a:r>
-              <a:rPr lang="en-US"/>
+              <a:rPr lang="en-US" smtClean="0"/>
               <a:t>Second level</a:t>
             </a:r>
           </a:p>
           <a:p>
             <a:pPr lvl="2"/>
             <a:r>
-              <a:rPr lang="en-US"/>
+              <a:rPr lang="en-US" smtClean="0"/>
               <a:t>Third level</a:t>
             </a:r>
           </a:p>
           <a:p>
             <a:pPr lvl="3"/>
             <a:r>
-              <a:rPr lang="en-US"/>
+              <a:rPr lang="en-US" smtClean="0"/>
               <a:t>Fourth level</a:t>
             </a:r>
           </a:p>
           <a:p>
             <a:pPr lvl="4"/>
             <a:r>
-              <a:rPr lang="en-US"/>
+              <a:rPr lang="en-US" smtClean="0"/>
               <a:t>Fifth level</a:t>
             </a:r>
+            <a:endParaRPr lang="en-US"/>
           </a:p>
         </p:txBody>
       </p:sp>
@@ -1185,7 +1178,7 @@
           <a:p>
             <a:fld id="{087C1978-9D0A-A345-9E84-F995A3601C8E}" type="datetime1">
               <a:rPr lang="en-US" smtClean="0"/>
-              <a:t>2/18/2020</a:t>
+              <a:t>6/23/15</a:t>
             </a:fld>
             <a:endParaRPr lang="en-US"/>
           </a:p>
@@ -1207,9 +1200,10 @@
           <a:lstStyle/>
           <a:p>
             <a:r>
-              <a:rPr lang="en-US"/>
+              <a:rPr lang="en-US" smtClean="0"/>
               <a:t>Developed by TEALS in 2015  www.tealsk12.org</a:t>
             </a:r>
+            <a:endParaRPr lang="en-US"/>
           </a:p>
         </p:txBody>
       </p:sp>
@@ -1282,9 +1276,10 @@
           <a:lstStyle/>
           <a:p>
             <a:r>
-              <a:rPr lang="en-US"/>
+              <a:rPr lang="en-US" smtClean="0"/>
               <a:t>Click to edit Master title style</a:t>
             </a:r>
+            <a:endParaRPr lang="en-US"/>
           </a:p>
         </p:txBody>
       </p:sp>
@@ -1305,37 +1300,38 @@
           <a:p>
             <a:pPr lvl="0"/>
             <a:r>
-              <a:rPr lang="en-US"/>
+              <a:rPr lang="en-US" smtClean="0"/>
               <a:t>Click to edit Master text styles</a:t>
             </a:r>
           </a:p>
           <a:p>
             <a:pPr lvl="1"/>
             <a:r>
-              <a:rPr lang="en-US"/>
+              <a:rPr lang="en-US" smtClean="0"/>
               <a:t>Second level</a:t>
             </a:r>
           </a:p>
           <a:p>
             <a:pPr lvl="2"/>
             <a:r>
-              <a:rPr lang="en-US"/>
+              <a:rPr lang="en-US" smtClean="0"/>
               <a:t>Third level</a:t>
             </a:r>
           </a:p>
           <a:p>
             <a:pPr lvl="3"/>
             <a:r>
-              <a:rPr lang="en-US"/>
+              <a:rPr lang="en-US" smtClean="0"/>
               <a:t>Fourth level</a:t>
             </a:r>
           </a:p>
           <a:p>
             <a:pPr lvl="4"/>
             <a:r>
-              <a:rPr lang="en-US"/>
+              <a:rPr lang="en-US" smtClean="0"/>
               <a:t>Fifth level</a:t>
             </a:r>
+            <a:endParaRPr lang="en-US"/>
           </a:p>
         </p:txBody>
       </p:sp>
@@ -1356,7 +1352,7 @@
           <a:p>
             <a:fld id="{620CD570-9DDA-524E-9F58-9DBC8D3A8C31}" type="datetime1">
               <a:rPr lang="en-US" smtClean="0"/>
-              <a:t>2/18/2020</a:t>
+              <a:t>6/23/15</a:t>
             </a:fld>
             <a:endParaRPr lang="en-US"/>
           </a:p>
@@ -1378,9 +1374,10 @@
           <a:lstStyle/>
           <a:p>
             <a:r>
-              <a:rPr lang="en-US"/>
+              <a:rPr lang="en-US" smtClean="0"/>
               <a:t>Developed by TEALS in 2015  www.tealsk12.org</a:t>
             </a:r>
+            <a:endParaRPr lang="en-US"/>
           </a:p>
         </p:txBody>
       </p:sp>
@@ -1462,9 +1459,10 @@
           </a:lstStyle>
           <a:p>
             <a:r>
-              <a:rPr lang="en-US"/>
+              <a:rPr lang="en-US" smtClean="0"/>
               <a:t>Click to edit Master title style</a:t>
             </a:r>
+            <a:endParaRPr lang="en-US"/>
           </a:p>
         </p:txBody>
       </p:sp>
@@ -1581,7 +1579,7 @@
           <a:p>
             <a:pPr lvl="0"/>
             <a:r>
-              <a:rPr lang="en-US"/>
+              <a:rPr lang="en-US" smtClean="0"/>
               <a:t>Click to edit Master text styles</a:t>
             </a:r>
           </a:p>
@@ -1604,7 +1602,7 @@
           <a:p>
             <a:fld id="{FEBAD56B-400E-5542-B4A1-CD46AB8B4D0E}" type="datetime1">
               <a:rPr lang="en-US" smtClean="0"/>
-              <a:t>2/18/2020</a:t>
+              <a:t>6/23/15</a:t>
             </a:fld>
             <a:endParaRPr lang="en-US"/>
           </a:p>
@@ -1626,9 +1624,10 @@
           <a:lstStyle/>
           <a:p>
             <a:r>
-              <a:rPr lang="en-US"/>
+              <a:rPr lang="en-US" smtClean="0"/>
               <a:t>Developed by TEALS in 2015  www.tealsk12.org</a:t>
             </a:r>
+            <a:endParaRPr lang="en-US"/>
           </a:p>
         </p:txBody>
       </p:sp>
@@ -1701,9 +1700,10 @@
           <a:lstStyle/>
           <a:p>
             <a:r>
-              <a:rPr lang="en-US"/>
+              <a:rPr lang="en-US" smtClean="0"/>
               <a:t>Click to edit Master title style</a:t>
             </a:r>
+            <a:endParaRPr lang="en-US"/>
           </a:p>
         </p:txBody>
       </p:sp>
@@ -1757,37 +1757,38 @@
           <a:p>
             <a:pPr lvl="0"/>
             <a:r>
-              <a:rPr lang="en-US"/>
+              <a:rPr lang="en-US" smtClean="0"/>
               <a:t>Click to edit Master text styles</a:t>
             </a:r>
           </a:p>
           <a:p>
             <a:pPr lvl="1"/>
             <a:r>
-              <a:rPr lang="en-US"/>
+              <a:rPr lang="en-US" smtClean="0"/>
               <a:t>Second level</a:t>
             </a:r>
           </a:p>
           <a:p>
             <a:pPr lvl="2"/>
             <a:r>
-              <a:rPr lang="en-US"/>
+              <a:rPr lang="en-US" smtClean="0"/>
               <a:t>Third level</a:t>
             </a:r>
           </a:p>
           <a:p>
             <a:pPr lvl="3"/>
             <a:r>
-              <a:rPr lang="en-US"/>
+              <a:rPr lang="en-US" smtClean="0"/>
               <a:t>Fourth level</a:t>
             </a:r>
           </a:p>
           <a:p>
             <a:pPr lvl="4"/>
             <a:r>
-              <a:rPr lang="en-US"/>
+              <a:rPr lang="en-US" smtClean="0"/>
               <a:t>Fifth level</a:t>
             </a:r>
+            <a:endParaRPr lang="en-US"/>
           </a:p>
         </p:txBody>
       </p:sp>
@@ -1841,37 +1842,38 @@
           <a:p>
             <a:pPr lvl="0"/>
             <a:r>
-              <a:rPr lang="en-US"/>
+              <a:rPr lang="en-US" smtClean="0"/>
               <a:t>Click to edit Master text styles</a:t>
             </a:r>
           </a:p>
           <a:p>
             <a:pPr lvl="1"/>
             <a:r>
-              <a:rPr lang="en-US"/>
+              <a:rPr lang="en-US" smtClean="0"/>
               <a:t>Second level</a:t>
             </a:r>
           </a:p>
           <a:p>
             <a:pPr lvl="2"/>
             <a:r>
-              <a:rPr lang="en-US"/>
+              <a:rPr lang="en-US" smtClean="0"/>
               <a:t>Third level</a:t>
             </a:r>
           </a:p>
           <a:p>
             <a:pPr lvl="3"/>
             <a:r>
-              <a:rPr lang="en-US"/>
+              <a:rPr lang="en-US" smtClean="0"/>
               <a:t>Fourth level</a:t>
             </a:r>
           </a:p>
           <a:p>
             <a:pPr lvl="4"/>
             <a:r>
-              <a:rPr lang="en-US"/>
+              <a:rPr lang="en-US" smtClean="0"/>
               <a:t>Fifth level</a:t>
             </a:r>
+            <a:endParaRPr lang="en-US"/>
           </a:p>
         </p:txBody>
       </p:sp>
@@ -1892,7 +1894,7 @@
           <a:p>
             <a:fld id="{43394E63-B418-1F4A-9C08-2548B9C5B3C1}" type="datetime1">
               <a:rPr lang="en-US" smtClean="0"/>
-              <a:t>2/18/2020</a:t>
+              <a:t>6/23/15</a:t>
             </a:fld>
             <a:endParaRPr lang="en-US"/>
           </a:p>
@@ -1914,9 +1916,10 @@
           <a:lstStyle/>
           <a:p>
             <a:r>
-              <a:rPr lang="en-US"/>
+              <a:rPr lang="en-US" smtClean="0"/>
               <a:t>Developed by TEALS in 2015  www.tealsk12.org</a:t>
             </a:r>
+            <a:endParaRPr lang="en-US"/>
           </a:p>
         </p:txBody>
       </p:sp>
@@ -1993,9 +1996,10 @@
           </a:lstStyle>
           <a:p>
             <a:r>
-              <a:rPr lang="en-US"/>
+              <a:rPr lang="en-US" smtClean="0"/>
               <a:t>Click to edit Master title style</a:t>
             </a:r>
+            <a:endParaRPr lang="en-US"/>
           </a:p>
         </p:txBody>
       </p:sp>
@@ -2058,7 +2062,7 @@
           <a:p>
             <a:pPr lvl="0"/>
             <a:r>
-              <a:rPr lang="en-US"/>
+              <a:rPr lang="en-US" smtClean="0"/>
               <a:t>Click to edit Master text styles</a:t>
             </a:r>
           </a:p>
@@ -2114,37 +2118,38 @@
           <a:p>
             <a:pPr lvl="0"/>
             <a:r>
-              <a:rPr lang="en-US"/>
+              <a:rPr lang="en-US" smtClean="0"/>
               <a:t>Click to edit Master text styles</a:t>
             </a:r>
           </a:p>
           <a:p>
             <a:pPr lvl="1"/>
             <a:r>
-              <a:rPr lang="en-US"/>
+              <a:rPr lang="en-US" smtClean="0"/>
               <a:t>Second level</a:t>
             </a:r>
           </a:p>
           <a:p>
             <a:pPr lvl="2"/>
             <a:r>
-              <a:rPr lang="en-US"/>
+              <a:rPr lang="en-US" smtClean="0"/>
               <a:t>Third level</a:t>
             </a:r>
           </a:p>
           <a:p>
             <a:pPr lvl="3"/>
             <a:r>
-              <a:rPr lang="en-US"/>
+              <a:rPr lang="en-US" smtClean="0"/>
               <a:t>Fourth level</a:t>
             </a:r>
           </a:p>
           <a:p>
             <a:pPr lvl="4"/>
             <a:r>
-              <a:rPr lang="en-US"/>
+              <a:rPr lang="en-US" smtClean="0"/>
               <a:t>Fifth level</a:t>
             </a:r>
+            <a:endParaRPr lang="en-US"/>
           </a:p>
         </p:txBody>
       </p:sp>
@@ -2207,7 +2212,7 @@
           <a:p>
             <a:pPr lvl="0"/>
             <a:r>
-              <a:rPr lang="en-US"/>
+              <a:rPr lang="en-US" smtClean="0"/>
               <a:t>Click to edit Master text styles</a:t>
             </a:r>
           </a:p>
@@ -2263,37 +2268,38 @@
           <a:p>
             <a:pPr lvl="0"/>
             <a:r>
-              <a:rPr lang="en-US"/>
+              <a:rPr lang="en-US" smtClean="0"/>
               <a:t>Click to edit Master text styles</a:t>
             </a:r>
           </a:p>
           <a:p>
             <a:pPr lvl="1"/>
             <a:r>
-              <a:rPr lang="en-US"/>
+              <a:rPr lang="en-US" smtClean="0"/>
               <a:t>Second level</a:t>
             </a:r>
           </a:p>
           <a:p>
             <a:pPr lvl="2"/>
             <a:r>
-              <a:rPr lang="en-US"/>
+              <a:rPr lang="en-US" smtClean="0"/>
               <a:t>Third level</a:t>
             </a:r>
           </a:p>
           <a:p>
             <a:pPr lvl="3"/>
             <a:r>
-              <a:rPr lang="en-US"/>
+              <a:rPr lang="en-US" smtClean="0"/>
               <a:t>Fourth level</a:t>
             </a:r>
           </a:p>
           <a:p>
             <a:pPr lvl="4"/>
             <a:r>
-              <a:rPr lang="en-US"/>
+              <a:rPr lang="en-US" smtClean="0"/>
               <a:t>Fifth level</a:t>
             </a:r>
+            <a:endParaRPr lang="en-US"/>
           </a:p>
         </p:txBody>
       </p:sp>
@@ -2314,7 +2320,7 @@
           <a:p>
             <a:fld id="{6F92EF41-DD41-C742-BC3B-970F41658B68}" type="datetime1">
               <a:rPr lang="en-US" smtClean="0"/>
-              <a:t>2/18/2020</a:t>
+              <a:t>6/23/15</a:t>
             </a:fld>
             <a:endParaRPr lang="en-US"/>
           </a:p>
@@ -2336,9 +2342,10 @@
           <a:lstStyle/>
           <a:p>
             <a:r>
-              <a:rPr lang="en-US"/>
+              <a:rPr lang="en-US" smtClean="0"/>
               <a:t>Developed by TEALS in 2015  www.tealsk12.org</a:t>
             </a:r>
+            <a:endParaRPr lang="en-US"/>
           </a:p>
         </p:txBody>
       </p:sp>
@@ -2411,9 +2418,10 @@
           <a:lstStyle/>
           <a:p>
             <a:r>
-              <a:rPr lang="en-US"/>
+              <a:rPr lang="en-US" smtClean="0"/>
               <a:t>Click to edit Master title style</a:t>
             </a:r>
+            <a:endParaRPr lang="en-US"/>
           </a:p>
         </p:txBody>
       </p:sp>
@@ -2434,7 +2442,7 @@
           <a:p>
             <a:fld id="{631009B9-6DC3-0349-8BB5-CE1E5B2C68D1}" type="datetime1">
               <a:rPr lang="en-US" smtClean="0"/>
-              <a:t>2/18/2020</a:t>
+              <a:t>6/23/15</a:t>
             </a:fld>
             <a:endParaRPr lang="en-US"/>
           </a:p>
@@ -2456,9 +2464,10 @@
           <a:lstStyle/>
           <a:p>
             <a:r>
-              <a:rPr lang="en-US"/>
+              <a:rPr lang="en-US" smtClean="0"/>
               <a:t>Developed by TEALS in 2015  www.tealsk12.org</a:t>
             </a:r>
+            <a:endParaRPr lang="en-US"/>
           </a:p>
         </p:txBody>
       </p:sp>
@@ -2532,7 +2541,7 @@
           <a:p>
             <a:fld id="{DBD68779-2025-B44F-AD23-DF62F9874F1B}" type="datetime1">
               <a:rPr lang="en-US" smtClean="0"/>
-              <a:t>2/18/2020</a:t>
+              <a:t>6/23/15</a:t>
             </a:fld>
             <a:endParaRPr lang="en-US"/>
           </a:p>
@@ -2554,9 +2563,10 @@
           <a:lstStyle/>
           <a:p>
             <a:r>
-              <a:rPr lang="en-US"/>
+              <a:rPr lang="en-US" smtClean="0"/>
               <a:t>Developed by TEALS in 2015  www.tealsk12.org</a:t>
             </a:r>
+            <a:endParaRPr lang="en-US"/>
           </a:p>
         </p:txBody>
       </p:sp>
@@ -2638,9 +2648,10 @@
           </a:lstStyle>
           <a:p>
             <a:r>
-              <a:rPr lang="en-US"/>
+              <a:rPr lang="en-US" smtClean="0"/>
               <a:t>Click to edit Master title style</a:t>
             </a:r>
+            <a:endParaRPr lang="en-US"/>
           </a:p>
         </p:txBody>
       </p:sp>
@@ -2694,37 +2705,38 @@
           <a:p>
             <a:pPr lvl="0"/>
             <a:r>
-              <a:rPr lang="en-US"/>
+              <a:rPr lang="en-US" smtClean="0"/>
               <a:t>Click to edit Master text styles</a:t>
             </a:r>
           </a:p>
           <a:p>
             <a:pPr lvl="1"/>
             <a:r>
-              <a:rPr lang="en-US"/>
+              <a:rPr lang="en-US" smtClean="0"/>
               <a:t>Second level</a:t>
             </a:r>
           </a:p>
           <a:p>
             <a:pPr lvl="2"/>
             <a:r>
-              <a:rPr lang="en-US"/>
+              <a:rPr lang="en-US" smtClean="0"/>
               <a:t>Third level</a:t>
             </a:r>
           </a:p>
           <a:p>
             <a:pPr lvl="3"/>
             <a:r>
-              <a:rPr lang="en-US"/>
+              <a:rPr lang="en-US" smtClean="0"/>
               <a:t>Fourth level</a:t>
             </a:r>
           </a:p>
           <a:p>
             <a:pPr lvl="4"/>
             <a:r>
-              <a:rPr lang="en-US"/>
+              <a:rPr lang="en-US" smtClean="0"/>
               <a:t>Fifth level</a:t>
             </a:r>
+            <a:endParaRPr lang="en-US"/>
           </a:p>
         </p:txBody>
       </p:sp>
@@ -2787,7 +2799,7 @@
           <a:p>
             <a:pPr lvl="0"/>
             <a:r>
-              <a:rPr lang="en-US"/>
+              <a:rPr lang="en-US" smtClean="0"/>
               <a:t>Click to edit Master text styles</a:t>
             </a:r>
           </a:p>
@@ -2810,7 +2822,7 @@
           <a:p>
             <a:fld id="{1C533E1B-B859-DB4E-86F0-BE8C9C0ABFF7}" type="datetime1">
               <a:rPr lang="en-US" smtClean="0"/>
-              <a:t>2/18/2020</a:t>
+              <a:t>6/23/15</a:t>
             </a:fld>
             <a:endParaRPr lang="en-US"/>
           </a:p>
@@ -2832,9 +2844,10 @@
           <a:lstStyle/>
           <a:p>
             <a:r>
-              <a:rPr lang="en-US"/>
+              <a:rPr lang="en-US" smtClean="0"/>
               <a:t>Developed by TEALS in 2015  www.tealsk12.org</a:t>
             </a:r>
+            <a:endParaRPr lang="en-US"/>
           </a:p>
         </p:txBody>
       </p:sp>
@@ -2916,9 +2929,10 @@
           </a:lstStyle>
           <a:p>
             <a:r>
-              <a:rPr lang="en-US"/>
+              <a:rPr lang="en-US" smtClean="0"/>
               <a:t>Click to edit Master title style</a:t>
             </a:r>
+            <a:endParaRPr lang="en-US"/>
           </a:p>
         </p:txBody>
       </p:sp>
@@ -3042,7 +3056,7 @@
           <a:p>
             <a:pPr lvl="0"/>
             <a:r>
-              <a:rPr lang="en-US"/>
+              <a:rPr lang="en-US" smtClean="0"/>
               <a:t>Click to edit Master text styles</a:t>
             </a:r>
           </a:p>
@@ -3065,7 +3079,7 @@
           <a:p>
             <a:fld id="{AC1EAEA1-8470-6B4A-8D60-97578450ABB9}" type="datetime1">
               <a:rPr lang="en-US" smtClean="0"/>
-              <a:t>2/18/2020</a:t>
+              <a:t>6/23/15</a:t>
             </a:fld>
             <a:endParaRPr lang="en-US"/>
           </a:p>
@@ -3087,9 +3101,10 @@
           <a:lstStyle/>
           <a:p>
             <a:r>
-              <a:rPr lang="en-US"/>
+              <a:rPr lang="en-US" smtClean="0"/>
               <a:t>Developed by TEALS in 2015  www.tealsk12.org</a:t>
             </a:r>
+            <a:endParaRPr lang="en-US"/>
           </a:p>
         </p:txBody>
       </p:sp>
@@ -3177,9 +3192,10 @@
           <a:lstStyle/>
           <a:p>
             <a:r>
-              <a:rPr lang="en-US"/>
+              <a:rPr lang="en-US" smtClean="0"/>
               <a:t>Click to edit Master title style</a:t>
             </a:r>
+            <a:endParaRPr lang="en-US"/>
           </a:p>
         </p:txBody>
       </p:sp>
@@ -3210,37 +3226,38 @@
           <a:p>
             <a:pPr lvl="0"/>
             <a:r>
-              <a:rPr lang="en-US"/>
+              <a:rPr lang="en-US" smtClean="0"/>
               <a:t>Click to edit Master text styles</a:t>
             </a:r>
           </a:p>
           <a:p>
             <a:pPr lvl="1"/>
             <a:r>
-              <a:rPr lang="en-US"/>
+              <a:rPr lang="en-US" smtClean="0"/>
               <a:t>Second level</a:t>
             </a:r>
           </a:p>
           <a:p>
             <a:pPr lvl="2"/>
             <a:r>
-              <a:rPr lang="en-US"/>
+              <a:rPr lang="en-US" smtClean="0"/>
               <a:t>Third level</a:t>
             </a:r>
           </a:p>
           <a:p>
             <a:pPr lvl="3"/>
             <a:r>
-              <a:rPr lang="en-US"/>
+              <a:rPr lang="en-US" smtClean="0"/>
               <a:t>Fourth level</a:t>
             </a:r>
           </a:p>
           <a:p>
             <a:pPr lvl="4"/>
             <a:r>
-              <a:rPr lang="en-US"/>
+              <a:rPr lang="en-US" smtClean="0"/>
               <a:t>Fifth level</a:t>
             </a:r>
+            <a:endParaRPr lang="en-US"/>
           </a:p>
         </p:txBody>
       </p:sp>
@@ -3279,7 +3296,7 @@
           <a:p>
             <a:fld id="{EB2A284D-251E-7046-B0B7-6A85726BD855}" type="datetime1">
               <a:rPr lang="en-US" smtClean="0"/>
-              <a:t>2/18/2020</a:t>
+              <a:t>6/23/15</a:t>
             </a:fld>
             <a:endParaRPr lang="en-US"/>
           </a:p>
@@ -3319,9 +3336,10 @@
           </a:lstStyle>
           <a:p>
             <a:r>
-              <a:rPr lang="en-US"/>
+              <a:rPr lang="en-US" smtClean="0"/>
               <a:t>Developed by TEALS in 2015  www.tealsk12.org</a:t>
             </a:r>
+            <a:endParaRPr lang="en-US"/>
           </a:p>
         </p:txBody>
       </p:sp>
@@ -3676,17 +3694,30 @@
           <a:lstStyle/>
           <a:p>
             <a:r>
+              <a:rPr lang="en-US" b="1" dirty="0" smtClean="0"/>
+              <a:t>Lesson </a:t>
+            </a:r>
+            <a:r>
               <a:rPr lang="en-US" b="1" dirty="0"/>
-              <a:t>Lesson 6.0 </a:t>
-            </a:r>
-            <a:r>
-              <a:rPr lang="en-US" dirty="0">
+              <a:t>6</a:t>
+            </a:r>
+            <a:r>
+              <a:rPr lang="en-US" b="1" dirty="0" smtClean="0"/>
+              <a:t>.0 </a:t>
+            </a:r>
+            <a:r>
+              <a:rPr lang="en-US" dirty="0" smtClean="0">
                 <a:solidFill>
                   <a:srgbClr val="17B1AA"/>
                 </a:solidFill>
               </a:rPr>
               <a:t>Test Review and Reteach</a:t>
             </a:r>
+            <a:endParaRPr lang="en-US" dirty="0">
+              <a:solidFill>
+                <a:srgbClr val="17B1AA"/>
+              </a:solidFill>
+            </a:endParaRPr>
           </a:p>
         </p:txBody>
       </p:sp>
@@ -3715,29 +3746,34 @@
               </a:rPr>
               <a:t>Objectives </a:t>
             </a:r>
-          </a:p>
-          <a:p>
-            <a:pPr lvl="1"/>
-            <a:r>
-              <a:rPr lang="en-US" b="1" dirty="0"/>
-              <a:t>Re-learn or strengthen</a:t>
-            </a:r>
-            <a:r>
-              <a:rPr lang="en-US" dirty="0"/>
-              <a:t> content knowledge and skills from Unit 5.</a:t>
-            </a:r>
-            <a:endParaRPr lang="en-US" b="1" dirty="0"/>
-          </a:p>
-          <a:p>
-            <a:endParaRPr lang="en-US" dirty="0">
+            <a:endParaRPr lang="en-US" dirty="0" smtClean="0">
               <a:solidFill>
                 <a:srgbClr val="17B1AA"/>
               </a:solidFill>
             </a:endParaRPr>
           </a:p>
           <a:p>
-            <a:r>
-              <a:rPr lang="en-US" dirty="0">
+            <a:pPr lvl="1"/>
+            <a:r>
+              <a:rPr lang="en-US" b="1" dirty="0" smtClean="0"/>
+              <a:t>Re-learn or strengthen</a:t>
+            </a:r>
+            <a:r>
+              <a:rPr lang="en-US" dirty="0" smtClean="0"/>
+              <a:t> content knowledge and skills from Unit 5.</a:t>
+            </a:r>
+            <a:endParaRPr lang="en-US" b="1" dirty="0"/>
+          </a:p>
+          <a:p>
+            <a:endParaRPr lang="en-US" dirty="0" smtClean="0">
+              <a:solidFill>
+                <a:srgbClr val="17B1AA"/>
+              </a:solidFill>
+            </a:endParaRPr>
+          </a:p>
+          <a:p>
+            <a:r>
+              <a:rPr lang="en-US" dirty="0" smtClean="0">
                 <a:solidFill>
                   <a:srgbClr val="17B1AA"/>
                 </a:solidFill>
@@ -3748,11 +3784,11 @@
           <a:p>
             <a:pPr lvl="1"/>
             <a:r>
-              <a:rPr lang="en-US" b="1" dirty="0"/>
+              <a:rPr lang="en-US" b="1" dirty="0" smtClean="0"/>
               <a:t>Re-submit</a:t>
             </a:r>
             <a:r>
-              <a:rPr lang="en-US" dirty="0"/>
+              <a:rPr lang="en-US" dirty="0" smtClean="0"/>
               <a:t> test answers with updated corrections</a:t>
             </a:r>
             <a:endParaRPr lang="en-US" b="1" dirty="0"/>
@@ -3772,26 +3808,31 @@
               </a:rPr>
               <a:t>Homework </a:t>
             </a:r>
+            <a:endParaRPr lang="en-US" dirty="0" smtClean="0">
+              <a:solidFill>
+                <a:srgbClr val="17B1AA"/>
+              </a:solidFill>
+            </a:endParaRPr>
           </a:p>
           <a:p>
             <a:pPr lvl="1"/>
             <a:r>
-              <a:rPr lang="en-US" b="1" dirty="0"/>
+              <a:rPr lang="en-US" b="1" dirty="0" smtClean="0"/>
               <a:t>Read</a:t>
             </a:r>
             <a:r>
-              <a:rPr lang="en-US" dirty="0"/>
+              <a:rPr lang="en-US" dirty="0" smtClean="0"/>
               <a:t> HW 9.1</a:t>
             </a:r>
           </a:p>
           <a:p>
             <a:pPr lvl="1"/>
             <a:r>
-              <a:rPr lang="en-US" b="1" dirty="0"/>
+              <a:rPr lang="en-US" b="1" dirty="0" smtClean="0"/>
               <a:t>Correct</a:t>
             </a:r>
             <a:r>
-              <a:rPr lang="en-US" dirty="0"/>
+              <a:rPr lang="en-US" dirty="0" smtClean="0"/>
               <a:t> any incorrect test answers by re-answering on a separate sheet of paper</a:t>
             </a:r>
             <a:endParaRPr lang="en-US" b="1" dirty="0"/>
@@ -3817,9 +3858,10 @@
           <a:lstStyle/>
           <a:p>
             <a:r>
-              <a:rPr lang="en-US"/>
+              <a:rPr lang="en-US" smtClean="0"/>
               <a:t>Developed by TEALS in 2015  www.tealsk12.org</a:t>
             </a:r>
+            <a:endParaRPr lang="en-US"/>
           </a:p>
         </p:txBody>
       </p:sp>
@@ -3869,17 +3911,22 @@
           <a:lstStyle/>
           <a:p>
             <a:r>
-              <a:rPr lang="en-US" b="1" dirty="0"/>
+              <a:rPr lang="en-US" b="1" dirty="0" smtClean="0"/>
               <a:t>Lesson 6.9 </a:t>
             </a:r>
             <a:r>
-              <a:rPr lang="en-US" dirty="0">
+              <a:rPr lang="en-US" dirty="0" smtClean="0">
                 <a:solidFill>
                   <a:srgbClr val="17B1AA"/>
                 </a:solidFill>
               </a:rPr>
               <a:t>Review</a:t>
             </a:r>
+            <a:endParaRPr lang="en-US" dirty="0">
+              <a:solidFill>
+                <a:srgbClr val="17B1AA"/>
+              </a:solidFill>
+            </a:endParaRPr>
           </a:p>
         </p:txBody>
       </p:sp>
@@ -3908,16 +3955,41 @@
               </a:rPr>
               <a:t>Objectives </a:t>
             </a:r>
+            <a:endParaRPr lang="en-US" dirty="0" smtClean="0">
+              <a:solidFill>
+                <a:srgbClr val="17B1AA"/>
+              </a:solidFill>
+            </a:endParaRPr>
           </a:p>
           <a:p>
             <a:pPr lvl="1"/>
             <a:r>
-              <a:rPr lang="en-US" b="1" dirty="0"/>
+              <a:rPr lang="en-US" b="1" dirty="0" smtClean="0"/>
               <a:t>Identify</a:t>
             </a:r>
             <a:r>
+              <a:rPr lang="en-US" dirty="0" smtClean="0"/>
+              <a:t> </a:t>
+            </a:r>
+            <a:r>
               <a:rPr lang="en-US" dirty="0"/>
-              <a:t> weaknesses in Unit 6 knowledge.</a:t>
+              <a:t>weaknesses in </a:t>
+            </a:r>
+            <a:r>
+              <a:rPr lang="en-US" dirty="0" smtClean="0"/>
+              <a:t>Unit </a:t>
+            </a:r>
+            <a:r>
+              <a:rPr lang="en-US" dirty="0"/>
+              <a:t>6</a:t>
+            </a:r>
+            <a:r>
+              <a:rPr lang="en-US" dirty="0" smtClean="0"/>
+              <a:t> </a:t>
+            </a:r>
+            <a:r>
+              <a:rPr lang="en-US" dirty="0"/>
+              <a:t>knowledge.</a:t>
             </a:r>
           </a:p>
           <a:p>
@@ -3935,16 +4007,25 @@
               </a:rPr>
               <a:t>Assessments </a:t>
             </a:r>
+            <a:endParaRPr lang="en-US" dirty="0" smtClean="0">
+              <a:solidFill>
+                <a:srgbClr val="17B1AA"/>
+              </a:solidFill>
+            </a:endParaRPr>
           </a:p>
           <a:p>
             <a:pPr lvl="1"/>
             <a:r>
-              <a:rPr lang="en-US" b="1" dirty="0"/>
+              <a:rPr lang="en-US" b="1" dirty="0" smtClean="0"/>
               <a:t>Create</a:t>
             </a:r>
             <a:r>
+              <a:rPr lang="en-US" dirty="0" smtClean="0"/>
+              <a:t> </a:t>
+            </a:r>
+            <a:r>
               <a:rPr lang="en-US" dirty="0"/>
-              <a:t> a personalized list of review topics to guide tonight’s study session.</a:t>
+              <a:t>a personalized list of review topics to guide tonight’s study session.</a:t>
             </a:r>
           </a:p>
           <a:p>
@@ -3962,21 +4043,35 @@
               </a:rPr>
               <a:t>Homework </a:t>
             </a:r>
+            <a:endParaRPr lang="en-US" dirty="0" smtClean="0">
+              <a:solidFill>
+                <a:srgbClr val="17B1AA"/>
+              </a:solidFill>
+            </a:endParaRPr>
           </a:p>
           <a:p>
             <a:pPr lvl="1"/>
             <a:r>
-              <a:rPr lang="en-US" b="1" dirty="0"/>
+              <a:rPr lang="en-US" b="1" dirty="0" smtClean="0"/>
               <a:t>Study</a:t>
             </a:r>
             <a:r>
+              <a:rPr lang="en-US" dirty="0" smtClean="0"/>
+              <a:t> </a:t>
+            </a:r>
+            <a:r>
               <a:rPr lang="en-US" dirty="0"/>
-              <a:t> for tomorrow’s test using targeted review list</a:t>
-            </a:r>
-          </a:p>
-          <a:p>
+              <a:t>for tomorrow’s </a:t>
+            </a:r>
+            <a:r>
+              <a:rPr lang="en-US" dirty="0" smtClean="0"/>
+              <a:t>test using targeted review list</a:t>
+            </a:r>
             <a:endParaRPr lang="en-US" dirty="0"/>
           </a:p>
+          <a:p>
+            <a:endParaRPr lang="en-US" dirty="0"/>
+          </a:p>
         </p:txBody>
       </p:sp>
       <p:sp>
@@ -3995,9 +4090,10 @@
           <a:lstStyle/>
           <a:p>
             <a:r>
-              <a:rPr lang="en-US"/>
+              <a:rPr lang="en-US" smtClean="0"/>
               <a:t>Developed by TEALS in 2015  www.tealsk12.org</a:t>
             </a:r>
+            <a:endParaRPr lang="en-US"/>
           </a:p>
         </p:txBody>
       </p:sp>
@@ -4049,17 +4145,22 @@
           <a:lstStyle/>
           <a:p>
             <a:r>
-              <a:rPr lang="en-US" b="1" dirty="0"/>
+              <a:rPr lang="en-US" b="1" dirty="0" smtClean="0"/>
               <a:t>Lesson 6.1 </a:t>
             </a:r>
             <a:r>
-              <a:rPr lang="en-US" dirty="0">
+              <a:rPr lang="en-US" dirty="0" smtClean="0">
                 <a:solidFill>
                   <a:srgbClr val="17B1AA"/>
                 </a:solidFill>
               </a:rPr>
               <a:t>Inheritance Basics</a:t>
             </a:r>
+            <a:endParaRPr lang="en-US" dirty="0">
+              <a:solidFill>
+                <a:srgbClr val="17B1AA"/>
+              </a:solidFill>
+            </a:endParaRPr>
           </a:p>
         </p:txBody>
       </p:sp>
@@ -4088,61 +4189,66 @@
               </a:rPr>
               <a:t>Objectives </a:t>
             </a:r>
-          </a:p>
-          <a:p>
-            <a:pPr lvl="1"/>
-            <a:r>
-              <a:rPr lang="en-US" b="1" dirty="0"/>
-              <a:t>Correctly define</a:t>
-            </a:r>
-            <a:r>
-              <a:rPr lang="en-US" dirty="0"/>
-              <a:t> inheritance.</a:t>
-            </a:r>
-          </a:p>
-          <a:p>
-            <a:pPr lvl="1"/>
-            <a:r>
-              <a:rPr lang="en-US" b="1" dirty="0"/>
-              <a:t>Use</a:t>
-            </a:r>
-            <a:r>
-              <a:rPr lang="en-US" dirty="0"/>
-              <a:t> proper syntax to extend a class.</a:t>
-            </a:r>
-          </a:p>
-          <a:p>
-            <a:pPr lvl="1"/>
-            <a:r>
-              <a:rPr lang="en-US" b="1" dirty="0"/>
-              <a:t>Illustrate</a:t>
-            </a:r>
-            <a:r>
-              <a:rPr lang="en-US" dirty="0"/>
-              <a:t> is-a relationships.</a:t>
-            </a:r>
-          </a:p>
-          <a:p>
-            <a:pPr lvl="1"/>
-            <a:r>
-              <a:rPr lang="en-US" b="1" dirty="0"/>
-              <a:t>Properly implement</a:t>
-            </a:r>
-            <a:r>
-              <a:rPr lang="en-US" dirty="0"/>
-              <a:t> constructors of derived classes using super.</a:t>
-            </a:r>
-          </a:p>
-          <a:p>
-            <a:endParaRPr lang="en-US" dirty="0">
+            <a:endParaRPr lang="en-US" dirty="0" smtClean="0">
               <a:solidFill>
                 <a:srgbClr val="17B1AA"/>
               </a:solidFill>
             </a:endParaRPr>
           </a:p>
           <a:p>
-            <a:r>
-              <a:rPr lang="en-US" dirty="0">
+            <a:pPr lvl="1"/>
+            <a:r>
+              <a:rPr lang="en-US" b="1" dirty="0"/>
+              <a:t>Correctly define</a:t>
+            </a:r>
+            <a:r>
+              <a:rPr lang="en-US" dirty="0"/>
+              <a:t> inheritance.</a:t>
+            </a:r>
+          </a:p>
+          <a:p>
+            <a:pPr lvl="1"/>
+            <a:r>
+              <a:rPr lang="en-US" b="1" dirty="0"/>
+              <a:t>Use</a:t>
+            </a:r>
+            <a:r>
+              <a:rPr lang="en-US" dirty="0"/>
+              <a:t> proper syntax to extend a class.</a:t>
+            </a:r>
+          </a:p>
+          <a:p>
+            <a:pPr lvl="1"/>
+            <a:r>
+              <a:rPr lang="en-US" b="1" dirty="0"/>
+              <a:t>Illustrate</a:t>
+            </a:r>
+            <a:r>
+              <a:rPr lang="en-US" dirty="0"/>
+              <a:t> is-a relationships.</a:t>
+            </a:r>
+          </a:p>
+          <a:p>
+            <a:pPr lvl="1"/>
+            <a:r>
+              <a:rPr lang="en-US" b="1" dirty="0"/>
+              <a:t>Properly implement</a:t>
+            </a:r>
+            <a:r>
+              <a:rPr lang="en-US" dirty="0"/>
+              <a:t> constructors of derived classes using super.</a:t>
+            </a:r>
+          </a:p>
+          <a:p>
+            <a:endParaRPr lang="en-US" dirty="0" smtClean="0">
+              <a:solidFill>
+                <a:srgbClr val="17B1AA"/>
+              </a:solidFill>
+            </a:endParaRPr>
+          </a:p>
+          <a:p>
+            <a:r>
+              <a:rPr lang="en-US" dirty="0" smtClean="0">
                 <a:solidFill>
                   <a:srgbClr val="17B1AA"/>
                 </a:solidFill>
@@ -4160,6 +4266,7 @@
               <a:rPr lang="en-US" dirty="0"/>
               <a:t> a Class Hierarchy poster as indicated in WS 6.1 </a:t>
             </a:r>
+            <a:endParaRPr lang="en-US" dirty="0" smtClean="0"/>
           </a:p>
           <a:p>
             <a:pPr marL="914400" lvl="2" indent="0">
@@ -4176,6 +4283,11 @@
               </a:rPr>
               <a:t>Homework </a:t>
             </a:r>
+            <a:endParaRPr lang="en-US" dirty="0" smtClean="0">
+              <a:solidFill>
+                <a:srgbClr val="17B1AA"/>
+              </a:solidFill>
+            </a:endParaRPr>
           </a:p>
           <a:p>
             <a:pPr lvl="1"/>
@@ -4228,9 +4340,10 @@
           <a:lstStyle/>
           <a:p>
             <a:r>
-              <a:rPr lang="en-US"/>
+              <a:rPr lang="en-US" smtClean="0"/>
               <a:t>Developed by TEALS in 2015  www.tealsk12.org</a:t>
             </a:r>
+            <a:endParaRPr lang="en-US"/>
           </a:p>
         </p:txBody>
       </p:sp>
@@ -4282,17 +4395,22 @@
           <a:lstStyle/>
           <a:p>
             <a:r>
-              <a:rPr lang="en-US" b="1" dirty="0"/>
+              <a:rPr lang="en-US" b="1" dirty="0" smtClean="0"/>
               <a:t>Lesson 6.2 </a:t>
             </a:r>
             <a:r>
-              <a:rPr lang="en-US" dirty="0">
+              <a:rPr lang="en-US" dirty="0" smtClean="0">
                 <a:solidFill>
                   <a:srgbClr val="17B1AA"/>
                 </a:solidFill>
               </a:rPr>
               <a:t>Overriding Methods &amp; Accessing Inherited Code</a:t>
             </a:r>
+            <a:endParaRPr lang="en-US" dirty="0">
+              <a:solidFill>
+                <a:srgbClr val="17B1AA"/>
+              </a:solidFill>
+            </a:endParaRPr>
           </a:p>
         </p:txBody>
       </p:sp>
@@ -4321,6 +4439,11 @@
               </a:rPr>
               <a:t>Objectives </a:t>
             </a:r>
+            <a:endParaRPr lang="en-US" dirty="0" smtClean="0">
+              <a:solidFill>
+                <a:srgbClr val="17B1AA"/>
+              </a:solidFill>
+            </a:endParaRPr>
           </a:p>
           <a:p>
             <a:pPr lvl="1"/>
@@ -4359,6 +4482,11 @@
               </a:rPr>
               <a:t>Assessments </a:t>
             </a:r>
+            <a:endParaRPr lang="en-US" dirty="0" smtClean="0">
+              <a:solidFill>
+                <a:srgbClr val="17B1AA"/>
+              </a:solidFill>
+            </a:endParaRPr>
           </a:p>
           <a:p>
             <a:pPr lvl="1"/>
@@ -4368,7 +4496,19 @@
             </a:r>
             <a:r>
               <a:rPr lang="en-US" dirty="0"/>
-              <a:t> code to Class Posters from the previous lesson.</a:t>
+              <a:t> code to </a:t>
+            </a:r>
+            <a:r>
+              <a:rPr lang="en-US" dirty="0" smtClean="0"/>
+              <a:t>Class </a:t>
+            </a:r>
+            <a:r>
+              <a:rPr lang="en-US" dirty="0"/>
+              <a:t>Posters from the previous lesson</a:t>
+            </a:r>
+            <a:r>
+              <a:rPr lang="en-US" dirty="0" smtClean="0"/>
+              <a:t>.</a:t>
             </a:r>
           </a:p>
           <a:p>
@@ -4376,9 +4516,10 @@
               <a:buNone/>
             </a:pPr>
             <a:r>
-              <a:rPr lang="en-US" dirty="0"/>
+              <a:rPr lang="en-US" dirty="0" smtClean="0"/>
               <a:t> </a:t>
             </a:r>
+            <a:endParaRPr lang="en-US" dirty="0"/>
           </a:p>
           <a:p>
             <a:r>
@@ -4389,6 +4530,11 @@
               </a:rPr>
               <a:t>Homework </a:t>
             </a:r>
+            <a:endParaRPr lang="en-US" dirty="0" smtClean="0">
+              <a:solidFill>
+                <a:srgbClr val="17B1AA"/>
+              </a:solidFill>
+            </a:endParaRPr>
           </a:p>
           <a:p>
             <a:pPr lvl="1"/>
@@ -4422,9 +4568,10 @@
           <a:lstStyle/>
           <a:p>
             <a:r>
-              <a:rPr lang="en-US"/>
+              <a:rPr lang="en-US" smtClean="0"/>
               <a:t>Developed by TEALS in 2015  www.tealsk12.org</a:t>
             </a:r>
+            <a:endParaRPr lang="en-US"/>
           </a:p>
         </p:txBody>
       </p:sp>
@@ -4476,17 +4623,22 @@
           <a:lstStyle/>
           <a:p>
             <a:r>
-              <a:rPr lang="en-US" b="1" dirty="0"/>
+              <a:rPr lang="en-US" b="1" dirty="0" smtClean="0"/>
               <a:t>Lesson 6.3 </a:t>
             </a:r>
             <a:r>
-              <a:rPr lang="en-US" dirty="0">
+              <a:rPr lang="en-US" dirty="0" smtClean="0">
                 <a:solidFill>
                   <a:srgbClr val="17B1AA"/>
                 </a:solidFill>
               </a:rPr>
               <a:t>Interacting with the Object Superclass</a:t>
             </a:r>
+            <a:endParaRPr lang="en-US" dirty="0">
+              <a:solidFill>
+                <a:srgbClr val="17B1AA"/>
+              </a:solidFill>
+            </a:endParaRPr>
           </a:p>
         </p:txBody>
       </p:sp>
@@ -4503,7 +4655,7 @@
         <p:spPr/>
         <p:txBody>
           <a:bodyPr>
-            <a:normAutofit fontScale="92500" lnSpcReduction="20000"/>
+            <a:normAutofit fontScale="85000" lnSpcReduction="20000"/>
           </a:bodyPr>
           <a:lstStyle/>
           <a:p>
@@ -4515,39 +4667,44 @@
               </a:rPr>
               <a:t>Objectives </a:t>
             </a:r>
-          </a:p>
-          <a:p>
-            <a:pPr lvl="1"/>
-            <a:r>
-              <a:rPr lang="en-US" b="1" dirty="0"/>
-              <a:t>Replace</a:t>
-            </a:r>
-            <a:r>
-              <a:rPr lang="en-US" dirty="0"/>
-              <a:t> superclass behavior by writing overriding methods in the subclass.</a:t>
-            </a:r>
-          </a:p>
-          <a:p>
-            <a:pPr lvl="1"/>
-            <a:r>
-              <a:rPr lang="en-US" b="1" dirty="0"/>
-              <a:t>Write</a:t>
-            </a:r>
-            <a:r>
-              <a:rPr lang="en-US" dirty="0"/>
-              <a:t> subclass methods that access superclass methods.</a:t>
-            </a:r>
-          </a:p>
-          <a:p>
-            <a:endParaRPr lang="en-US" dirty="0">
+            <a:endParaRPr lang="en-US" dirty="0" smtClean="0">
               <a:solidFill>
                 <a:srgbClr val="17B1AA"/>
               </a:solidFill>
             </a:endParaRPr>
           </a:p>
           <a:p>
-            <a:r>
-              <a:rPr lang="en-US" dirty="0">
+            <a:pPr lvl="1"/>
+            <a:r>
+              <a:rPr lang="en-US" b="1" dirty="0"/>
+              <a:t>Replace</a:t>
+            </a:r>
+            <a:r>
+              <a:rPr lang="en-US" dirty="0"/>
+              <a:t> superclass behavior by writing overriding methods in the subclass.</a:t>
+            </a:r>
+          </a:p>
+          <a:p>
+            <a:pPr lvl="1"/>
+            <a:r>
+              <a:rPr lang="en-US" b="1" dirty="0"/>
+              <a:t>Write</a:t>
+            </a:r>
+            <a:r>
+              <a:rPr lang="en-US" dirty="0"/>
+              <a:t> subclass methods that access superclass methods.</a:t>
+            </a:r>
+          </a:p>
+          <a:p>
+            <a:endParaRPr lang="en-US" dirty="0" smtClean="0">
+              <a:solidFill>
+                <a:srgbClr val="17B1AA"/>
+              </a:solidFill>
+            </a:endParaRPr>
+          </a:p>
+          <a:p>
+            <a:r>
+              <a:rPr lang="en-US" dirty="0" smtClean="0">
                 <a:solidFill>
                   <a:srgbClr val="17B1AA"/>
                 </a:solidFill>
@@ -4558,16 +4715,23 @@
           <a:p>
             <a:pPr lvl="1"/>
             <a:r>
-              <a:rPr lang="en-US" b="1"/>
+              <a:rPr lang="en-US" b="1" dirty="0"/>
               <a:t>Complete</a:t>
             </a:r>
             <a:r>
-              <a:rPr lang="en-US"/>
-              <a:t> </a:t>
-            </a:r>
-            <a:r>
               <a:rPr lang="en-US" dirty="0"/>
-              <a:t>a worksheet</a:t>
+              <a:t> Practice-It questions</a:t>
+            </a:r>
+          </a:p>
+          <a:p>
+            <a:pPr lvl="1"/>
+            <a:r>
+              <a:rPr lang="en-US" b="1" dirty="0"/>
+              <a:t>Complete</a:t>
+            </a:r>
+            <a:r>
+              <a:rPr lang="en-US" dirty="0"/>
+              <a:t> a worksheet</a:t>
             </a:r>
           </a:p>
           <a:p>
@@ -4585,6 +4749,11 @@
               </a:rPr>
               <a:t>Homework </a:t>
             </a:r>
+            <a:endParaRPr lang="en-US" dirty="0" smtClean="0">
+              <a:solidFill>
+                <a:srgbClr val="17B1AA"/>
+              </a:solidFill>
+            </a:endParaRPr>
           </a:p>
           <a:p>
             <a:pPr lvl="1"/>
@@ -4618,9 +4787,10 @@
           <a:lstStyle/>
           <a:p>
             <a:r>
-              <a:rPr lang="en-US"/>
+              <a:rPr lang="en-US" smtClean="0"/>
               <a:t>Developed by TEALS in 2015  www.tealsk12.org</a:t>
             </a:r>
+            <a:endParaRPr lang="en-US"/>
           </a:p>
         </p:txBody>
       </p:sp>
@@ -4672,17 +4842,22 @@
           <a:lstStyle/>
           <a:p>
             <a:r>
-              <a:rPr lang="en-US" b="1" dirty="0"/>
+              <a:rPr lang="en-US" b="1" dirty="0" smtClean="0"/>
               <a:t>Lesson 6.4 </a:t>
             </a:r>
             <a:r>
-              <a:rPr lang="en-US" dirty="0">
+              <a:rPr lang="en-US" dirty="0" smtClean="0">
                 <a:solidFill>
                   <a:srgbClr val="17B1AA"/>
                 </a:solidFill>
               </a:rPr>
               <a:t>Polymorphism</a:t>
             </a:r>
+            <a:endParaRPr lang="en-US" dirty="0">
+              <a:solidFill>
+                <a:srgbClr val="17B1AA"/>
+              </a:solidFill>
+            </a:endParaRPr>
           </a:p>
         </p:txBody>
       </p:sp>
@@ -4711,6 +4886,11 @@
               </a:rPr>
               <a:t>Objectives </a:t>
             </a:r>
+            <a:endParaRPr lang="en-US" dirty="0" smtClean="0">
+              <a:solidFill>
+                <a:srgbClr val="17B1AA"/>
+              </a:solidFill>
+            </a:endParaRPr>
           </a:p>
           <a:p>
             <a:pPr lvl="1"/>
@@ -4749,6 +4929,11 @@
               </a:rPr>
               <a:t>Assessments </a:t>
             </a:r>
+            <a:endParaRPr lang="en-US" dirty="0" smtClean="0">
+              <a:solidFill>
+                <a:srgbClr val="17B1AA"/>
+              </a:solidFill>
+            </a:endParaRPr>
           </a:p>
           <a:p>
             <a:pPr lvl="1"/>
@@ -4787,6 +4972,11 @@
               </a:rPr>
               <a:t>Homework </a:t>
             </a:r>
+            <a:endParaRPr lang="en-US" dirty="0" smtClean="0">
+              <a:solidFill>
+                <a:srgbClr val="17B1AA"/>
+              </a:solidFill>
+            </a:endParaRPr>
           </a:p>
           <a:p>
             <a:pPr lvl="1"/>
@@ -4831,9 +5021,10 @@
           <a:lstStyle/>
           <a:p>
             <a:r>
-              <a:rPr lang="en-US"/>
+              <a:rPr lang="en-US" smtClean="0"/>
               <a:t>Developed by TEALS in 2015  www.tealsk12.org</a:t>
             </a:r>
+            <a:endParaRPr lang="en-US"/>
           </a:p>
         </p:txBody>
       </p:sp>
@@ -4885,17 +5076,22 @@
           <a:lstStyle/>
           <a:p>
             <a:r>
-              <a:rPr lang="en-US" b="1" dirty="0"/>
+              <a:rPr lang="en-US" b="1" dirty="0" smtClean="0"/>
               <a:t>Lesson 6.5 </a:t>
             </a:r>
             <a:r>
-              <a:rPr lang="en-US" dirty="0">
+              <a:rPr lang="en-US" dirty="0" smtClean="0">
                 <a:solidFill>
                   <a:srgbClr val="17B1AA"/>
                 </a:solidFill>
               </a:rPr>
               <a:t>Has-a Relationships</a:t>
             </a:r>
+            <a:endParaRPr lang="en-US" dirty="0">
+              <a:solidFill>
+                <a:srgbClr val="17B1AA"/>
+              </a:solidFill>
+            </a:endParaRPr>
           </a:p>
         </p:txBody>
       </p:sp>
@@ -4924,6 +5120,11 @@
               </a:rPr>
               <a:t>Objectives </a:t>
             </a:r>
+            <a:endParaRPr lang="en-US" dirty="0" smtClean="0">
+              <a:solidFill>
+                <a:srgbClr val="17B1AA"/>
+              </a:solidFill>
+            </a:endParaRPr>
           </a:p>
           <a:p>
             <a:pPr lvl="1"/>
@@ -4962,6 +5163,11 @@
               </a:rPr>
               <a:t>Assessments </a:t>
             </a:r>
+            <a:endParaRPr lang="en-US" dirty="0" smtClean="0">
+              <a:solidFill>
+                <a:srgbClr val="17B1AA"/>
+              </a:solidFill>
+            </a:endParaRPr>
           </a:p>
           <a:p>
             <a:pPr lvl="1"/>
@@ -4989,6 +5195,11 @@
               </a:rPr>
               <a:t>Homework </a:t>
             </a:r>
+            <a:endParaRPr lang="en-US" dirty="0" smtClean="0">
+              <a:solidFill>
+                <a:srgbClr val="17B1AA"/>
+              </a:solidFill>
+            </a:endParaRPr>
           </a:p>
           <a:p>
             <a:pPr lvl="1"/>
@@ -5022,9 +5233,10 @@
           <a:lstStyle/>
           <a:p>
             <a:r>
-              <a:rPr lang="en-US"/>
+              <a:rPr lang="en-US" smtClean="0"/>
               <a:t>Developed by TEALS in 2015  www.tealsk12.org</a:t>
             </a:r>
+            <a:endParaRPr lang="en-US"/>
           </a:p>
         </p:txBody>
       </p:sp>
@@ -5076,17 +5288,22 @@
           <a:lstStyle/>
           <a:p>
             <a:r>
-              <a:rPr lang="en-US" b="1" dirty="0"/>
+              <a:rPr lang="en-US" b="1" dirty="0" smtClean="0"/>
               <a:t>Lesson 6.6 </a:t>
             </a:r>
             <a:r>
-              <a:rPr lang="en-US" dirty="0">
+              <a:rPr lang="en-US" dirty="0" smtClean="0">
                 <a:solidFill>
                   <a:srgbClr val="17B1AA"/>
                 </a:solidFill>
               </a:rPr>
               <a:t>Interfaces</a:t>
             </a:r>
+            <a:endParaRPr lang="en-US" dirty="0">
+              <a:solidFill>
+                <a:srgbClr val="17B1AA"/>
+              </a:solidFill>
+            </a:endParaRPr>
           </a:p>
         </p:txBody>
       </p:sp>
@@ -5115,17 +5332,23 @@
               </a:rPr>
               <a:t>Objectives </a:t>
             </a:r>
+            <a:endParaRPr lang="en-US" dirty="0" smtClean="0">
+              <a:solidFill>
+                <a:srgbClr val="17B1AA"/>
+              </a:solidFill>
+            </a:endParaRPr>
           </a:p>
           <a:p>
             <a:pPr lvl="1"/>
             <a:r>
-              <a:rPr lang="en-US" b="1" dirty="0"/>
+              <a:rPr lang="en-US" b="1" dirty="0" smtClean="0"/>
               <a:t>Implement and use</a:t>
             </a:r>
             <a:r>
-              <a:rPr lang="en-US" dirty="0"/>
+              <a:rPr lang="en-US" dirty="0" smtClean="0"/>
               <a:t> interfaces.</a:t>
             </a:r>
+            <a:endParaRPr lang="en-US" dirty="0"/>
           </a:p>
           <a:p>
             <a:pPr marL="0" indent="0">
@@ -5142,15 +5365,20 @@
               </a:rPr>
               <a:t>Assessments </a:t>
             </a:r>
+            <a:endParaRPr lang="en-US" dirty="0" smtClean="0">
+              <a:solidFill>
+                <a:srgbClr val="17B1AA"/>
+              </a:solidFill>
+            </a:endParaRPr>
           </a:p>
           <a:p>
             <a:pPr lvl="1"/>
             <a:r>
-              <a:rPr lang="en-US" b="1" dirty="0"/>
+              <a:rPr lang="en-US" b="1" dirty="0" smtClean="0"/>
               <a:t>Complete</a:t>
             </a:r>
             <a:r>
-              <a:rPr lang="en-US" dirty="0"/>
+              <a:rPr lang="en-US" dirty="0" smtClean="0"/>
               <a:t> an in-class competition</a:t>
             </a:r>
             <a:endParaRPr lang="en-US" b="1" dirty="0"/>
@@ -5170,6 +5398,11 @@
               </a:rPr>
               <a:t>Homework </a:t>
             </a:r>
+            <a:endParaRPr lang="en-US" dirty="0" smtClean="0">
+              <a:solidFill>
+                <a:srgbClr val="17B1AA"/>
+              </a:solidFill>
+            </a:endParaRPr>
           </a:p>
           <a:p>
             <a:pPr lvl="1"/>
@@ -5229,9 +5462,10 @@
           <a:lstStyle/>
           <a:p>
             <a:r>
-              <a:rPr lang="en-US"/>
+              <a:rPr lang="en-US" smtClean="0"/>
               <a:t>Developed by TEALS in 2015  www.tealsk12.org</a:t>
             </a:r>
+            <a:endParaRPr lang="en-US"/>
           </a:p>
         </p:txBody>
       </p:sp>
@@ -5283,17 +5517,22 @@
           <a:lstStyle/>
           <a:p>
             <a:r>
-              <a:rPr lang="en-US" b="1" dirty="0"/>
+              <a:rPr lang="en-US" b="1" dirty="0" smtClean="0"/>
               <a:t>Lesson 6.7 </a:t>
             </a:r>
             <a:r>
-              <a:rPr lang="en-US" dirty="0">
+              <a:rPr lang="en-US" dirty="0" smtClean="0">
                 <a:solidFill>
                   <a:srgbClr val="17B1AA"/>
                 </a:solidFill>
               </a:rPr>
               <a:t>Programming Project</a:t>
             </a:r>
+            <a:endParaRPr lang="en-US" dirty="0">
+              <a:solidFill>
+                <a:srgbClr val="17B1AA"/>
+              </a:solidFill>
+            </a:endParaRPr>
           </a:p>
         </p:txBody>
       </p:sp>
@@ -5322,17 +5561,23 @@
               </a:rPr>
               <a:t>Objectives </a:t>
             </a:r>
+            <a:endParaRPr lang="en-US" dirty="0" smtClean="0">
+              <a:solidFill>
+                <a:srgbClr val="17B1AA"/>
+              </a:solidFill>
+            </a:endParaRPr>
           </a:p>
           <a:p>
             <a:pPr lvl="1"/>
             <a:r>
-              <a:rPr lang="en-US" b="1" dirty="0"/>
+              <a:rPr lang="en-US" b="1" dirty="0" smtClean="0"/>
               <a:t>Write</a:t>
             </a:r>
             <a:r>
-              <a:rPr lang="en-US" dirty="0"/>
+              <a:rPr lang="en-US" dirty="0" smtClean="0"/>
               <a:t> complex code that uses polymorphism, inheritance, and interfaces.</a:t>
             </a:r>
+            <a:endParaRPr lang="en-US" dirty="0"/>
           </a:p>
           <a:p>
             <a:pPr marL="0" indent="0">
@@ -5349,26 +5594,31 @@
               </a:rPr>
               <a:t>Assessments </a:t>
             </a:r>
+            <a:endParaRPr lang="en-US" dirty="0" smtClean="0">
+              <a:solidFill>
+                <a:srgbClr val="17B1AA"/>
+              </a:solidFill>
+            </a:endParaRPr>
           </a:p>
           <a:p>
             <a:pPr lvl="1"/>
             <a:r>
-              <a:rPr lang="en-US" b="1" dirty="0"/>
+              <a:rPr lang="en-US" b="1" dirty="0" smtClean="0"/>
               <a:t>Submit</a:t>
             </a:r>
             <a:r>
-              <a:rPr lang="en-US" dirty="0"/>
+              <a:rPr lang="en-US" dirty="0" smtClean="0"/>
               <a:t> multiple programs electronically</a:t>
             </a:r>
           </a:p>
           <a:p>
             <a:pPr lvl="1"/>
             <a:r>
-              <a:rPr lang="en-US" b="1" dirty="0"/>
+              <a:rPr lang="en-US" b="1" dirty="0" smtClean="0"/>
               <a:t>Take</a:t>
             </a:r>
             <a:r>
-              <a:rPr lang="en-US" dirty="0"/>
+              <a:rPr lang="en-US" dirty="0" smtClean="0"/>
               <a:t> two quizzes from the Barron’s review book</a:t>
             </a:r>
             <a:endParaRPr lang="en-US" b="1" dirty="0"/>
@@ -5388,21 +5638,27 @@
               </a:rPr>
               <a:t>Homework </a:t>
             </a:r>
+            <a:endParaRPr lang="en-US" dirty="0" smtClean="0">
+              <a:solidFill>
+                <a:srgbClr val="17B1AA"/>
+              </a:solidFill>
+            </a:endParaRPr>
           </a:p>
           <a:p>
             <a:pPr lvl="1"/>
             <a:r>
-              <a:rPr lang="en-US" b="1" dirty="0"/>
+              <a:rPr lang="en-US" b="1" dirty="0" smtClean="0"/>
               <a:t>Complete</a:t>
             </a:r>
             <a:r>
-              <a:rPr lang="en-US" dirty="0"/>
+              <a:rPr lang="en-US" dirty="0" smtClean="0"/>
               <a:t> Programming Project</a:t>
             </a:r>
-          </a:p>
-          <a:p>
             <a:endParaRPr lang="en-US" dirty="0"/>
           </a:p>
+          <a:p>
+            <a:endParaRPr lang="en-US" dirty="0"/>
+          </a:p>
         </p:txBody>
       </p:sp>
       <p:sp>
@@ -5421,9 +5677,10 @@
           <a:lstStyle/>
           <a:p>
             <a:r>
-              <a:rPr lang="en-US"/>
+              <a:rPr lang="en-US" smtClean="0"/>
               <a:t>Developed by TEALS in 2015  www.tealsk12.org</a:t>
             </a:r>
+            <a:endParaRPr lang="en-US"/>
           </a:p>
         </p:txBody>
       </p:sp>
@@ -5475,17 +5732,22 @@
           <a:lstStyle/>
           <a:p>
             <a:r>
-              <a:rPr lang="en-US" b="1" dirty="0"/>
+              <a:rPr lang="en-US" b="1" dirty="0" smtClean="0"/>
               <a:t>Lesson 6.8 </a:t>
             </a:r>
             <a:r>
-              <a:rPr lang="en-US" dirty="0">
+              <a:rPr lang="en-US" dirty="0" smtClean="0">
                 <a:solidFill>
                   <a:srgbClr val="17B1AA"/>
                 </a:solidFill>
               </a:rPr>
               <a:t>Finding and Fixing Errors</a:t>
             </a:r>
+            <a:endParaRPr lang="en-US" dirty="0">
+              <a:solidFill>
+                <a:srgbClr val="17B1AA"/>
+              </a:solidFill>
+            </a:endParaRPr>
           </a:p>
         </p:txBody>
       </p:sp>
@@ -5514,26 +5776,31 @@
               </a:rPr>
               <a:t>Objectives </a:t>
             </a:r>
+            <a:endParaRPr lang="en-US" dirty="0" smtClean="0">
+              <a:solidFill>
+                <a:srgbClr val="17B1AA"/>
+              </a:solidFill>
+            </a:endParaRPr>
           </a:p>
           <a:p>
             <a:pPr lvl="1"/>
             <a:r>
-              <a:rPr lang="en-US" b="1" dirty="0"/>
+              <a:rPr lang="en-US" b="1" dirty="0" smtClean="0"/>
               <a:t>Find</a:t>
             </a:r>
             <a:r>
-              <a:rPr lang="en-US" dirty="0"/>
+              <a:rPr lang="en-US" dirty="0" smtClean="0"/>
               <a:t> errors in returned homework assignments.</a:t>
             </a:r>
           </a:p>
           <a:p>
             <a:pPr lvl="1"/>
             <a:r>
-              <a:rPr lang="en-US" b="1" dirty="0"/>
+              <a:rPr lang="en-US" b="1" dirty="0" smtClean="0"/>
               <a:t>Correct</a:t>
             </a:r>
             <a:r>
-              <a:rPr lang="en-US" dirty="0"/>
+              <a:rPr lang="en-US" dirty="0" smtClean="0"/>
               <a:t> code</a:t>
             </a:r>
             <a:endParaRPr lang="en-US" b="1" dirty="0"/>
@@ -5553,6 +5820,11 @@
               </a:rPr>
               <a:t>Assessments </a:t>
             </a:r>
+            <a:endParaRPr lang="en-US" dirty="0" smtClean="0">
+              <a:solidFill>
+                <a:srgbClr val="17B1AA"/>
+              </a:solidFill>
+            </a:endParaRPr>
           </a:p>
           <a:p>
             <a:pPr lvl="1"/>
@@ -5562,8 +5834,13 @@
             </a:r>
             <a:r>
               <a:rPr lang="en-US" dirty="0"/>
-              <a:t> all homework assignments with corrected answers.</a:t>
-            </a:r>
+              <a:t> all homework assignments with corrected </a:t>
+            </a:r>
+            <a:r>
+              <a:rPr lang="en-US" dirty="0" smtClean="0"/>
+              <a:t>answers.</a:t>
+            </a:r>
+            <a:endParaRPr lang="en-US" dirty="0"/>
           </a:p>
           <a:p>
             <a:pPr marL="0" indent="0">
@@ -5580,19 +5857,24 @@
               </a:rPr>
               <a:t>Homework </a:t>
             </a:r>
+            <a:endParaRPr lang="en-US" dirty="0" smtClean="0">
+              <a:solidFill>
+                <a:srgbClr val="17B1AA"/>
+              </a:solidFill>
+            </a:endParaRPr>
           </a:p>
           <a:p>
             <a:pPr lvl="1"/>
             <a:r>
-              <a:rPr lang="en-US" b="1" dirty="0"/>
+              <a:rPr lang="en-US" b="1" dirty="0" smtClean="0"/>
               <a:t>Review</a:t>
             </a:r>
             <a:r>
-              <a:rPr lang="en-US" dirty="0"/>
+              <a:rPr lang="en-US" dirty="0" smtClean="0"/>
               <a:t> materials for the </a:t>
             </a:r>
             <a:r>
-              <a:rPr lang="en-US" dirty="0" err="1"/>
+              <a:rPr lang="en-US" dirty="0" err="1" smtClean="0"/>
               <a:t>testby</a:t>
             </a:r>
             <a:r>
@@ -5608,18 +5890,27 @@
             </a:r>
             <a:r>
               <a:rPr lang="en-US" dirty="0"/>
-              <a:t> all the blue pages at the end of Chapter 9</a:t>
-            </a:r>
+              <a:t> all the blue pages at the end </a:t>
+            </a:r>
+            <a:r>
+              <a:rPr lang="en-US" dirty="0" smtClean="0"/>
+              <a:t>of Chapter 9</a:t>
+            </a:r>
+            <a:endParaRPr lang="en-US" dirty="0"/>
           </a:p>
           <a:p>
             <a:pPr lvl="1"/>
             <a:r>
-              <a:rPr lang="en-US" b="1" dirty="0"/>
+              <a:rPr lang="en-US" b="1" dirty="0" smtClean="0"/>
               <a:t>Submit</a:t>
             </a:r>
             <a:r>
+              <a:rPr lang="en-US" dirty="0" smtClean="0"/>
+              <a:t> </a:t>
+            </a:r>
+            <a:r>
               <a:rPr lang="en-US" dirty="0"/>
-              <a:t> 5 questions for review in class tomorrow using electronic survey</a:t>
+              <a:t>5 questions for review in class tomorrow using electronic survey</a:t>
             </a:r>
           </a:p>
           <a:p>
@@ -5643,9 +5934,10 @@
           <a:lstStyle/>
           <a:p>
             <a:r>
-              <a:rPr lang="en-US"/>
+              <a:rPr lang="en-US" smtClean="0"/>
               <a:t>Developed by TEALS in 2015  www.tealsk12.org</a:t>
             </a:r>
+            <a:endParaRPr lang="en-US"/>
           </a:p>
         </p:txBody>
       </p:sp>
@@ -6623,27 +6915,28 @@
 </file>
 
 <file path=customXml/item1.xml><?xml version="1.0" encoding="utf-8"?>
-<?mso-contentType ?>
-<FormTemplates xmlns="http://schemas.microsoft.com/sharepoint/v3/contenttype/forms">
-  <Display>DocumentLibraryForm</Display>
-  <Edit>DocumentLibraryForm</Edit>
-  <New>DocumentLibraryForm</New>
-</FormTemplates>
-</file>
-
-<file path=customXml/item2.xml><?xml version="1.0" encoding="utf-8"?>
-<ct:contentTypeSchema xmlns:ct="http://schemas.microsoft.com/office/2006/metadata/contentType" xmlns:ma="http://schemas.microsoft.com/office/2006/metadata/properties/metaAttributes" ct:_="" ma:_="" ma:contentTypeName="Document" ma:contentTypeID="0x010100BABADD3A0624AA4E97287821B8F4D7D6" ma:contentTypeVersion="3" ma:contentTypeDescription="Create a new document." ma:contentTypeScope="" ma:versionID="e0073545f5cddffb46c9fa8d01738dd8">
-  <xsd:schema xmlns:xsd="http://www.w3.org/2001/XMLSchema" xmlns:xs="http://www.w3.org/2001/XMLSchema" xmlns:p="http://schemas.microsoft.com/office/2006/metadata/properties" xmlns:ns2="5edd459b-714d-42ed-b78f-512da7d1c14e" targetNamespace="http://schemas.microsoft.com/office/2006/metadata/properties" ma:root="true" ma:fieldsID="5b223eadad92f795ae696ccb91d8f218" ns2:_="">
-    <xsd:import namespace="5edd459b-714d-42ed-b78f-512da7d1c14e"/>
+<ct:contentTypeSchema xmlns:ct="http://schemas.microsoft.com/office/2006/metadata/contentType" xmlns:ma="http://schemas.microsoft.com/office/2006/metadata/properties/metaAttributes" ct:_="" ma:_="" ma:contentTypeName="Document" ma:contentTypeID="0x01010011E83E049C87AC4AB56F27089B4ACA55" ma:contentTypeVersion="12" ma:contentTypeDescription="Create a new document." ma:contentTypeScope="" ma:versionID="1178fe99ddca204d3fc8224f4ed0acf8">
+  <xsd:schema xmlns:xsd="http://www.w3.org/2001/XMLSchema" xmlns:xs="http://www.w3.org/2001/XMLSchema" xmlns:p="http://schemas.microsoft.com/office/2006/metadata/properties" xmlns:ns2="be898649-fe57-4b08-9fd4-31fc752880e3" xmlns:ns3="6f430b7c-f2e9-4385-9cb2-4dd06cc2317e" targetNamespace="http://schemas.microsoft.com/office/2006/metadata/properties" ma:root="true" ma:fieldsID="05a700af6660b82c6e85ae510b7169e9" ns2:_="" ns3:_="">
+    <xsd:import namespace="be898649-fe57-4b08-9fd4-31fc752880e3"/>
+    <xsd:import namespace="6f430b7c-f2e9-4385-9cb2-4dd06cc2317e"/>
     <xsd:element name="properties">
       <xsd:complexType>
         <xsd:sequence>
           <xsd:element name="documentManagement">
             <xsd:complexType>
               <xsd:all>
-                <xsd:element ref="ns2:SharedWithUsers" minOccurs="0"/>
-                <xsd:element ref="ns2:SharedWithDetails" minOccurs="0"/>
-                <xsd:element ref="ns2:SharingHintHash" minOccurs="0"/>
+                <xsd:element ref="ns2:MediaServiceMetadata" minOccurs="0"/>
+                <xsd:element ref="ns2:MediaServiceFastMetadata" minOccurs="0"/>
+                <xsd:element ref="ns2:MediaServiceAutoTags" minOccurs="0"/>
+                <xsd:element ref="ns2:MediaServiceDateTaken" minOccurs="0"/>
+                <xsd:element ref="ns3:SharedWithUsers" minOccurs="0"/>
+                <xsd:element ref="ns3:SharedWithDetails" minOccurs="0"/>
+                <xsd:element ref="ns2:MediaServiceLocation" minOccurs="0"/>
+                <xsd:element ref="ns2:MediaServiceOCR" minOccurs="0"/>
+                <xsd:element ref="ns2:MediaServiceEventHashCode" minOccurs="0"/>
+                <xsd:element ref="ns2:MediaServiceGenerationTime" minOccurs="0"/>
+                <xsd:element ref="ns2:MediaServiceAutoKeyPoints" minOccurs="0"/>
+                <xsd:element ref="ns2:MediaServiceKeyPoints" minOccurs="0"/>
               </xsd:all>
             </xsd:complexType>
           </xsd:element>
@@ -6651,10 +6944,68 @@
       </xsd:complexType>
     </xsd:element>
   </xsd:schema>
-  <xsd:schema xmlns:xsd="http://www.w3.org/2001/XMLSchema" xmlns:xs="http://www.w3.org/2001/XMLSchema" xmlns:dms="http://schemas.microsoft.com/office/2006/documentManagement/types" xmlns:pc="http://schemas.microsoft.com/office/infopath/2007/PartnerControls" targetNamespace="5edd459b-714d-42ed-b78f-512da7d1c14e" elementFormDefault="qualified">
+  <xsd:schema xmlns:xsd="http://www.w3.org/2001/XMLSchema" xmlns:xs="http://www.w3.org/2001/XMLSchema" xmlns:dms="http://schemas.microsoft.com/office/2006/documentManagement/types" xmlns:pc="http://schemas.microsoft.com/office/infopath/2007/PartnerControls" targetNamespace="be898649-fe57-4b08-9fd4-31fc752880e3" elementFormDefault="qualified">
     <xsd:import namespace="http://schemas.microsoft.com/office/2006/documentManagement/types"/>
     <xsd:import namespace="http://schemas.microsoft.com/office/infopath/2007/PartnerControls"/>
-    <xsd:element name="SharedWithUsers" ma:index="8" nillable="true" ma:displayName="Shared With" ma:internalName="SharedWithUsers" ma:readOnly="true">
+    <xsd:element name="MediaServiceMetadata" ma:index="8" nillable="true" ma:displayName="MediaServiceMetadata" ma:description="" ma:hidden="true" ma:internalName="MediaServiceMetadata" ma:readOnly="true">
+      <xsd:simpleType>
+        <xsd:restriction base="dms:Note"/>
+      </xsd:simpleType>
+    </xsd:element>
+    <xsd:element name="MediaServiceFastMetadata" ma:index="9" nillable="true" ma:displayName="MediaServiceFastMetadata" ma:description="" ma:hidden="true" ma:internalName="MediaServiceFastMetadata" ma:readOnly="true">
+      <xsd:simpleType>
+        <xsd:restriction base="dms:Note"/>
+      </xsd:simpleType>
+    </xsd:element>
+    <xsd:element name="MediaServiceAutoTags" ma:index="10" nillable="true" ma:displayName="MediaServiceAutoTags" ma:description="" ma:internalName="MediaServiceAutoTags" ma:readOnly="true">
+      <xsd:simpleType>
+        <xsd:restriction base="dms:Text"/>
+      </xsd:simpleType>
+    </xsd:element>
+    <xsd:element name="MediaServiceDateTaken" ma:index="11" nillable="true" ma:displayName="MediaServiceDateTaken" ma:description="" ma:hidden="true" ma:internalName="MediaServiceDateTaken" ma:readOnly="true">
+      <xsd:simpleType>
+        <xsd:restriction base="dms:Text"/>
+      </xsd:simpleType>
+    </xsd:element>
+    <xsd:element name="MediaServiceLocation" ma:index="14" nillable="true" ma:displayName="MediaServiceLocation" ma:internalName="MediaServiceLocation" ma:readOnly="true">
+      <xsd:simpleType>
+        <xsd:restriction base="dms:Text"/>
+      </xsd:simpleType>
+    </xsd:element>
+    <xsd:element name="MediaServiceOCR" ma:index="15" nillable="true" ma:displayName="MediaServiceOCR" ma:internalName="MediaServiceOCR" ma:readOnly="true">
+      <xsd:simpleType>
+        <xsd:restriction base="dms:Note">
+          <xsd:maxLength value="255"/>
+        </xsd:restriction>
+      </xsd:simpleType>
+    </xsd:element>
+    <xsd:element name="MediaServiceEventHashCode" ma:index="16" nillable="true" ma:displayName="MediaServiceEventHashCode" ma:hidden="true" ma:internalName="MediaServiceEventHashCode" ma:readOnly="true">
+      <xsd:simpleType>
+        <xsd:restriction base="dms:Text"/>
+      </xsd:simpleType>
+    </xsd:element>
+    <xsd:element name="MediaServiceGenerationTime" ma:index="17" nillable="true" ma:displayName="MediaServiceGenerationTime" ma:hidden="true" ma:internalName="MediaServiceGenerationTime" ma:readOnly="true">
+      <xsd:simpleType>
+        <xsd:restriction base="dms:Text"/>
+      </xsd:simpleType>
+    </xsd:element>
+    <xsd:element name="MediaServiceAutoKeyPoints" ma:index="18" nillable="true" ma:displayName="MediaServiceAutoKeyPoints" ma:hidden="true" ma:internalName="MediaServiceAutoKeyPoints" ma:readOnly="true">
+      <xsd:simpleType>
+        <xsd:restriction base="dms:Note"/>
+      </xsd:simpleType>
+    </xsd:element>
+    <xsd:element name="MediaServiceKeyPoints" ma:index="19" nillable="true" ma:displayName="KeyPoints" ma:internalName="MediaServiceKeyPoints" ma:readOnly="true">
+      <xsd:simpleType>
+        <xsd:restriction base="dms:Note">
+          <xsd:maxLength value="255"/>
+        </xsd:restriction>
+      </xsd:simpleType>
+    </xsd:element>
+  </xsd:schema>
+  <xsd:schema xmlns:xsd="http://www.w3.org/2001/XMLSchema" xmlns:xs="http://www.w3.org/2001/XMLSchema" xmlns:dms="http://schemas.microsoft.com/office/2006/documentManagement/types" xmlns:pc="http://schemas.microsoft.com/office/infopath/2007/PartnerControls" targetNamespace="6f430b7c-f2e9-4385-9cb2-4dd06cc2317e" elementFormDefault="qualified">
+    <xsd:import namespace="http://schemas.microsoft.com/office/2006/documentManagement/types"/>
+    <xsd:import namespace="http://schemas.microsoft.com/office/infopath/2007/PartnerControls"/>
+    <xsd:element name="SharedWithUsers" ma:index="12" nillable="true" ma:displayName="Shared With" ma:internalName="SharedWithUsers" ma:readOnly="true">
       <xsd:complexType>
         <xsd:complexContent>
           <xsd:extension base="dms:UserMulti">
@@ -6673,16 +7024,11 @@
         </xsd:complexContent>
       </xsd:complexType>
     </xsd:element>
-    <xsd:element name="SharedWithDetails" ma:index="9" nillable="true" ma:displayName="Shared With Details" ma:internalName="SharedWithDetails" ma:readOnly="true">
+    <xsd:element name="SharedWithDetails" ma:index="13" nillable="true" ma:displayName="Shared With Details" ma:internalName="SharedWithDetails" ma:readOnly="true">
       <xsd:simpleType>
         <xsd:restriction base="dms:Note">
           <xsd:maxLength value="255"/>
         </xsd:restriction>
-      </xsd:simpleType>
-    </xsd:element>
-    <xsd:element name="SharingHintHash" ma:index="10" nillable="true" ma:displayName="Sharing Hint Hash" ma:internalName="SharingHintHash" ma:readOnly="true">
-      <xsd:simpleType>
-        <xsd:restriction base="dms:Text"/>
       </xsd:simpleType>
     </xsd:element>
   </xsd:schema>
@@ -6785,6 +7131,15 @@
 </ct:contentTypeSchema>
 </file>
 
+<file path=customXml/item2.xml><?xml version="1.0" encoding="utf-8"?>
+<?mso-contentType ?>
+<FormTemplates xmlns="http://schemas.microsoft.com/sharepoint/v3/contenttype/forms">
+  <Display>DocumentLibraryForm</Display>
+  <Edit>DocumentLibraryForm</Edit>
+  <New>DocumentLibraryForm</New>
+</FormTemplates>
+</file>
+
 <file path=customXml/item3.xml><?xml version="1.0" encoding="utf-8"?>
 <p:properties xmlns:p="http://schemas.microsoft.com/office/2006/metadata/properties" xmlns:xsi="http://www.w3.org/2001/XMLSchema-instance" xmlns:pc="http://schemas.microsoft.com/office/infopath/2007/PartnerControls">
   <documentManagement/>
@@ -6792,36 +7147,13 @@
 </file>
 
 <file path=customXml/itemProps1.xml><?xml version="1.0" encoding="utf-8"?>
-<ds:datastoreItem xmlns:ds="http://schemas.openxmlformats.org/officeDocument/2006/customXml" ds:itemID="{3285B7E3-6A87-4C05-9B8E-47A454B20783}">
-  <ds:schemaRefs>
-    <ds:schemaRef ds:uri="http://schemas.microsoft.com/sharepoint/v3/contenttype/forms"/>
-  </ds:schemaRefs>
-</ds:datastoreItem>
+<ds:datastoreItem xmlns:ds="http://schemas.openxmlformats.org/officeDocument/2006/customXml" ds:itemID="{4BA9480A-6A46-44D1-8A0B-F1B153249EB8}"/>
 </file>
 
 <file path=customXml/itemProps2.xml><?xml version="1.0" encoding="utf-8"?>
-<ds:datastoreItem xmlns:ds="http://schemas.openxmlformats.org/officeDocument/2006/customXml" ds:itemID="{1C26E39F-07DC-483A-84A9-0F6A3F594F83}">
-  <ds:schemaRefs>
-    <ds:schemaRef ds:uri="http://schemas.microsoft.com/office/2006/metadata/contentType"/>
-    <ds:schemaRef ds:uri="http://schemas.microsoft.com/office/2006/metadata/properties/metaAttributes"/>
-    <ds:schemaRef ds:uri="http://www.w3.org/2001/XMLSchema"/>
-    <ds:schemaRef ds:uri="http://schemas.microsoft.com/office/2006/metadata/properties"/>
-    <ds:schemaRef ds:uri="5edd459b-714d-42ed-b78f-512da7d1c14e"/>
-    <ds:schemaRef ds:uri="http://schemas.microsoft.com/office/2006/documentManagement/types"/>
-    <ds:schemaRef ds:uri="http://schemas.microsoft.com/office/infopath/2007/PartnerControls"/>
-    <ds:schemaRef ds:uri="http://schemas.openxmlformats.org/package/2006/metadata/core-properties"/>
-    <ds:schemaRef ds:uri="http://purl.org/dc/elements/1.1/"/>
-    <ds:schemaRef ds:uri="http://purl.org/dc/terms/"/>
-    <ds:schemaRef ds:uri="http://schemas.microsoft.com/internal/obd"/>
-  </ds:schemaRefs>
-</ds:datastoreItem>
+<ds:datastoreItem xmlns:ds="http://schemas.openxmlformats.org/officeDocument/2006/customXml" ds:itemID="{3285B7E3-6A87-4C05-9B8E-47A454B20783}"/>
 </file>
 
 <file path=customXml/itemProps3.xml><?xml version="1.0" encoding="utf-8"?>
-<ds:datastoreItem xmlns:ds="http://schemas.openxmlformats.org/officeDocument/2006/customXml" ds:itemID="{4A7EC573-D6CE-485A-816D-CB816ABDA6ED}">
-  <ds:schemaRefs>
-    <ds:schemaRef ds:uri="http://schemas.microsoft.com/office/2006/metadata/properties"/>
-    <ds:schemaRef ds:uri="http://schemas.microsoft.com/office/infopath/2007/PartnerControls"/>
-  </ds:schemaRefs>
-</ds:datastoreItem>
+<ds:datastoreItem xmlns:ds="http://schemas.openxmlformats.org/officeDocument/2006/customXml" ds:itemID="{4A7EC573-D6CE-485A-816D-CB816ABDA6ED}"/>
 </file>
--- a/curriculum/Unit6/Unit 6 Slides.pptx
+++ b/curriculum/Unit6/Unit 6 Slides.pptx
@@ -2,25 +2,25 @@
 <file path=ppt/presentation.xml><?xml version="1.0" encoding="utf-8"?>
 <p:presentation xmlns:a="http://schemas.openxmlformats.org/drawingml/2006/main" xmlns:r="http://schemas.openxmlformats.org/officeDocument/2006/relationships" xmlns:p="http://schemas.openxmlformats.org/presentationml/2006/main" saveSubsetFonts="1" autoCompressPictures="0">
   <p:sldMasterIdLst>
-    <p:sldMasterId id="2147483648" r:id="rId1"/>
+    <p:sldMasterId id="2147483648" r:id="rId4"/>
   </p:sldMasterIdLst>
   <p:notesMasterIdLst>
-    <p:notesMasterId r:id="rId12"/>
+    <p:notesMasterId r:id="rId15"/>
   </p:notesMasterIdLst>
   <p:handoutMasterIdLst>
-    <p:handoutMasterId r:id="rId13"/>
+    <p:handoutMasterId r:id="rId16"/>
   </p:handoutMasterIdLst>
   <p:sldIdLst>
-    <p:sldId id="271" r:id="rId2"/>
-    <p:sldId id="282" r:id="rId3"/>
-    <p:sldId id="278" r:id="rId4"/>
-    <p:sldId id="279" r:id="rId5"/>
-    <p:sldId id="276" r:id="rId6"/>
-    <p:sldId id="283" r:id="rId7"/>
-    <p:sldId id="284" r:id="rId8"/>
-    <p:sldId id="285" r:id="rId9"/>
-    <p:sldId id="273" r:id="rId10"/>
-    <p:sldId id="281" r:id="rId11"/>
+    <p:sldId id="271" r:id="rId5"/>
+    <p:sldId id="282" r:id="rId6"/>
+    <p:sldId id="278" r:id="rId7"/>
+    <p:sldId id="279" r:id="rId8"/>
+    <p:sldId id="276" r:id="rId9"/>
+    <p:sldId id="283" r:id="rId10"/>
+    <p:sldId id="284" r:id="rId11"/>
+    <p:sldId id="285" r:id="rId12"/>
+    <p:sldId id="273" r:id="rId13"/>
+    <p:sldId id="281" r:id="rId14"/>
   </p:sldIdLst>
   <p:sldSz cx="9144000" cy="6858000" type="screen4x3"/>
   <p:notesSz cx="6858000" cy="9144000"/>
@@ -119,6 +119,22 @@
       </a:defRPr>
     </a:lvl9pPr>
   </p:defaultTextStyle>
+  <p:extLst>
+    <p:ext uri="{EFAFB233-063F-42B5-8137-9DF3F51BA10A}">
+      <p15:sldGuideLst xmlns:p15="http://schemas.microsoft.com/office/powerpoint/2012/main">
+        <p15:guide id="1" orient="horz" pos="2160">
+          <p15:clr>
+            <a:srgbClr val="A4A3A4"/>
+          </p15:clr>
+        </p15:guide>
+        <p15:guide id="2" pos="2880">
+          <p15:clr>
+            <a:srgbClr val="A4A3A4"/>
+          </p15:clr>
+        </p15:guide>
+      </p15:sldGuideLst>
+    </p:ext>
+  </p:extLst>
 </p:presentation>
 </file>
 
@@ -204,7 +220,7 @@
           <a:p>
             <a:fld id="{6D0754E3-E03E-ED44-9A59-706283C2F2CC}" type="datetimeFigureOut">
               <a:rPr lang="en-US" smtClean="0"/>
-              <a:t>6/23/15</a:t>
+              <a:t>2/18/2020</a:t>
             </a:fld>
             <a:endParaRPr lang="en-US"/>
           </a:p>
@@ -370,7 +386,7 @@
           <a:p>
             <a:fld id="{44996FB4-6AD2-FE4B-B45E-D44A9C110DAF}" type="datetimeFigureOut">
               <a:rPr lang="en-US" smtClean="0"/>
-              <a:t>6/23/15</a:t>
+              <a:t>2/18/2020</a:t>
             </a:fld>
             <a:endParaRPr lang="en-US"/>
           </a:p>
@@ -434,38 +450,37 @@
           <a:p>
             <a:pPr lvl="0"/>
             <a:r>
-              <a:rPr lang="en-US" smtClean="0"/>
+              <a:rPr lang="en-US"/>
               <a:t>Click to edit Master text styles</a:t>
             </a:r>
           </a:p>
           <a:p>
             <a:pPr lvl="1"/>
             <a:r>
-              <a:rPr lang="en-US" smtClean="0"/>
+              <a:rPr lang="en-US"/>
               <a:t>Second level</a:t>
             </a:r>
           </a:p>
           <a:p>
             <a:pPr lvl="2"/>
             <a:r>
-              <a:rPr lang="en-US" smtClean="0"/>
+              <a:rPr lang="en-US"/>
               <a:t>Third level</a:t>
             </a:r>
           </a:p>
           <a:p>
             <a:pPr lvl="3"/>
             <a:r>
-              <a:rPr lang="en-US" smtClean="0"/>
+              <a:rPr lang="en-US"/>
               <a:t>Fourth level</a:t>
             </a:r>
           </a:p>
           <a:p>
             <a:pPr lvl="4"/>
             <a:r>
-              <a:rPr lang="en-US" smtClean="0"/>
+              <a:rPr lang="en-US"/>
               <a:t>Fifth level</a:t>
             </a:r>
-            <a:endParaRPr lang="en-US"/>
           </a:p>
         </p:txBody>
       </p:sp>
@@ -677,10 +692,9 @@
           <a:lstStyle/>
           <a:p>
             <a:r>
-              <a:rPr lang="en-US" smtClean="0"/>
+              <a:rPr lang="en-US"/>
               <a:t>Click to edit Master title style</a:t>
             </a:r>
-            <a:endParaRPr lang="en-US"/>
           </a:p>
         </p:txBody>
       </p:sp>
@@ -796,10 +810,9 @@
           </a:lstStyle>
           <a:p>
             <a:r>
-              <a:rPr lang="en-US" smtClean="0"/>
+              <a:rPr lang="en-US"/>
               <a:t>Click to edit Master subtitle style</a:t>
             </a:r>
-            <a:endParaRPr lang="en-US"/>
           </a:p>
         </p:txBody>
       </p:sp>
@@ -820,7 +833,7 @@
           <a:p>
             <a:fld id="{34990CC2-A8CC-B149-BA8F-DDB0E524EE45}" type="datetime1">
               <a:rPr lang="en-US" smtClean="0"/>
-              <a:t>6/23/15</a:t>
+              <a:t>2/18/2020</a:t>
             </a:fld>
             <a:endParaRPr lang="en-US"/>
           </a:p>
@@ -842,10 +855,9 @@
           <a:lstStyle/>
           <a:p>
             <a:r>
-              <a:rPr lang="en-US" smtClean="0"/>
+              <a:rPr lang="en-US"/>
               <a:t>Developed by TEALS in 2015  www.tealsk12.org</a:t>
             </a:r>
-            <a:endParaRPr lang="en-US"/>
           </a:p>
         </p:txBody>
       </p:sp>
@@ -918,10 +930,9 @@
           <a:lstStyle/>
           <a:p>
             <a:r>
-              <a:rPr lang="en-US" smtClean="0"/>
+              <a:rPr lang="en-US"/>
               <a:t>Click to edit Master title style</a:t>
             </a:r>
-            <a:endParaRPr lang="en-US"/>
           </a:p>
         </p:txBody>
       </p:sp>
@@ -942,38 +953,37 @@
           <a:p>
             <a:pPr lvl="0"/>
             <a:r>
-              <a:rPr lang="en-US" smtClean="0"/>
+              <a:rPr lang="en-US"/>
               <a:t>Click to edit Master text styles</a:t>
             </a:r>
           </a:p>
           <a:p>
             <a:pPr lvl="1"/>
             <a:r>
-              <a:rPr lang="en-US" smtClean="0"/>
+              <a:rPr lang="en-US"/>
               <a:t>Second level</a:t>
             </a:r>
           </a:p>
           <a:p>
             <a:pPr lvl="2"/>
             <a:r>
-              <a:rPr lang="en-US" smtClean="0"/>
+              <a:rPr lang="en-US"/>
               <a:t>Third level</a:t>
             </a:r>
           </a:p>
           <a:p>
             <a:pPr lvl="3"/>
             <a:r>
-              <a:rPr lang="en-US" smtClean="0"/>
+              <a:rPr lang="en-US"/>
               <a:t>Fourth level</a:t>
             </a:r>
           </a:p>
           <a:p>
             <a:pPr lvl="4"/>
             <a:r>
-              <a:rPr lang="en-US" smtClean="0"/>
+              <a:rPr lang="en-US"/>
               <a:t>Fifth level</a:t>
             </a:r>
-            <a:endParaRPr lang="en-US"/>
           </a:p>
         </p:txBody>
       </p:sp>
@@ -994,7 +1004,7 @@
           <a:p>
             <a:fld id="{96267D05-F6C2-F64A-9C7F-A94B43164B5C}" type="datetime1">
               <a:rPr lang="en-US" smtClean="0"/>
-              <a:t>6/23/15</a:t>
+              <a:t>2/18/2020</a:t>
             </a:fld>
             <a:endParaRPr lang="en-US"/>
           </a:p>
@@ -1016,10 +1026,9 @@
           <a:lstStyle/>
           <a:p>
             <a:r>
-              <a:rPr lang="en-US" smtClean="0"/>
+              <a:rPr lang="en-US"/>
               <a:t>Developed by TEALS in 2015  www.tealsk12.org</a:t>
             </a:r>
-            <a:endParaRPr lang="en-US"/>
           </a:p>
         </p:txBody>
       </p:sp>
@@ -1097,10 +1106,9 @@
           <a:lstStyle/>
           <a:p>
             <a:r>
-              <a:rPr lang="en-US" smtClean="0"/>
+              <a:rPr lang="en-US"/>
               <a:t>Click to edit Master title style</a:t>
             </a:r>
-            <a:endParaRPr lang="en-US"/>
           </a:p>
         </p:txBody>
       </p:sp>
@@ -1126,38 +1134,37 @@
           <a:p>
             <a:pPr lvl="0"/>
             <a:r>
-              <a:rPr lang="en-US" smtClean="0"/>
+              <a:rPr lang="en-US"/>
               <a:t>Click to edit Master text styles</a:t>
             </a:r>
           </a:p>
           <a:p>
             <a:pPr lvl="1"/>
             <a:r>
-              <a:rPr lang="en-US" smtClean="0"/>
+              <a:rPr lang="en-US"/>
               <a:t>Second level</a:t>
             </a:r>
           </a:p>
           <a:p>
             <a:pPr lvl="2"/>
             <a:r>
-              <a:rPr lang="en-US" smtClean="0"/>
+              <a:rPr lang="en-US"/>
               <a:t>Third level</a:t>
             </a:r>
           </a:p>
           <a:p>
             <a:pPr lvl="3"/>
             <a:r>
-              <a:rPr lang="en-US" smtClean="0"/>
+              <a:rPr lang="en-US"/>
               <a:t>Fourth level</a:t>
             </a:r>
           </a:p>
           <a:p>
             <a:pPr lvl="4"/>
             <a:r>
-              <a:rPr lang="en-US" smtClean="0"/>
+              <a:rPr lang="en-US"/>
               <a:t>Fifth level</a:t>
             </a:r>
-            <a:endParaRPr lang="en-US"/>
           </a:p>
         </p:txBody>
       </p:sp>
@@ -1178,7 +1185,7 @@
           <a:p>
             <a:fld id="{087C1978-9D0A-A345-9E84-F995A3601C8E}" type="datetime1">
               <a:rPr lang="en-US" smtClean="0"/>
-              <a:t>6/23/15</a:t>
+              <a:t>2/18/2020</a:t>
             </a:fld>
             <a:endParaRPr lang="en-US"/>
           </a:p>
@@ -1200,10 +1207,9 @@
           <a:lstStyle/>
           <a:p>
             <a:r>
-              <a:rPr lang="en-US" smtClean="0"/>
+              <a:rPr lang="en-US"/>
               <a:t>Developed by TEALS in 2015  www.tealsk12.org</a:t>
             </a:r>
-            <a:endParaRPr lang="en-US"/>
           </a:p>
         </p:txBody>
       </p:sp>
@@ -1276,10 +1282,9 @@
           <a:lstStyle/>
           <a:p>
             <a:r>
-              <a:rPr lang="en-US" smtClean="0"/>
+              <a:rPr lang="en-US"/>
               <a:t>Click to edit Master title style</a:t>
             </a:r>
-            <a:endParaRPr lang="en-US"/>
           </a:p>
         </p:txBody>
       </p:sp>
@@ -1300,38 +1305,37 @@
           <a:p>
             <a:pPr lvl="0"/>
             <a:r>
-              <a:rPr lang="en-US" smtClean="0"/>
+              <a:rPr lang="en-US"/>
               <a:t>Click to edit Master text styles</a:t>
             </a:r>
           </a:p>
           <a:p>
             <a:pPr lvl="1"/>
             <a:r>
-              <a:rPr lang="en-US" smtClean="0"/>
+              <a:rPr lang="en-US"/>
               <a:t>Second level</a:t>
             </a:r>
           </a:p>
           <a:p>
             <a:pPr lvl="2"/>
             <a:r>
-              <a:rPr lang="en-US" smtClean="0"/>
+              <a:rPr lang="en-US"/>
               <a:t>Third level</a:t>
             </a:r>
           </a:p>
           <a:p>
             <a:pPr lvl="3"/>
             <a:r>
-              <a:rPr lang="en-US" smtClean="0"/>
+              <a:rPr lang="en-US"/>
               <a:t>Fourth level</a:t>
             </a:r>
           </a:p>
           <a:p>
             <a:pPr lvl="4"/>
             <a:r>
-              <a:rPr lang="en-US" smtClean="0"/>
+              <a:rPr lang="en-US"/>
               <a:t>Fifth level</a:t>
             </a:r>
-            <a:endParaRPr lang="en-US"/>
           </a:p>
         </p:txBody>
       </p:sp>
@@ -1352,7 +1356,7 @@
           <a:p>
             <a:fld id="{620CD570-9DDA-524E-9F58-9DBC8D3A8C31}" type="datetime1">
               <a:rPr lang="en-US" smtClean="0"/>
-              <a:t>6/23/15</a:t>
+              <a:t>2/18/2020</a:t>
             </a:fld>
             <a:endParaRPr lang="en-US"/>
           </a:p>
@@ -1374,10 +1378,9 @@
           <a:lstStyle/>
           <a:p>
             <a:r>
-              <a:rPr lang="en-US" smtClean="0"/>
+              <a:rPr lang="en-US"/>
               <a:t>Developed by TEALS in 2015  www.tealsk12.org</a:t>
             </a:r>
-            <a:endParaRPr lang="en-US"/>
           </a:p>
         </p:txBody>
       </p:sp>
@@ -1459,10 +1462,9 @@
           </a:lstStyle>
           <a:p>
             <a:r>
-              <a:rPr lang="en-US" smtClean="0"/>
+              <a:rPr lang="en-US"/>
               <a:t>Click to edit Master title style</a:t>
             </a:r>
-            <a:endParaRPr lang="en-US"/>
           </a:p>
         </p:txBody>
       </p:sp>
@@ -1579,7 +1581,7 @@
           <a:p>
             <a:pPr lvl="0"/>
             <a:r>
-              <a:rPr lang="en-US" smtClean="0"/>
+              <a:rPr lang="en-US"/>
               <a:t>Click to edit Master text styles</a:t>
             </a:r>
           </a:p>
@@ -1602,7 +1604,7 @@
           <a:p>
             <a:fld id="{FEBAD56B-400E-5542-B4A1-CD46AB8B4D0E}" type="datetime1">
               <a:rPr lang="en-US" smtClean="0"/>
-              <a:t>6/23/15</a:t>
+              <a:t>2/18/2020</a:t>
             </a:fld>
             <a:endParaRPr lang="en-US"/>
           </a:p>
@@ -1624,10 +1626,9 @@
           <a:lstStyle/>
           <a:p>
             <a:r>
-              <a:rPr lang="en-US" smtClean="0"/>
+              <a:rPr lang="en-US"/>
               <a:t>Developed by TEALS in 2015  www.tealsk12.org</a:t>
             </a:r>
-            <a:endParaRPr lang="en-US"/>
           </a:p>
         </p:txBody>
       </p:sp>
@@ -1700,10 +1701,9 @@
           <a:lstStyle/>
           <a:p>
             <a:r>
-              <a:rPr lang="en-US" smtClean="0"/>
+              <a:rPr lang="en-US"/>
               <a:t>Click to edit Master title style</a:t>
             </a:r>
-            <a:endParaRPr lang="en-US"/>
           </a:p>
         </p:txBody>
       </p:sp>
@@ -1757,38 +1757,37 @@
           <a:p>
             <a:pPr lvl="0"/>
             <a:r>
-              <a:rPr lang="en-US" smtClean="0"/>
+              <a:rPr lang="en-US"/>
               <a:t>Click to edit Master text styles</a:t>
             </a:r>
           </a:p>
           <a:p>
             <a:pPr lvl="1"/>
             <a:r>
-              <a:rPr lang="en-US" smtClean="0"/>
+              <a:rPr lang="en-US"/>
               <a:t>Second level</a:t>
             </a:r>
           </a:p>
           <a:p>
             <a:pPr lvl="2"/>
             <a:r>
-              <a:rPr lang="en-US" smtClean="0"/>
+              <a:rPr lang="en-US"/>
               <a:t>Third level</a:t>
             </a:r>
           </a:p>
           <a:p>
             <a:pPr lvl="3"/>
             <a:r>
-              <a:rPr lang="en-US" smtClean="0"/>
+              <a:rPr lang="en-US"/>
               <a:t>Fourth level</a:t>
             </a:r>
           </a:p>
           <a:p>
             <a:pPr lvl="4"/>
             <a:r>
-              <a:rPr lang="en-US" smtClean="0"/>
+              <a:rPr lang="en-US"/>
               <a:t>Fifth level</a:t>
             </a:r>
-            <a:endParaRPr lang="en-US"/>
           </a:p>
         </p:txBody>
       </p:sp>
@@ -1842,38 +1841,37 @@
           <a:p>
             <a:pPr lvl="0"/>
             <a:r>
-              <a:rPr lang="en-US" smtClean="0"/>
+              <a:rPr lang="en-US"/>
               <a:t>Click to edit Master text styles</a:t>
             </a:r>
           </a:p>
           <a:p>
             <a:pPr lvl="1"/>
             <a:r>
-              <a:rPr lang="en-US" smtClean="0"/>
+              <a:rPr lang="en-US"/>
               <a:t>Second level</a:t>
             </a:r>
           </a:p>
           <a:p>
             <a:pPr lvl="2"/>
             <a:r>
-              <a:rPr lang="en-US" smtClean="0"/>
+              <a:rPr lang="en-US"/>
               <a:t>Third level</a:t>
             </a:r>
           </a:p>
           <a:p>
             <a:pPr lvl="3"/>
             <a:r>
-              <a:rPr lang="en-US" smtClean="0"/>
+              <a:rPr lang="en-US"/>
               <a:t>Fourth level</a:t>
             </a:r>
           </a:p>
           <a:p>
             <a:pPr lvl="4"/>
             <a:r>
-              <a:rPr lang="en-US" smtClean="0"/>
+              <a:rPr lang="en-US"/>
               <a:t>Fifth level</a:t>
             </a:r>
-            <a:endParaRPr lang="en-US"/>
           </a:p>
         </p:txBody>
       </p:sp>
@@ -1894,7 +1892,7 @@
           <a:p>
             <a:fld id="{43394E63-B418-1F4A-9C08-2548B9C5B3C1}" type="datetime1">
               <a:rPr lang="en-US" smtClean="0"/>
-              <a:t>6/23/15</a:t>
+              <a:t>2/18/2020</a:t>
             </a:fld>
             <a:endParaRPr lang="en-US"/>
           </a:p>
@@ -1916,10 +1914,9 @@
           <a:lstStyle/>
           <a:p>
             <a:r>
-              <a:rPr lang="en-US" smtClean="0"/>
+              <a:rPr lang="en-US"/>
               <a:t>Developed by TEALS in 2015  www.tealsk12.org</a:t>
             </a:r>
-            <a:endParaRPr lang="en-US"/>
           </a:p>
         </p:txBody>
       </p:sp>
@@ -1996,10 +1993,9 @@
           </a:lstStyle>
           <a:p>
             <a:r>
-              <a:rPr lang="en-US" smtClean="0"/>
+              <a:rPr lang="en-US"/>
               <a:t>Click to edit Master title style</a:t>
             </a:r>
-            <a:endParaRPr lang="en-US"/>
           </a:p>
         </p:txBody>
       </p:sp>
@@ -2062,7 +2058,7 @@
           <a:p>
             <a:pPr lvl="0"/>
             <a:r>
-              <a:rPr lang="en-US" smtClean="0"/>
+              <a:rPr lang="en-US"/>
               <a:t>Click to edit Master text styles</a:t>
             </a:r>
           </a:p>
@@ -2118,38 +2114,37 @@
           <a:p>
             <a:pPr lvl="0"/>
             <a:r>
-              <a:rPr lang="en-US" smtClean="0"/>
+              <a:rPr lang="en-US"/>
               <a:t>Click to edit Master text styles</a:t>
             </a:r>
           </a:p>
           <a:p>
             <a:pPr lvl="1"/>
             <a:r>
-              <a:rPr lang="en-US" smtClean="0"/>
+              <a:rPr lang="en-US"/>
               <a:t>Second level</a:t>
             </a:r>
           </a:p>
           <a:p>
             <a:pPr lvl="2"/>
             <a:r>
-              <a:rPr lang="en-US" smtClean="0"/>
+              <a:rPr lang="en-US"/>
               <a:t>Third level</a:t>
             </a:r>
           </a:p>
           <a:p>
             <a:pPr lvl="3"/>
             <a:r>
-              <a:rPr lang="en-US" smtClean="0"/>
+              <a:rPr lang="en-US"/>
               <a:t>Fourth level</a:t>
             </a:r>
           </a:p>
           <a:p>
             <a:pPr lvl="4"/>
             <a:r>
-              <a:rPr lang="en-US" smtClean="0"/>
+              <a:rPr lang="en-US"/>
               <a:t>Fifth level</a:t>
             </a:r>
-            <a:endParaRPr lang="en-US"/>
           </a:p>
         </p:txBody>
       </p:sp>
@@ -2212,7 +2207,7 @@
           <a:p>
             <a:pPr lvl="0"/>
             <a:r>
-              <a:rPr lang="en-US" smtClean="0"/>
+              <a:rPr lang="en-US"/>
               <a:t>Click to edit Master text styles</a:t>
             </a:r>
           </a:p>
@@ -2268,38 +2263,37 @@
           <a:p>
             <a:pPr lvl="0"/>
             <a:r>
-              <a:rPr lang="en-US" smtClean="0"/>
+              <a:rPr lang="en-US"/>
               <a:t>Click to edit Master text styles</a:t>
             </a:r>
           </a:p>
           <a:p>
             <a:pPr lvl="1"/>
             <a:r>
-              <a:rPr lang="en-US" smtClean="0"/>
+              <a:rPr lang="en-US"/>
               <a:t>Second level</a:t>
             </a:r>
           </a:p>
           <a:p>
             <a:pPr lvl="2"/>
             <a:r>
-              <a:rPr lang="en-US" smtClean="0"/>
+              <a:rPr lang="en-US"/>
               <a:t>Third level</a:t>
             </a:r>
           </a:p>
           <a:p>
             <a:pPr lvl="3"/>
             <a:r>
-              <a:rPr lang="en-US" smtClean="0"/>
+              <a:rPr lang="en-US"/>
               <a:t>Fourth level</a:t>
             </a:r>
           </a:p>
           <a:p>
             <a:pPr lvl="4"/>
             <a:r>
-              <a:rPr lang="en-US" smtClean="0"/>
+              <a:rPr lang="en-US"/>
               <a:t>Fifth level</a:t>
             </a:r>
-            <a:endParaRPr lang="en-US"/>
           </a:p>
         </p:txBody>
       </p:sp>
@@ -2320,7 +2314,7 @@
           <a:p>
             <a:fld id="{6F92EF41-DD41-C742-BC3B-970F41658B68}" type="datetime1">
               <a:rPr lang="en-US" smtClean="0"/>
-              <a:t>6/23/15</a:t>
+              <a:t>2/18/2020</a:t>
             </a:fld>
             <a:endParaRPr lang="en-US"/>
           </a:p>
@@ -2342,10 +2336,9 @@
           <a:lstStyle/>
           <a:p>
             <a:r>
-              <a:rPr lang="en-US" smtClean="0"/>
+              <a:rPr lang="en-US"/>
               <a:t>Developed by TEALS in 2015  www.tealsk12.org</a:t>
             </a:r>
-            <a:endParaRPr lang="en-US"/>
           </a:p>
         </p:txBody>
       </p:sp>
@@ -2418,10 +2411,9 @@
           <a:lstStyle/>
           <a:p>
             <a:r>
-              <a:rPr lang="en-US" smtClean="0"/>
+              <a:rPr lang="en-US"/>
               <a:t>Click to edit Master title style</a:t>
             </a:r>
-            <a:endParaRPr lang="en-US"/>
           </a:p>
         </p:txBody>
       </p:sp>
@@ -2442,7 +2434,7 @@
           <a:p>
             <a:fld id="{631009B9-6DC3-0349-8BB5-CE1E5B2C68D1}" type="datetime1">
               <a:rPr lang="en-US" smtClean="0"/>
-              <a:t>6/23/15</a:t>
+              <a:t>2/18/2020</a:t>
             </a:fld>
             <a:endParaRPr lang="en-US"/>
           </a:p>
@@ -2464,10 +2456,9 @@
           <a:lstStyle/>
           <a:p>
             <a:r>
-              <a:rPr lang="en-US" smtClean="0"/>
+              <a:rPr lang="en-US"/>
               <a:t>Developed by TEALS in 2015  www.tealsk12.org</a:t>
             </a:r>
-            <a:endParaRPr lang="en-US"/>
           </a:p>
         </p:txBody>
       </p:sp>
@@ -2541,7 +2532,7 @@
           <a:p>
             <a:fld id="{DBD68779-2025-B44F-AD23-DF62F9874F1B}" type="datetime1">
               <a:rPr lang="en-US" smtClean="0"/>
-              <a:t>6/23/15</a:t>
+              <a:t>2/18/2020</a:t>
             </a:fld>
             <a:endParaRPr lang="en-US"/>
           </a:p>
@@ -2563,10 +2554,9 @@
           <a:lstStyle/>
           <a:p>
             <a:r>
-              <a:rPr lang="en-US" smtClean="0"/>
+              <a:rPr lang="en-US"/>
               <a:t>Developed by TEALS in 2015  www.tealsk12.org</a:t>
             </a:r>
-            <a:endParaRPr lang="en-US"/>
           </a:p>
         </p:txBody>
       </p:sp>
@@ -2648,10 +2638,9 @@
           </a:lstStyle>
           <a:p>
             <a:r>
-              <a:rPr lang="en-US" smtClean="0"/>
+              <a:rPr lang="en-US"/>
               <a:t>Click to edit Master title style</a:t>
             </a:r>
-            <a:endParaRPr lang="en-US"/>
           </a:p>
         </p:txBody>
       </p:sp>
@@ -2705,38 +2694,37 @@
           <a:p>
             <a:pPr lvl="0"/>
             <a:r>
-              <a:rPr lang="en-US" smtClean="0"/>
+              <a:rPr lang="en-US"/>
               <a:t>Click to edit Master text styles</a:t>
             </a:r>
           </a:p>
           <a:p>
             <a:pPr lvl="1"/>
             <a:r>
-              <a:rPr lang="en-US" smtClean="0"/>
+              <a:rPr lang="en-US"/>
               <a:t>Second level</a:t>
             </a:r>
           </a:p>
           <a:p>
             <a:pPr lvl="2"/>
             <a:r>
-              <a:rPr lang="en-US" smtClean="0"/>
+              <a:rPr lang="en-US"/>
               <a:t>Third level</a:t>
             </a:r>
           </a:p>
           <a:p>
             <a:pPr lvl="3"/>
             <a:r>
-              <a:rPr lang="en-US" smtClean="0"/>
+              <a:rPr lang="en-US"/>
               <a:t>Fourth level</a:t>
             </a:r>
           </a:p>
           <a:p>
             <a:pPr lvl="4"/>
             <a:r>
-              <a:rPr lang="en-US" smtClean="0"/>
+              <a:rPr lang="en-US"/>
               <a:t>Fifth level</a:t>
             </a:r>
-            <a:endParaRPr lang="en-US"/>
           </a:p>
         </p:txBody>
       </p:sp>
@@ -2799,7 +2787,7 @@
           <a:p>
             <a:pPr lvl="0"/>
             <a:r>
-              <a:rPr lang="en-US" smtClean="0"/>
+              <a:rPr lang="en-US"/>
               <a:t>Click to edit Master text styles</a:t>
             </a:r>
           </a:p>
@@ -2822,7 +2810,7 @@
           <a:p>
             <a:fld id="{1C533E1B-B859-DB4E-86F0-BE8C9C0ABFF7}" type="datetime1">
               <a:rPr lang="en-US" smtClean="0"/>
-              <a:t>6/23/15</a:t>
+              <a:t>2/18/2020</a:t>
             </a:fld>
             <a:endParaRPr lang="en-US"/>
           </a:p>
@@ -2844,10 +2832,9 @@
           <a:lstStyle/>
           <a:p>
             <a:r>
-              <a:rPr lang="en-US" smtClean="0"/>
+              <a:rPr lang="en-US"/>
               <a:t>Developed by TEALS in 2015  www.tealsk12.org</a:t>
             </a:r>
-            <a:endParaRPr lang="en-US"/>
           </a:p>
         </p:txBody>
       </p:sp>
@@ -2929,10 +2916,9 @@
           </a:lstStyle>
           <a:p>
             <a:r>
-              <a:rPr lang="en-US" smtClean="0"/>
+              <a:rPr lang="en-US"/>
               <a:t>Click to edit Master title style</a:t>
             </a:r>
-            <a:endParaRPr lang="en-US"/>
           </a:p>
         </p:txBody>
       </p:sp>
@@ -3056,7 +3042,7 @@
           <a:p>
             <a:pPr lvl="0"/>
             <a:r>
-              <a:rPr lang="en-US" smtClean="0"/>
+              <a:rPr lang="en-US"/>
               <a:t>Click to edit Master text styles</a:t>
             </a:r>
           </a:p>
@@ -3079,7 +3065,7 @@
           <a:p>
             <a:fld id="{AC1EAEA1-8470-6B4A-8D60-97578450ABB9}" type="datetime1">
               <a:rPr lang="en-US" smtClean="0"/>
-              <a:t>6/23/15</a:t>
+              <a:t>2/18/2020</a:t>
             </a:fld>
             <a:endParaRPr lang="en-US"/>
           </a:p>
@@ -3101,10 +3087,9 @@
           <a:lstStyle/>
           <a:p>
             <a:r>
-              <a:rPr lang="en-US" smtClean="0"/>
+              <a:rPr lang="en-US"/>
               <a:t>Developed by TEALS in 2015  www.tealsk12.org</a:t>
             </a:r>
-            <a:endParaRPr lang="en-US"/>
           </a:p>
         </p:txBody>
       </p:sp>
@@ -3192,10 +3177,9 @@
           <a:lstStyle/>
           <a:p>
             <a:r>
-              <a:rPr lang="en-US" smtClean="0"/>
+              <a:rPr lang="en-US"/>
               <a:t>Click to edit Master title style</a:t>
             </a:r>
-            <a:endParaRPr lang="en-US"/>
           </a:p>
         </p:txBody>
       </p:sp>
@@ -3226,38 +3210,37 @@
           <a:p>
             <a:pPr lvl="0"/>
             <a:r>
-              <a:rPr lang="en-US" smtClean="0"/>
+              <a:rPr lang="en-US"/>
               <a:t>Click to edit Master text styles</a:t>
             </a:r>
           </a:p>
           <a:p>
             <a:pPr lvl="1"/>
             <a:r>
-              <a:rPr lang="en-US" smtClean="0"/>
+              <a:rPr lang="en-US"/>
               <a:t>Second level</a:t>
             </a:r>
           </a:p>
           <a:p>
             <a:pPr lvl="2"/>
             <a:r>
-              <a:rPr lang="en-US" smtClean="0"/>
+              <a:rPr lang="en-US"/>
               <a:t>Third level</a:t>
             </a:r>
           </a:p>
           <a:p>
             <a:pPr lvl="3"/>
             <a:r>
-              <a:rPr lang="en-US" smtClean="0"/>
+              <a:rPr lang="en-US"/>
               <a:t>Fourth level</a:t>
             </a:r>
           </a:p>
           <a:p>
             <a:pPr lvl="4"/>
             <a:r>
-              <a:rPr lang="en-US" smtClean="0"/>
+              <a:rPr lang="en-US"/>
               <a:t>Fifth level</a:t>
             </a:r>
-            <a:endParaRPr lang="en-US"/>
           </a:p>
         </p:txBody>
       </p:sp>
@@ -3296,7 +3279,7 @@
           <a:p>
             <a:fld id="{EB2A284D-251E-7046-B0B7-6A85726BD855}" type="datetime1">
               <a:rPr lang="en-US" smtClean="0"/>
-              <a:t>6/23/15</a:t>
+              <a:t>2/18/2020</a:t>
             </a:fld>
             <a:endParaRPr lang="en-US"/>
           </a:p>
@@ -3336,10 +3319,9 @@
           </a:lstStyle>
           <a:p>
             <a:r>
-              <a:rPr lang="en-US" smtClean="0"/>
+              <a:rPr lang="en-US"/>
               <a:t>Developed by TEALS in 2015  www.tealsk12.org</a:t>
             </a:r>
-            <a:endParaRPr lang="en-US"/>
           </a:p>
         </p:txBody>
       </p:sp>
@@ -3694,30 +3676,17 @@
           <a:lstStyle/>
           <a:p>
             <a:r>
-              <a:rPr lang="en-US" b="1" dirty="0" smtClean="0"/>
-              <a:t>Lesson </a:t>
-            </a:r>
-            <a:r>
               <a:rPr lang="en-US" b="1" dirty="0"/>
-              <a:t>6</a:t>
-            </a:r>
-            <a:r>
-              <a:rPr lang="en-US" b="1" dirty="0" smtClean="0"/>
-              <a:t>.0 </a:t>
-            </a:r>
-            <a:r>
-              <a:rPr lang="en-US" dirty="0" smtClean="0">
+              <a:t>Lesson 6.0 </a:t>
+            </a:r>
+            <a:r>
+              <a:rPr lang="en-US" dirty="0">
                 <a:solidFill>
                   <a:srgbClr val="17B1AA"/>
                 </a:solidFill>
               </a:rPr>
               <a:t>Test Review and Reteach</a:t>
             </a:r>
-            <a:endParaRPr lang="en-US" dirty="0">
-              <a:solidFill>
-                <a:srgbClr val="17B1AA"/>
-              </a:solidFill>
-            </a:endParaRPr>
           </a:p>
         </p:txBody>
       </p:sp>
@@ -3746,34 +3715,29 @@
               </a:rPr>
               <a:t>Objectives </a:t>
             </a:r>
-            <a:endParaRPr lang="en-US" dirty="0" smtClean="0">
+          </a:p>
+          <a:p>
+            <a:pPr lvl="1"/>
+            <a:r>
+              <a:rPr lang="en-US" b="1" dirty="0"/>
+              <a:t>Re-learn or strengthen</a:t>
+            </a:r>
+            <a:r>
+              <a:rPr lang="en-US" dirty="0"/>
+              <a:t> content knowledge and skills from Unit 5.</a:t>
+            </a:r>
+            <a:endParaRPr lang="en-US" b="1" dirty="0"/>
+          </a:p>
+          <a:p>
+            <a:endParaRPr lang="en-US" dirty="0">
               <a:solidFill>
                 <a:srgbClr val="17B1AA"/>
               </a:solidFill>
             </a:endParaRPr>
           </a:p>
           <a:p>
-            <a:pPr lvl="1"/>
-            <a:r>
-              <a:rPr lang="en-US" b="1" dirty="0" smtClean="0"/>
-              <a:t>Re-learn or strengthen</a:t>
-            </a:r>
-            <a:r>
-              <a:rPr lang="en-US" dirty="0" smtClean="0"/>
-              <a:t> content knowledge and skills from Unit 5.</a:t>
-            </a:r>
-            <a:endParaRPr lang="en-US" b="1" dirty="0"/>
-          </a:p>
-          <a:p>
-            <a:endParaRPr lang="en-US" dirty="0" smtClean="0">
-              <a:solidFill>
-                <a:srgbClr val="17B1AA"/>
-              </a:solidFill>
-            </a:endParaRPr>
-          </a:p>
-          <a:p>
-            <a:r>
-              <a:rPr lang="en-US" dirty="0" smtClean="0">
+            <a:r>
+              <a:rPr lang="en-US" dirty="0">
                 <a:solidFill>
                   <a:srgbClr val="17B1AA"/>
                 </a:solidFill>
@@ -3784,11 +3748,11 @@
           <a:p>
             <a:pPr lvl="1"/>
             <a:r>
-              <a:rPr lang="en-US" b="1" dirty="0" smtClean="0"/>
+              <a:rPr lang="en-US" b="1" dirty="0"/>
               <a:t>Re-submit</a:t>
             </a:r>
             <a:r>
-              <a:rPr lang="en-US" dirty="0" smtClean="0"/>
+              <a:rPr lang="en-US" dirty="0"/>
               <a:t> test answers with updated corrections</a:t>
             </a:r>
             <a:endParaRPr lang="en-US" b="1" dirty="0"/>
@@ -3808,31 +3772,26 @@
               </a:rPr>
               <a:t>Homework </a:t>
             </a:r>
-            <a:endParaRPr lang="en-US" dirty="0" smtClean="0">
-              <a:solidFill>
-                <a:srgbClr val="17B1AA"/>
-              </a:solidFill>
-            </a:endParaRPr>
           </a:p>
           <a:p>
             <a:pPr lvl="1"/>
             <a:r>
-              <a:rPr lang="en-US" b="1" dirty="0" smtClean="0"/>
+              <a:rPr lang="en-US" b="1" dirty="0"/>
               <a:t>Read</a:t>
             </a:r>
             <a:r>
-              <a:rPr lang="en-US" dirty="0" smtClean="0"/>
+              <a:rPr lang="en-US" dirty="0"/>
               <a:t> HW 9.1</a:t>
             </a:r>
           </a:p>
           <a:p>
             <a:pPr lvl="1"/>
             <a:r>
-              <a:rPr lang="en-US" b="1" dirty="0" smtClean="0"/>
+              <a:rPr lang="en-US" b="1" dirty="0"/>
               <a:t>Correct</a:t>
             </a:r>
             <a:r>
-              <a:rPr lang="en-US" dirty="0" smtClean="0"/>
+              <a:rPr lang="en-US" dirty="0"/>
               <a:t> any incorrect test answers by re-answering on a separate sheet of paper</a:t>
             </a:r>
             <a:endParaRPr lang="en-US" b="1" dirty="0"/>
@@ -3858,10 +3817,9 @@
           <a:lstStyle/>
           <a:p>
             <a:r>
-              <a:rPr lang="en-US" smtClean="0"/>
+              <a:rPr lang="en-US"/>
               <a:t>Developed by TEALS in 2015  www.tealsk12.org</a:t>
             </a:r>
-            <a:endParaRPr lang="en-US"/>
           </a:p>
         </p:txBody>
       </p:sp>
@@ -3911,22 +3869,17 @@
           <a:lstStyle/>
           <a:p>
             <a:r>
-              <a:rPr lang="en-US" b="1" dirty="0" smtClean="0"/>
+              <a:rPr lang="en-US" b="1" dirty="0"/>
               <a:t>Lesson 6.9 </a:t>
             </a:r>
             <a:r>
-              <a:rPr lang="en-US" dirty="0" smtClean="0">
+              <a:rPr lang="en-US" dirty="0">
                 <a:solidFill>
                   <a:srgbClr val="17B1AA"/>
                 </a:solidFill>
               </a:rPr>
               <a:t>Review</a:t>
             </a:r>
-            <a:endParaRPr lang="en-US" dirty="0">
-              <a:solidFill>
-                <a:srgbClr val="17B1AA"/>
-              </a:solidFill>
-            </a:endParaRPr>
           </a:p>
         </p:txBody>
       </p:sp>
@@ -3955,41 +3908,16 @@
               </a:rPr>
               <a:t>Objectives </a:t>
             </a:r>
-            <a:endParaRPr lang="en-US" dirty="0" smtClean="0">
-              <a:solidFill>
-                <a:srgbClr val="17B1AA"/>
-              </a:solidFill>
-            </a:endParaRPr>
           </a:p>
           <a:p>
             <a:pPr lvl="1"/>
             <a:r>
-              <a:rPr lang="en-US" b="1" dirty="0" smtClean="0"/>
+              <a:rPr lang="en-US" b="1" dirty="0"/>
               <a:t>Identify</a:t>
             </a:r>
             <a:r>
-              <a:rPr lang="en-US" dirty="0" smtClean="0"/>
-              <a:t> </a:t>
-            </a:r>
-            <a:r>
               <a:rPr lang="en-US" dirty="0"/>
-              <a:t>weaknesses in </a:t>
-            </a:r>
-            <a:r>
-              <a:rPr lang="en-US" dirty="0" smtClean="0"/>
-              <a:t>Unit </a:t>
-            </a:r>
-            <a:r>
-              <a:rPr lang="en-US" dirty="0"/>
-              <a:t>6</a:t>
-            </a:r>
-            <a:r>
-              <a:rPr lang="en-US" dirty="0" smtClean="0"/>
-              <a:t> </a:t>
-            </a:r>
-            <a:r>
-              <a:rPr lang="en-US" dirty="0"/>
-              <a:t>knowledge.</a:t>
+              <a:t> weaknesses in Unit 6 knowledge.</a:t>
             </a:r>
           </a:p>
           <a:p>
@@ -4007,25 +3935,16 @@
               </a:rPr>
               <a:t>Assessments </a:t>
             </a:r>
-            <a:endParaRPr lang="en-US" dirty="0" smtClean="0">
-              <a:solidFill>
-                <a:srgbClr val="17B1AA"/>
-              </a:solidFill>
-            </a:endParaRPr>
           </a:p>
           <a:p>
             <a:pPr lvl="1"/>
             <a:r>
-              <a:rPr lang="en-US" b="1" dirty="0" smtClean="0"/>
+              <a:rPr lang="en-US" b="1" dirty="0"/>
               <a:t>Create</a:t>
             </a:r>
             <a:r>
-              <a:rPr lang="en-US" dirty="0" smtClean="0"/>
-              <a:t> </a:t>
-            </a:r>
-            <a:r>
               <a:rPr lang="en-US" dirty="0"/>
-              <a:t>a personalized list of review topics to guide tonight’s study session.</a:t>
+              <a:t> a personalized list of review topics to guide tonight’s study session.</a:t>
             </a:r>
           </a:p>
           <a:p>
@@ -4043,35 +3962,21 @@
               </a:rPr>
               <a:t>Homework </a:t>
             </a:r>
-            <a:endParaRPr lang="en-US" dirty="0" smtClean="0">
-              <a:solidFill>
-                <a:srgbClr val="17B1AA"/>
-              </a:solidFill>
-            </a:endParaRPr>
           </a:p>
           <a:p>
             <a:pPr lvl="1"/>
             <a:r>
-              <a:rPr lang="en-US" b="1" dirty="0" smtClean="0"/>
+              <a:rPr lang="en-US" b="1" dirty="0"/>
               <a:t>Study</a:t>
             </a:r>
             <a:r>
-              <a:rPr lang="en-US" dirty="0" smtClean="0"/>
-              <a:t> </a:t>
-            </a:r>
-            <a:r>
               <a:rPr lang="en-US" dirty="0"/>
-              <a:t>for tomorrow’s </a:t>
-            </a:r>
-            <a:r>
-              <a:rPr lang="en-US" dirty="0" smtClean="0"/>
-              <a:t>test using targeted review list</a:t>
-            </a:r>
+              <a:t> for tomorrow’s test using targeted review list</a:t>
+            </a:r>
+          </a:p>
+          <a:p>
             <a:endParaRPr lang="en-US" dirty="0"/>
           </a:p>
-          <a:p>
-            <a:endParaRPr lang="en-US" dirty="0"/>
-          </a:p>
         </p:txBody>
       </p:sp>
       <p:sp>
@@ -4090,10 +3995,9 @@
           <a:lstStyle/>
           <a:p>
             <a:r>
-              <a:rPr lang="en-US" smtClean="0"/>
+              <a:rPr lang="en-US"/>
               <a:t>Developed by TEALS in 2015  www.tealsk12.org</a:t>
             </a:r>
-            <a:endParaRPr lang="en-US"/>
           </a:p>
         </p:txBody>
       </p:sp>
@@ -4145,22 +4049,17 @@
           <a:lstStyle/>
           <a:p>
             <a:r>
-              <a:rPr lang="en-US" b="1" dirty="0" smtClean="0"/>
+              <a:rPr lang="en-US" b="1" dirty="0"/>
               <a:t>Lesson 6.1 </a:t>
             </a:r>
             <a:r>
-              <a:rPr lang="en-US" dirty="0" smtClean="0">
+              <a:rPr lang="en-US" dirty="0">
                 <a:solidFill>
                   <a:srgbClr val="17B1AA"/>
                 </a:solidFill>
               </a:rPr>
               <a:t>Inheritance Basics</a:t>
             </a:r>
-            <a:endParaRPr lang="en-US" dirty="0">
-              <a:solidFill>
-                <a:srgbClr val="17B1AA"/>
-              </a:solidFill>
-            </a:endParaRPr>
           </a:p>
         </p:txBody>
       </p:sp>
@@ -4189,66 +4088,61 @@
               </a:rPr>
               <a:t>Objectives </a:t>
             </a:r>
-            <a:endParaRPr lang="en-US" dirty="0" smtClean="0">
+          </a:p>
+          <a:p>
+            <a:pPr lvl="1"/>
+            <a:r>
+              <a:rPr lang="en-US" b="1" dirty="0"/>
+              <a:t>Correctly define</a:t>
+            </a:r>
+            <a:r>
+              <a:rPr lang="en-US" dirty="0"/>
+              <a:t> inheritance.</a:t>
+            </a:r>
+          </a:p>
+          <a:p>
+            <a:pPr lvl="1"/>
+            <a:r>
+              <a:rPr lang="en-US" b="1" dirty="0"/>
+              <a:t>Use</a:t>
+            </a:r>
+            <a:r>
+              <a:rPr lang="en-US" dirty="0"/>
+              <a:t> proper syntax to extend a class.</a:t>
+            </a:r>
+          </a:p>
+          <a:p>
+            <a:pPr lvl="1"/>
+            <a:r>
+              <a:rPr lang="en-US" b="1" dirty="0"/>
+              <a:t>Illustrate</a:t>
+            </a:r>
+            <a:r>
+              <a:rPr lang="en-US" dirty="0"/>
+              <a:t> is-a relationships.</a:t>
+            </a:r>
+          </a:p>
+          <a:p>
+            <a:pPr lvl="1"/>
+            <a:r>
+              <a:rPr lang="en-US" b="1" dirty="0"/>
+              <a:t>Properly implement</a:t>
+            </a:r>
+            <a:r>
+              <a:rPr lang="en-US" dirty="0"/>
+              <a:t> constructors of derived classes using super.</a:t>
+            </a:r>
+          </a:p>
+          <a:p>
+            <a:endParaRPr lang="en-US" dirty="0">
               <a:solidFill>
                 <a:srgbClr val="17B1AA"/>
               </a:solidFill>
             </a:endParaRPr>
           </a:p>
           <a:p>
-            <a:pPr lvl="1"/>
-            <a:r>
-              <a:rPr lang="en-US" b="1" dirty="0"/>
-              <a:t>Correctly define</a:t>
-            </a:r>
-            <a:r>
-              <a:rPr lang="en-US" dirty="0"/>
-              <a:t> inheritance.</a:t>
-            </a:r>
-          </a:p>
-          <a:p>
-            <a:pPr lvl="1"/>
-            <a:r>
-              <a:rPr lang="en-US" b="1" dirty="0"/>
-              <a:t>Use</a:t>
-            </a:r>
-            <a:r>
-              <a:rPr lang="en-US" dirty="0"/>
-              <a:t> proper syntax to extend a class.</a:t>
-            </a:r>
-          </a:p>
-          <a:p>
-            <a:pPr lvl="1"/>
-            <a:r>
-              <a:rPr lang="en-US" b="1" dirty="0"/>
-              <a:t>Illustrate</a:t>
-            </a:r>
-            <a:r>
-              <a:rPr lang="en-US" dirty="0"/>
-              <a:t> is-a relationships.</a:t>
-            </a:r>
-          </a:p>
-          <a:p>
-            <a:pPr lvl="1"/>
-            <a:r>
-              <a:rPr lang="en-US" b="1" dirty="0"/>
-              <a:t>Properly implement</a:t>
-            </a:r>
-            <a:r>
-              <a:rPr lang="en-US" dirty="0"/>
-              <a:t> constructors of derived classes using super.</a:t>
-            </a:r>
-          </a:p>
-          <a:p>
-            <a:endParaRPr lang="en-US" dirty="0" smtClean="0">
-              <a:solidFill>
-                <a:srgbClr val="17B1AA"/>
-              </a:solidFill>
-            </a:endParaRPr>
-          </a:p>
-          <a:p>
-            <a:r>
-              <a:rPr lang="en-US" dirty="0" smtClean="0">
+            <a:r>
+              <a:rPr lang="en-US" dirty="0">
                 <a:solidFill>
                   <a:srgbClr val="17B1AA"/>
                 </a:solidFill>
@@ -4266,7 +4160,6 @@
               <a:rPr lang="en-US" dirty="0"/>
               <a:t> a Class Hierarchy poster as indicated in WS 6.1 </a:t>
             </a:r>
-            <a:endParaRPr lang="en-US" dirty="0" smtClean="0"/>
           </a:p>
           <a:p>
             <a:pPr marL="914400" lvl="2" indent="0">
@@ -4283,11 +4176,6 @@
               </a:rPr>
               <a:t>Homework </a:t>
             </a:r>
-            <a:endParaRPr lang="en-US" dirty="0" smtClean="0">
-              <a:solidFill>
-                <a:srgbClr val="17B1AA"/>
-              </a:solidFill>
-            </a:endParaRPr>
           </a:p>
           <a:p>
             <a:pPr lvl="1"/>
@@ -4340,10 +4228,9 @@
           <a:lstStyle/>
           <a:p>
             <a:r>
-              <a:rPr lang="en-US" smtClean="0"/>
+              <a:rPr lang="en-US"/>
               <a:t>Developed by TEALS in 2015  www.tealsk12.org</a:t>
             </a:r>
-            <a:endParaRPr lang="en-US"/>
           </a:p>
         </p:txBody>
       </p:sp>
@@ -4395,22 +4282,17 @@
           <a:lstStyle/>
           <a:p>
             <a:r>
-              <a:rPr lang="en-US" b="1" dirty="0" smtClean="0"/>
+              <a:rPr lang="en-US" b="1" dirty="0"/>
               <a:t>Lesson 6.2 </a:t>
             </a:r>
             <a:r>
-              <a:rPr lang="en-US" dirty="0" smtClean="0">
+              <a:rPr lang="en-US" dirty="0">
                 <a:solidFill>
                   <a:srgbClr val="17B1AA"/>
                 </a:solidFill>
               </a:rPr>
               <a:t>Overriding Methods &amp; Accessing Inherited Code</a:t>
             </a:r>
-            <a:endParaRPr lang="en-US" dirty="0">
-              <a:solidFill>
-                <a:srgbClr val="17B1AA"/>
-              </a:solidFill>
-            </a:endParaRPr>
           </a:p>
         </p:txBody>
       </p:sp>
@@ -4439,11 +4321,6 @@
               </a:rPr>
               <a:t>Objectives </a:t>
             </a:r>
-            <a:endParaRPr lang="en-US" dirty="0" smtClean="0">
-              <a:solidFill>
-                <a:srgbClr val="17B1AA"/>
-              </a:solidFill>
-            </a:endParaRPr>
           </a:p>
           <a:p>
             <a:pPr lvl="1"/>
@@ -4482,11 +4359,6 @@
               </a:rPr>
               <a:t>Assessments </a:t>
             </a:r>
-            <a:endParaRPr lang="en-US" dirty="0" smtClean="0">
-              <a:solidFill>
-                <a:srgbClr val="17B1AA"/>
-              </a:solidFill>
-            </a:endParaRPr>
           </a:p>
           <a:p>
             <a:pPr lvl="1"/>
@@ -4496,30 +4368,17 @@
             </a:r>
             <a:r>
               <a:rPr lang="en-US" dirty="0"/>
-              <a:t> code to </a:t>
-            </a:r>
-            <a:r>
-              <a:rPr lang="en-US" dirty="0" smtClean="0"/>
-              <a:t>Class </a:t>
-            </a:r>
+              <a:t> code to Class Posters from the previous lesson.</a:t>
+            </a:r>
+          </a:p>
+          <a:p>
+            <a:pPr marL="457200" lvl="1" indent="0">
+              <a:buNone/>
+            </a:pPr>
             <a:r>
               <a:rPr lang="en-US" dirty="0"/>
-              <a:t>Posters from the previous lesson</a:t>
-            </a:r>
-            <a:r>
-              <a:rPr lang="en-US" dirty="0" smtClean="0"/>
-              <a:t>.</a:t>
-            </a:r>
-          </a:p>
-          <a:p>
-            <a:pPr marL="457200" lvl="1" indent="0">
-              <a:buNone/>
-            </a:pPr>
-            <a:r>
-              <a:rPr lang="en-US" dirty="0" smtClean="0"/>
               <a:t> </a:t>
             </a:r>
-            <a:endParaRPr lang="en-US" dirty="0"/>
           </a:p>
           <a:p>
             <a:r>
@@ -4530,11 +4389,6 @@
               </a:rPr>
               <a:t>Homework </a:t>
             </a:r>
-            <a:endParaRPr lang="en-US" dirty="0" smtClean="0">
-              <a:solidFill>
-                <a:srgbClr val="17B1AA"/>
-              </a:solidFill>
-            </a:endParaRPr>
           </a:p>
           <a:p>
             <a:pPr lvl="1"/>
@@ -4568,10 +4422,9 @@
           <a:lstStyle/>
           <a:p>
             <a:r>
-              <a:rPr lang="en-US" smtClean="0"/>
+              <a:rPr lang="en-US"/>
               <a:t>Developed by TEALS in 2015  www.tealsk12.org</a:t>
             </a:r>
-            <a:endParaRPr lang="en-US"/>
           </a:p>
         </p:txBody>
       </p:sp>
@@ -4623,22 +4476,17 @@
           <a:lstStyle/>
           <a:p>
             <a:r>
-              <a:rPr lang="en-US" b="1" dirty="0" smtClean="0"/>
+              <a:rPr lang="en-US" b="1" dirty="0"/>
               <a:t>Lesson 6.3 </a:t>
             </a:r>
             <a:r>
-              <a:rPr lang="en-US" dirty="0" smtClean="0">
+              <a:rPr lang="en-US" dirty="0">
                 <a:solidFill>
                   <a:srgbClr val="17B1AA"/>
                 </a:solidFill>
               </a:rPr>
               <a:t>Interacting with the Object Superclass</a:t>
             </a:r>
-            <a:endParaRPr lang="en-US" dirty="0">
-              <a:solidFill>
-                <a:srgbClr val="17B1AA"/>
-              </a:solidFill>
-            </a:endParaRPr>
           </a:p>
         </p:txBody>
       </p:sp>
@@ -4667,44 +4515,39 @@
               </a:rPr>
               <a:t>Objectives </a:t>
             </a:r>
-            <a:endParaRPr lang="en-US" dirty="0" smtClean="0">
+          </a:p>
+          <a:p>
+            <a:pPr lvl="1"/>
+            <a:r>
+              <a:rPr lang="en-US" b="1" dirty="0"/>
+              <a:t>Replace</a:t>
+            </a:r>
+            <a:r>
+              <a:rPr lang="en-US" dirty="0"/>
+              <a:t> superclass behavior by writing overriding methods in the subclass.</a:t>
+            </a:r>
+          </a:p>
+          <a:p>
+            <a:pPr lvl="1"/>
+            <a:r>
+              <a:rPr lang="en-US" b="1" dirty="0"/>
+              <a:t>Write</a:t>
+            </a:r>
+            <a:r>
+              <a:rPr lang="en-US" dirty="0"/>
+              <a:t> subclass methods that access superclass methods.</a:t>
+            </a:r>
+          </a:p>
+          <a:p>
+            <a:endParaRPr lang="en-US" dirty="0">
               <a:solidFill>
                 <a:srgbClr val="17B1AA"/>
               </a:solidFill>
             </a:endParaRPr>
           </a:p>
           <a:p>
-            <a:pPr lvl="1"/>
-            <a:r>
-              <a:rPr lang="en-US" b="1" dirty="0"/>
-              <a:t>Replace</a:t>
-            </a:r>
-            <a:r>
-              <a:rPr lang="en-US" dirty="0"/>
-              <a:t> superclass behavior by writing overriding methods in the subclass.</a:t>
-            </a:r>
-          </a:p>
-          <a:p>
-            <a:pPr lvl="1"/>
-            <a:r>
-              <a:rPr lang="en-US" b="1" dirty="0"/>
-              <a:t>Write</a:t>
-            </a:r>
-            <a:r>
-              <a:rPr lang="en-US" dirty="0"/>
-              <a:t> subclass methods that access superclass methods.</a:t>
-            </a:r>
-          </a:p>
-          <a:p>
-            <a:endParaRPr lang="en-US" dirty="0" smtClean="0">
-              <a:solidFill>
-                <a:srgbClr val="17B1AA"/>
-              </a:solidFill>
-            </a:endParaRPr>
-          </a:p>
-          <a:p>
-            <a:r>
-              <a:rPr lang="en-US" dirty="0" smtClean="0">
+            <a:r>
+              <a:rPr lang="en-US" dirty="0">
                 <a:solidFill>
                   <a:srgbClr val="17B1AA"/>
                 </a:solidFill>
@@ -4720,7 +4563,7 @@
             </a:r>
             <a:r>
               <a:rPr lang="en-US" dirty="0"/>
-              <a:t> Practice-It questions</a:t>
+              <a:t> Practice questions</a:t>
             </a:r>
           </a:p>
           <a:p>
@@ -4749,11 +4592,6 @@
               </a:rPr>
               <a:t>Homework </a:t>
             </a:r>
-            <a:endParaRPr lang="en-US" dirty="0" smtClean="0">
-              <a:solidFill>
-                <a:srgbClr val="17B1AA"/>
-              </a:solidFill>
-            </a:endParaRPr>
           </a:p>
           <a:p>
             <a:pPr lvl="1"/>
@@ -4787,10 +4625,9 @@
           <a:lstStyle/>
           <a:p>
             <a:r>
-              <a:rPr lang="en-US" smtClean="0"/>
+              <a:rPr lang="en-US"/>
               <a:t>Developed by TEALS in 2015  www.tealsk12.org</a:t>
             </a:r>
-            <a:endParaRPr lang="en-US"/>
           </a:p>
         </p:txBody>
       </p:sp>
@@ -4842,22 +4679,17 @@
           <a:lstStyle/>
           <a:p>
             <a:r>
-              <a:rPr lang="en-US" b="1" dirty="0" smtClean="0"/>
+              <a:rPr lang="en-US" b="1" dirty="0"/>
               <a:t>Lesson 6.4 </a:t>
             </a:r>
             <a:r>
-              <a:rPr lang="en-US" dirty="0" smtClean="0">
+              <a:rPr lang="en-US" dirty="0">
                 <a:solidFill>
                   <a:srgbClr val="17B1AA"/>
                 </a:solidFill>
               </a:rPr>
               <a:t>Polymorphism</a:t>
             </a:r>
-            <a:endParaRPr lang="en-US" dirty="0">
-              <a:solidFill>
-                <a:srgbClr val="17B1AA"/>
-              </a:solidFill>
-            </a:endParaRPr>
           </a:p>
         </p:txBody>
       </p:sp>
@@ -4886,11 +4718,6 @@
               </a:rPr>
               <a:t>Objectives </a:t>
             </a:r>
-            <a:endParaRPr lang="en-US" dirty="0" smtClean="0">
-              <a:solidFill>
-                <a:srgbClr val="17B1AA"/>
-              </a:solidFill>
-            </a:endParaRPr>
           </a:p>
           <a:p>
             <a:pPr lvl="1"/>
@@ -4929,11 +4756,6 @@
               </a:rPr>
               <a:t>Assessments </a:t>
             </a:r>
-            <a:endParaRPr lang="en-US" dirty="0" smtClean="0">
-              <a:solidFill>
-                <a:srgbClr val="17B1AA"/>
-              </a:solidFill>
-            </a:endParaRPr>
           </a:p>
           <a:p>
             <a:pPr lvl="1"/>
@@ -4972,11 +4794,6 @@
               </a:rPr>
               <a:t>Homework </a:t>
             </a:r>
-            <a:endParaRPr lang="en-US" dirty="0" smtClean="0">
-              <a:solidFill>
-                <a:srgbClr val="17B1AA"/>
-              </a:solidFill>
-            </a:endParaRPr>
           </a:p>
           <a:p>
             <a:pPr lvl="1"/>
@@ -5021,10 +4838,9 @@
           <a:lstStyle/>
           <a:p>
             <a:r>
-              <a:rPr lang="en-US" smtClean="0"/>
+              <a:rPr lang="en-US"/>
               <a:t>Developed by TEALS in 2015  www.tealsk12.org</a:t>
             </a:r>
-            <a:endParaRPr lang="en-US"/>
           </a:p>
         </p:txBody>
       </p:sp>
@@ -5076,22 +4892,17 @@
           <a:lstStyle/>
           <a:p>
             <a:r>
-              <a:rPr lang="en-US" b="1" dirty="0" smtClean="0"/>
+              <a:rPr lang="en-US" b="1" dirty="0"/>
               <a:t>Lesson 6.5 </a:t>
             </a:r>
             <a:r>
-              <a:rPr lang="en-US" dirty="0" smtClean="0">
+              <a:rPr lang="en-US" dirty="0">
                 <a:solidFill>
                   <a:srgbClr val="17B1AA"/>
                 </a:solidFill>
               </a:rPr>
               <a:t>Has-a Relationships</a:t>
             </a:r>
-            <a:endParaRPr lang="en-US" dirty="0">
-              <a:solidFill>
-                <a:srgbClr val="17B1AA"/>
-              </a:solidFill>
-            </a:endParaRPr>
           </a:p>
         </p:txBody>
       </p:sp>
@@ -5120,11 +4931,6 @@
               </a:rPr>
               <a:t>Objectives </a:t>
             </a:r>
-            <a:endParaRPr lang="en-US" dirty="0" smtClean="0">
-              <a:solidFill>
-                <a:srgbClr val="17B1AA"/>
-              </a:solidFill>
-            </a:endParaRPr>
           </a:p>
           <a:p>
             <a:pPr lvl="1"/>
@@ -5163,11 +4969,6 @@
               </a:rPr>
               <a:t>Assessments </a:t>
             </a:r>
-            <a:endParaRPr lang="en-US" dirty="0" smtClean="0">
-              <a:solidFill>
-                <a:srgbClr val="17B1AA"/>
-              </a:solidFill>
-            </a:endParaRPr>
           </a:p>
           <a:p>
             <a:pPr lvl="1"/>
@@ -5195,11 +4996,6 @@
               </a:rPr>
               <a:t>Homework </a:t>
             </a:r>
-            <a:endParaRPr lang="en-US" dirty="0" smtClean="0">
-              <a:solidFill>
-                <a:srgbClr val="17B1AA"/>
-              </a:solidFill>
-            </a:endParaRPr>
           </a:p>
           <a:p>
             <a:pPr lvl="1"/>
@@ -5233,10 +5029,9 @@
           <a:lstStyle/>
           <a:p>
             <a:r>
-              <a:rPr lang="en-US" smtClean="0"/>
+              <a:rPr lang="en-US"/>
               <a:t>Developed by TEALS in 2015  www.tealsk12.org</a:t>
             </a:r>
-            <a:endParaRPr lang="en-US"/>
           </a:p>
         </p:txBody>
       </p:sp>
@@ -5288,22 +5083,17 @@
           <a:lstStyle/>
           <a:p>
             <a:r>
-              <a:rPr lang="en-US" b="1" dirty="0" smtClean="0"/>
+              <a:rPr lang="en-US" b="1" dirty="0"/>
               <a:t>Lesson 6.6 </a:t>
             </a:r>
             <a:r>
-              <a:rPr lang="en-US" dirty="0" smtClean="0">
+              <a:rPr lang="en-US" dirty="0">
                 <a:solidFill>
                   <a:srgbClr val="17B1AA"/>
                 </a:solidFill>
               </a:rPr>
               <a:t>Interfaces</a:t>
             </a:r>
-            <a:endParaRPr lang="en-US" dirty="0">
-              <a:solidFill>
-                <a:srgbClr val="17B1AA"/>
-              </a:solidFill>
-            </a:endParaRPr>
           </a:p>
         </p:txBody>
       </p:sp>
@@ -5332,23 +5122,17 @@
               </a:rPr>
               <a:t>Objectives </a:t>
             </a:r>
-            <a:endParaRPr lang="en-US" dirty="0" smtClean="0">
-              <a:solidFill>
-                <a:srgbClr val="17B1AA"/>
-              </a:solidFill>
-            </a:endParaRPr>
           </a:p>
           <a:p>
             <a:pPr lvl="1"/>
             <a:r>
-              <a:rPr lang="en-US" b="1" dirty="0" smtClean="0"/>
+              <a:rPr lang="en-US" b="1" dirty="0"/>
               <a:t>Implement and use</a:t>
             </a:r>
             <a:r>
-              <a:rPr lang="en-US" dirty="0" smtClean="0"/>
+              <a:rPr lang="en-US" dirty="0"/>
               <a:t> interfaces.</a:t>
             </a:r>
-            <a:endParaRPr lang="en-US" dirty="0"/>
           </a:p>
           <a:p>
             <a:pPr marL="0" indent="0">
@@ -5365,20 +5149,15 @@
               </a:rPr>
               <a:t>Assessments </a:t>
             </a:r>
-            <a:endParaRPr lang="en-US" dirty="0" smtClean="0">
-              <a:solidFill>
-                <a:srgbClr val="17B1AA"/>
-              </a:solidFill>
-            </a:endParaRPr>
           </a:p>
           <a:p>
             <a:pPr lvl="1"/>
             <a:r>
-              <a:rPr lang="en-US" b="1" dirty="0" smtClean="0"/>
+              <a:rPr lang="en-US" b="1" dirty="0"/>
               <a:t>Complete</a:t>
             </a:r>
             <a:r>
-              <a:rPr lang="en-US" dirty="0" smtClean="0"/>
+              <a:rPr lang="en-US" dirty="0"/>
               <a:t> an in-class competition</a:t>
             </a:r>
             <a:endParaRPr lang="en-US" b="1" dirty="0"/>
@@ -5398,11 +5177,6 @@
               </a:rPr>
               <a:t>Homework </a:t>
             </a:r>
-            <a:endParaRPr lang="en-US" dirty="0" smtClean="0">
-              <a:solidFill>
-                <a:srgbClr val="17B1AA"/>
-              </a:solidFill>
-            </a:endParaRPr>
           </a:p>
           <a:p>
             <a:pPr lvl="1"/>
@@ -5462,10 +5236,9 @@
           <a:lstStyle/>
           <a:p>
             <a:r>
-              <a:rPr lang="en-US" smtClean="0"/>
+              <a:rPr lang="en-US"/>
               <a:t>Developed by TEALS in 2015  www.tealsk12.org</a:t>
             </a:r>
-            <a:endParaRPr lang="en-US"/>
           </a:p>
         </p:txBody>
       </p:sp>
@@ -5517,22 +5290,17 @@
           <a:lstStyle/>
           <a:p>
             <a:r>
-              <a:rPr lang="en-US" b="1" dirty="0" smtClean="0"/>
+              <a:rPr lang="en-US" b="1" dirty="0"/>
               <a:t>Lesson 6.7 </a:t>
             </a:r>
             <a:r>
-              <a:rPr lang="en-US" dirty="0" smtClean="0">
+              <a:rPr lang="en-US" dirty="0">
                 <a:solidFill>
                   <a:srgbClr val="17B1AA"/>
                 </a:solidFill>
               </a:rPr>
               <a:t>Programming Project</a:t>
             </a:r>
-            <a:endParaRPr lang="en-US" dirty="0">
-              <a:solidFill>
-                <a:srgbClr val="17B1AA"/>
-              </a:solidFill>
-            </a:endParaRPr>
           </a:p>
         </p:txBody>
       </p:sp>
@@ -5561,23 +5329,17 @@
               </a:rPr>
               <a:t>Objectives </a:t>
             </a:r>
-            <a:endParaRPr lang="en-US" dirty="0" smtClean="0">
-              <a:solidFill>
-                <a:srgbClr val="17B1AA"/>
-              </a:solidFill>
-            </a:endParaRPr>
           </a:p>
           <a:p>
             <a:pPr lvl="1"/>
             <a:r>
-              <a:rPr lang="en-US" b="1" dirty="0" smtClean="0"/>
+              <a:rPr lang="en-US" b="1" dirty="0"/>
               <a:t>Write</a:t>
             </a:r>
             <a:r>
-              <a:rPr lang="en-US" dirty="0" smtClean="0"/>
+              <a:rPr lang="en-US" dirty="0"/>
               <a:t> complex code that uses polymorphism, inheritance, and interfaces.</a:t>
             </a:r>
-            <a:endParaRPr lang="en-US" dirty="0"/>
           </a:p>
           <a:p>
             <a:pPr marL="0" indent="0">
@@ -5594,31 +5356,26 @@
               </a:rPr>
               <a:t>Assessments </a:t>
             </a:r>
-            <a:endParaRPr lang="en-US" dirty="0" smtClean="0">
-              <a:solidFill>
-                <a:srgbClr val="17B1AA"/>
-              </a:solidFill>
-            </a:endParaRPr>
           </a:p>
           <a:p>
             <a:pPr lvl="1"/>
             <a:r>
-              <a:rPr lang="en-US" b="1" dirty="0" smtClean="0"/>
+              <a:rPr lang="en-US" b="1" dirty="0"/>
               <a:t>Submit</a:t>
             </a:r>
             <a:r>
-              <a:rPr lang="en-US" dirty="0" smtClean="0"/>
+              <a:rPr lang="en-US" dirty="0"/>
               <a:t> multiple programs electronically</a:t>
             </a:r>
           </a:p>
           <a:p>
             <a:pPr lvl="1"/>
             <a:r>
-              <a:rPr lang="en-US" b="1" dirty="0" smtClean="0"/>
+              <a:rPr lang="en-US" b="1" dirty="0"/>
               <a:t>Take</a:t>
             </a:r>
             <a:r>
-              <a:rPr lang="en-US" dirty="0" smtClean="0"/>
+              <a:rPr lang="en-US" dirty="0"/>
               <a:t> two quizzes from the Barron’s review book</a:t>
             </a:r>
             <a:endParaRPr lang="en-US" b="1" dirty="0"/>
@@ -5638,27 +5395,21 @@
               </a:rPr>
               <a:t>Homework </a:t>
             </a:r>
-            <a:endParaRPr lang="en-US" dirty="0" smtClean="0">
-              <a:solidFill>
-                <a:srgbClr val="17B1AA"/>
-              </a:solidFill>
-            </a:endParaRPr>
           </a:p>
           <a:p>
             <a:pPr lvl="1"/>
             <a:r>
-              <a:rPr lang="en-US" b="1" dirty="0" smtClean="0"/>
+              <a:rPr lang="en-US" b="1" dirty="0"/>
               <a:t>Complete</a:t>
             </a:r>
             <a:r>
-              <a:rPr lang="en-US" dirty="0" smtClean="0"/>
+              <a:rPr lang="en-US" dirty="0"/>
               <a:t> Programming Project</a:t>
             </a:r>
+          </a:p>
+          <a:p>
             <a:endParaRPr lang="en-US" dirty="0"/>
           </a:p>
-          <a:p>
-            <a:endParaRPr lang="en-US" dirty="0"/>
-          </a:p>
         </p:txBody>
       </p:sp>
       <p:sp>
@@ -5677,10 +5428,9 @@
           <a:lstStyle/>
           <a:p>
             <a:r>
-              <a:rPr lang="en-US" smtClean="0"/>
+              <a:rPr lang="en-US"/>
               <a:t>Developed by TEALS in 2015  www.tealsk12.org</a:t>
             </a:r>
-            <a:endParaRPr lang="en-US"/>
           </a:p>
         </p:txBody>
       </p:sp>
@@ -5732,22 +5482,17 @@
           <a:lstStyle/>
           <a:p>
             <a:r>
-              <a:rPr lang="en-US" b="1" dirty="0" smtClean="0"/>
+              <a:rPr lang="en-US" b="1" dirty="0"/>
               <a:t>Lesson 6.8 </a:t>
             </a:r>
             <a:r>
-              <a:rPr lang="en-US" dirty="0" smtClean="0">
+              <a:rPr lang="en-US" dirty="0">
                 <a:solidFill>
                   <a:srgbClr val="17B1AA"/>
                 </a:solidFill>
               </a:rPr>
               <a:t>Finding and Fixing Errors</a:t>
             </a:r>
-            <a:endParaRPr lang="en-US" dirty="0">
-              <a:solidFill>
-                <a:srgbClr val="17B1AA"/>
-              </a:solidFill>
-            </a:endParaRPr>
           </a:p>
         </p:txBody>
       </p:sp>
@@ -5776,31 +5521,26 @@
               </a:rPr>
               <a:t>Objectives </a:t>
             </a:r>
-            <a:endParaRPr lang="en-US" dirty="0" smtClean="0">
-              <a:solidFill>
-                <a:srgbClr val="17B1AA"/>
-              </a:solidFill>
-            </a:endParaRPr>
           </a:p>
           <a:p>
             <a:pPr lvl="1"/>
             <a:r>
-              <a:rPr lang="en-US" b="1" dirty="0" smtClean="0"/>
+              <a:rPr lang="en-US" b="1" dirty="0"/>
               <a:t>Find</a:t>
             </a:r>
             <a:r>
-              <a:rPr lang="en-US" dirty="0" smtClean="0"/>
+              <a:rPr lang="en-US" dirty="0"/>
               <a:t> errors in returned homework assignments.</a:t>
             </a:r>
           </a:p>
           <a:p>
             <a:pPr lvl="1"/>
             <a:r>
-              <a:rPr lang="en-US" b="1" dirty="0" smtClean="0"/>
+              <a:rPr lang="en-US" b="1" dirty="0"/>
               <a:t>Correct</a:t>
             </a:r>
             <a:r>
-              <a:rPr lang="en-US" dirty="0" smtClean="0"/>
+              <a:rPr lang="en-US" dirty="0"/>
               <a:t> code</a:t>
             </a:r>
             <a:endParaRPr lang="en-US" b="1" dirty="0"/>
@@ -5820,11 +5560,6 @@
               </a:rPr>
               <a:t>Assessments </a:t>
             </a:r>
-            <a:endParaRPr lang="en-US" dirty="0" smtClean="0">
-              <a:solidFill>
-                <a:srgbClr val="17B1AA"/>
-              </a:solidFill>
-            </a:endParaRPr>
           </a:p>
           <a:p>
             <a:pPr lvl="1"/>
@@ -5834,13 +5569,8 @@
             </a:r>
             <a:r>
               <a:rPr lang="en-US" dirty="0"/>
-              <a:t> all homework assignments with corrected </a:t>
-            </a:r>
-            <a:r>
-              <a:rPr lang="en-US" dirty="0" smtClean="0"/>
-              <a:t>answers.</a:t>
-            </a:r>
-            <a:endParaRPr lang="en-US" dirty="0"/>
+              <a:t> all homework assignments with corrected answers.</a:t>
+            </a:r>
           </a:p>
           <a:p>
             <a:pPr marL="0" indent="0">
@@ -5857,24 +5587,19 @@
               </a:rPr>
               <a:t>Homework </a:t>
             </a:r>
-            <a:endParaRPr lang="en-US" dirty="0" smtClean="0">
-              <a:solidFill>
-                <a:srgbClr val="17B1AA"/>
-              </a:solidFill>
-            </a:endParaRPr>
           </a:p>
           <a:p>
             <a:pPr lvl="1"/>
             <a:r>
-              <a:rPr lang="en-US" b="1" dirty="0" smtClean="0"/>
+              <a:rPr lang="en-US" b="1" dirty="0"/>
               <a:t>Review</a:t>
             </a:r>
             <a:r>
-              <a:rPr lang="en-US" dirty="0" smtClean="0"/>
+              <a:rPr lang="en-US" dirty="0"/>
               <a:t> materials for the </a:t>
             </a:r>
             <a:r>
-              <a:rPr lang="en-US" dirty="0" err="1" smtClean="0"/>
+              <a:rPr lang="en-US" dirty="0" err="1"/>
               <a:t>testby</a:t>
             </a:r>
             <a:r>
@@ -5890,32 +5615,23 @@
             </a:r>
             <a:r>
               <a:rPr lang="en-US" dirty="0"/>
-              <a:t> all the blue pages at the end </a:t>
-            </a:r>
-            <a:r>
-              <a:rPr lang="en-US" dirty="0" smtClean="0"/>
-              <a:t>of Chapter 9</a:t>
-            </a:r>
+              <a:t> all the blue pages at the end of Chapter 9</a:t>
+            </a:r>
+          </a:p>
+          <a:p>
+            <a:pPr lvl="1"/>
+            <a:r>
+              <a:rPr lang="en-US" b="1" dirty="0"/>
+              <a:t>Submit</a:t>
+            </a:r>
+            <a:r>
+              <a:rPr lang="en-US" dirty="0"/>
+              <a:t> 5 questions for review in class tomorrow using electronic survey</a:t>
+            </a:r>
+          </a:p>
+          <a:p>
             <a:endParaRPr lang="en-US" dirty="0"/>
           </a:p>
-          <a:p>
-            <a:pPr lvl="1"/>
-            <a:r>
-              <a:rPr lang="en-US" b="1" dirty="0" smtClean="0"/>
-              <a:t>Submit</a:t>
-            </a:r>
-            <a:r>
-              <a:rPr lang="en-US" dirty="0" smtClean="0"/>
-              <a:t> </a:t>
-            </a:r>
-            <a:r>
-              <a:rPr lang="en-US" dirty="0"/>
-              <a:t>5 questions for review in class tomorrow using electronic survey</a:t>
-            </a:r>
-          </a:p>
-          <a:p>
-            <a:endParaRPr lang="en-US" dirty="0"/>
-          </a:p>
         </p:txBody>
       </p:sp>
       <p:sp>
@@ -5934,10 +5650,9 @@
           <a:lstStyle/>
           <a:p>
             <a:r>
-              <a:rPr lang="en-US" smtClean="0"/>
+              <a:rPr lang="en-US"/>
               <a:t>Developed by TEALS in 2015  www.tealsk12.org</a:t>
             </a:r>
-            <a:endParaRPr lang="en-US"/>
           </a:p>
         </p:txBody>
       </p:sp>
@@ -6915,6 +6630,15 @@
 </file>
 
 <file path=customXml/item1.xml><?xml version="1.0" encoding="utf-8"?>
+<?mso-contentType ?>
+<FormTemplates xmlns="http://schemas.microsoft.com/sharepoint/v3/contenttype/forms">
+  <Display>DocumentLibraryForm</Display>
+  <Edit>DocumentLibraryForm</Edit>
+  <New>DocumentLibraryForm</New>
+</FormTemplates>
+</file>
+
+<file path=customXml/item2.xml><?xml version="1.0" encoding="utf-8"?>
 <ct:contentTypeSchema xmlns:ct="http://schemas.microsoft.com/office/2006/metadata/contentType" xmlns:ma="http://schemas.microsoft.com/office/2006/metadata/properties/metaAttributes" ct:_="" ma:_="" ma:contentTypeName="Document" ma:contentTypeID="0x01010011E83E049C87AC4AB56F27089B4ACA55" ma:contentTypeVersion="12" ma:contentTypeDescription="Create a new document." ma:contentTypeScope="" ma:versionID="1178fe99ddca204d3fc8224f4ed0acf8">
   <xsd:schema xmlns:xsd="http://www.w3.org/2001/XMLSchema" xmlns:xs="http://www.w3.org/2001/XMLSchema" xmlns:p="http://schemas.microsoft.com/office/2006/metadata/properties" xmlns:ns2="be898649-fe57-4b08-9fd4-31fc752880e3" xmlns:ns3="6f430b7c-f2e9-4385-9cb2-4dd06cc2317e" targetNamespace="http://schemas.microsoft.com/office/2006/metadata/properties" ma:root="true" ma:fieldsID="05a700af6660b82c6e85ae510b7169e9" ns2:_="" ns3:_="">
     <xsd:import namespace="be898649-fe57-4b08-9fd4-31fc752880e3"/>
@@ -7131,15 +6855,6 @@
 </ct:contentTypeSchema>
 </file>
 
-<file path=customXml/item2.xml><?xml version="1.0" encoding="utf-8"?>
-<?mso-contentType ?>
-<FormTemplates xmlns="http://schemas.microsoft.com/sharepoint/v3/contenttype/forms">
-  <Display>DocumentLibraryForm</Display>
-  <Edit>DocumentLibraryForm</Edit>
-  <New>DocumentLibraryForm</New>
-</FormTemplates>
-</file>
-
 <file path=customXml/item3.xml><?xml version="1.0" encoding="utf-8"?>
 <p:properties xmlns:p="http://schemas.microsoft.com/office/2006/metadata/properties" xmlns:xsi="http://www.w3.org/2001/XMLSchema-instance" xmlns:pc="http://schemas.microsoft.com/office/infopath/2007/PartnerControls">
   <documentManagement/>
@@ -7147,13 +6862,37 @@
 </file>
 
 <file path=customXml/itemProps1.xml><?xml version="1.0" encoding="utf-8"?>
-<ds:datastoreItem xmlns:ds="http://schemas.openxmlformats.org/officeDocument/2006/customXml" ds:itemID="{4BA9480A-6A46-44D1-8A0B-F1B153249EB8}"/>
+<ds:datastoreItem xmlns:ds="http://schemas.openxmlformats.org/officeDocument/2006/customXml" ds:itemID="{3285B7E3-6A87-4C05-9B8E-47A454B20783}">
+  <ds:schemaRefs>
+    <ds:schemaRef ds:uri="http://schemas.microsoft.com/sharepoint/v3/contenttype/forms"/>
+  </ds:schemaRefs>
+</ds:datastoreItem>
 </file>
 
 <file path=customXml/itemProps2.xml><?xml version="1.0" encoding="utf-8"?>
-<ds:datastoreItem xmlns:ds="http://schemas.openxmlformats.org/officeDocument/2006/customXml" ds:itemID="{3285B7E3-6A87-4C05-9B8E-47A454B20783}"/>
+<ds:datastoreItem xmlns:ds="http://schemas.openxmlformats.org/officeDocument/2006/customXml" ds:itemID="{4BA9480A-6A46-44D1-8A0B-F1B153249EB8}">
+  <ds:schemaRefs>
+    <ds:schemaRef ds:uri="http://schemas.microsoft.com/office/2006/metadata/contentType"/>
+    <ds:schemaRef ds:uri="http://schemas.microsoft.com/office/2006/metadata/properties/metaAttributes"/>
+    <ds:schemaRef ds:uri="http://www.w3.org/2001/XMLSchema"/>
+    <ds:schemaRef ds:uri="http://schemas.microsoft.com/office/2006/metadata/properties"/>
+    <ds:schemaRef ds:uri="be898649-fe57-4b08-9fd4-31fc752880e3"/>
+    <ds:schemaRef ds:uri="6f430b7c-f2e9-4385-9cb2-4dd06cc2317e"/>
+    <ds:schemaRef ds:uri="http://schemas.microsoft.com/office/2006/documentManagement/types"/>
+    <ds:schemaRef ds:uri="http://schemas.microsoft.com/office/infopath/2007/PartnerControls"/>
+    <ds:schemaRef ds:uri="http://schemas.openxmlformats.org/package/2006/metadata/core-properties"/>
+    <ds:schemaRef ds:uri="http://purl.org/dc/elements/1.1/"/>
+    <ds:schemaRef ds:uri="http://purl.org/dc/terms/"/>
+    <ds:schemaRef ds:uri="http://schemas.microsoft.com/internal/obd"/>
+  </ds:schemaRefs>
+</ds:datastoreItem>
 </file>
 
 <file path=customXml/itemProps3.xml><?xml version="1.0" encoding="utf-8"?>
-<ds:datastoreItem xmlns:ds="http://schemas.openxmlformats.org/officeDocument/2006/customXml" ds:itemID="{4A7EC573-D6CE-485A-816D-CB816ABDA6ED}"/>
+<ds:datastoreItem xmlns:ds="http://schemas.openxmlformats.org/officeDocument/2006/customXml" ds:itemID="{4A7EC573-D6CE-485A-816D-CB816ABDA6ED}">
+  <ds:schemaRefs>
+    <ds:schemaRef ds:uri="http://schemas.microsoft.com/office/2006/metadata/properties"/>
+    <ds:schemaRef ds:uri="http://schemas.microsoft.com/office/infopath/2007/PartnerControls"/>
+  </ds:schemaRefs>
+</ds:datastoreItem>
 </file>